--- a/Task 2/Neural Style Transfer.pptx
+++ b/Task 2/Neural Style Transfer.pptx
@@ -9,12 +9,13 @@
     <p:sldId id="257" r:id="rId3"/>
     <p:sldId id="258" r:id="rId4"/>
     <p:sldId id="259" r:id="rId5"/>
-    <p:sldId id="260" r:id="rId6"/>
-    <p:sldId id="269" r:id="rId7"/>
-    <p:sldId id="261" r:id="rId8"/>
-    <p:sldId id="267" r:id="rId9"/>
-    <p:sldId id="265" r:id="rId10"/>
-    <p:sldId id="266" r:id="rId11"/>
+    <p:sldId id="269" r:id="rId6"/>
+    <p:sldId id="260" r:id="rId7"/>
+    <p:sldId id="270" r:id="rId8"/>
+    <p:sldId id="261" r:id="rId9"/>
+    <p:sldId id="267" r:id="rId10"/>
+    <p:sldId id="265" r:id="rId11"/>
+    <p:sldId id="266" r:id="rId12"/>
   </p:sldIdLst>
   <p:sldSz cx="12192000" cy="6858000"/>
   <p:notesSz cx="6858000" cy="9144000"/>
@@ -124,10 +125,11 @@
 <file path=ppt/revisionInfo.xml><?xml version="1.0" encoding="utf-8"?>
 <p1510:revInfo xmlns:a="http://schemas.openxmlformats.org/drawingml/2006/main" xmlns:r="http://schemas.openxmlformats.org/officeDocument/2006/relationships" xmlns:p1510="http://schemas.microsoft.com/office/powerpoint/2015/10/main">
   <p1510:revLst>
+    <p1510:client id="{1B921456-54D4-2003-15F4-D233CF7DE099}" v="17" dt="2022-07-15T15:07:10.637"/>
+    <p1510:client id="{2C2F6C74-E964-8A5E-D092-915D145D2840}" v="624" dt="2022-07-17T04:41:32.672"/>
+    <p1510:client id="{426A8223-AADA-BB84-8CB1-E4FEDE9BC64D}" v="81" dt="2022-07-15T18:03:50.932"/>
+    <p1510:client id="{479CE2AC-C250-BCC3-25AC-1D8E38312BFF}" v="1059" dt="2022-07-14T14:19:23.792"/>
     <p1510:client id="{F3694501-7419-4412-9708-122E958A8A10}" v="39" dt="2022-07-12T14:40:16.928"/>
-    <p1510:client id="{479CE2AC-C250-BCC3-25AC-1D8E38312BFF}" v="1059" dt="2022-07-14T14:19:23.792"/>
-    <p1510:client id="{1B921456-54D4-2003-15F4-D233CF7DE099}" v="17" dt="2022-07-15T15:07:10.637"/>
-    <p1510:client id="{426A8223-AADA-BB84-8CB1-E4FEDE9BC64D}" v="81" dt="2022-07-15T18:03:50.932"/>
   </p1510:revLst>
 </p1510:revInfo>
 </file>
@@ -1798,7 +1800,7 @@
           <a:p>
             <a:fld id="{8F72BA41-EC5B-4197-BCC8-0FD2E523CD7A}" type="datetimeFigureOut">
               <a:rPr lang="en-US" smtClean="0"/>
-              <a:t>7/15/2022</a:t>
+              <a:t>7/16/2022</a:t>
             </a:fld>
             <a:endParaRPr lang="en-US"/>
           </a:p>
@@ -2001,7 +2003,7 @@
           <a:p>
             <a:fld id="{8F72BA41-EC5B-4197-BCC8-0FD2E523CD7A}" type="datetimeFigureOut">
               <a:rPr lang="en-US" smtClean="0"/>
-              <a:t>7/15/2022</a:t>
+              <a:t>7/16/2022</a:t>
             </a:fld>
             <a:endParaRPr lang="en-US"/>
           </a:p>
@@ -3722,7 +3724,7 @@
           <a:p>
             <a:fld id="{8F72BA41-EC5B-4197-BCC8-0FD2E523CD7A}" type="datetimeFigureOut">
               <a:rPr lang="en-US" smtClean="0"/>
-              <a:t>7/15/2022</a:t>
+              <a:t>7/16/2022</a:t>
             </a:fld>
             <a:endParaRPr lang="en-US"/>
           </a:p>
@@ -3921,7 +3923,7 @@
           <a:p>
             <a:fld id="{8F72BA41-EC5B-4197-BCC8-0FD2E523CD7A}" type="datetimeFigureOut">
               <a:rPr lang="en-US" smtClean="0"/>
-              <a:t>7/15/2022</a:t>
+              <a:t>7/16/2022</a:t>
             </a:fld>
             <a:endParaRPr lang="en-US"/>
           </a:p>
@@ -5711,7 +5713,7 @@
           <a:p>
             <a:fld id="{8F72BA41-EC5B-4197-BCC8-0FD2E523CD7A}" type="datetimeFigureOut">
               <a:rPr lang="en-US" smtClean="0"/>
-              <a:t>7/15/2022</a:t>
+              <a:t>7/16/2022</a:t>
             </a:fld>
             <a:endParaRPr lang="en-US"/>
           </a:p>
@@ -5984,7 +5986,7 @@
           <a:p>
             <a:fld id="{8F72BA41-EC5B-4197-BCC8-0FD2E523CD7A}" type="datetimeFigureOut">
               <a:rPr lang="en-US" smtClean="0"/>
-              <a:t>7/15/2022</a:t>
+              <a:t>7/16/2022</a:t>
             </a:fld>
             <a:endParaRPr lang="en-US"/>
           </a:p>
@@ -6404,7 +6406,7 @@
           <a:p>
             <a:fld id="{8F72BA41-EC5B-4197-BCC8-0FD2E523CD7A}" type="datetimeFigureOut">
               <a:rPr lang="en-US" smtClean="0"/>
-              <a:t>7/15/2022</a:t>
+              <a:t>7/16/2022</a:t>
             </a:fld>
             <a:endParaRPr lang="en-US"/>
           </a:p>
@@ -6560,7 +6562,7 @@
           <a:p>
             <a:fld id="{8F72BA41-EC5B-4197-BCC8-0FD2E523CD7A}" type="datetimeFigureOut">
               <a:rPr lang="en-US" smtClean="0"/>
-              <a:t>7/15/2022</a:t>
+              <a:t>7/16/2022</a:t>
             </a:fld>
             <a:endParaRPr lang="en-US"/>
           </a:p>
@@ -8128,7 +8130,7 @@
           <a:p>
             <a:fld id="{8F72BA41-EC5B-4197-BCC8-0FD2E523CD7A}" type="datetimeFigureOut">
               <a:rPr lang="en-US" smtClean="0"/>
-              <a:t>7/15/2022</a:t>
+              <a:t>7/16/2022</a:t>
             </a:fld>
             <a:endParaRPr lang="en-US"/>
           </a:p>
@@ -9979,7 +9981,7 @@
           <a:p>
             <a:fld id="{8F72BA41-EC5B-4197-BCC8-0FD2E523CD7A}" type="datetimeFigureOut">
               <a:rPr lang="en-US" smtClean="0"/>
-              <a:t>7/15/2022</a:t>
+              <a:t>7/16/2022</a:t>
             </a:fld>
             <a:endParaRPr lang="en-US"/>
           </a:p>
@@ -11792,7 +11794,7 @@
           <a:p>
             <a:fld id="{8F72BA41-EC5B-4197-BCC8-0FD2E523CD7A}" type="datetimeFigureOut">
               <a:rPr lang="en-US" smtClean="0"/>
-              <a:t>7/15/2022</a:t>
+              <a:t>7/16/2022</a:t>
             </a:fld>
             <a:endParaRPr lang="en-US"/>
           </a:p>
@@ -13486,7 +13488,7 @@
             <a:fld id="{8F72BA41-EC5B-4197-BCC8-0FD2E523CD7A}" type="datetimeFigureOut">
               <a:rPr lang="en-US" smtClean="0"/>
               <a:pPr/>
-              <a:t>7/15/2022</a:t>
+              <a:t>7/16/2022</a:t>
             </a:fld>
             <a:endParaRPr lang="en-US" dirty="0"/>
           </a:p>
@@ -16078,7 +16080,7 @@
           </a:xfrm>
         </p:spPr>
         <p:txBody>
-          <a:bodyPr>
+          <a:bodyPr vert="horz" lIns="91440" tIns="45720" rIns="91440" bIns="45720" rtlCol="0" anchor="t">
             <a:normAutofit/>
           </a:bodyPr>
           <a:lstStyle/>
@@ -19904,6 +19906,3749 @@
       </p:sp>
       <p:pic>
         <p:nvPicPr>
+          <p:cNvPr id="4" name="Picture 5" descr="Graphical user interface&#10;&#10;Description automatically generated">
+            <a:extLst>
+              <a:ext uri="{FF2B5EF4-FFF2-40B4-BE49-F238E27FC236}">
+                <a16:creationId xmlns:a16="http://schemas.microsoft.com/office/drawing/2014/main" id="{49B678A1-779E-5954-61E0-9C2B65C83B6E}"/>
+              </a:ext>
+            </a:extLst>
+          </p:cNvPr>
+          <p:cNvPicPr>
+            <a:picLocks noGrp="1" noChangeAspect="1"/>
+          </p:cNvPicPr>
+          <p:nvPr>
+            <p:ph idx="1"/>
+          </p:nvPr>
+        </p:nvPicPr>
+        <p:blipFill>
+          <a:blip r:embed="rId2"/>
+          <a:stretch>
+            <a:fillRect/>
+          </a:stretch>
+        </p:blipFill>
+        <p:spPr>
+          <a:xfrm>
+            <a:off x="215252" y="502981"/>
+            <a:ext cx="11777695" cy="5777366"/>
+          </a:xfrm>
+        </p:spPr>
+      </p:pic>
+    </p:spTree>
+    <p:extLst>
+      <p:ext uri="{BB962C8B-B14F-4D97-AF65-F5344CB8AC3E}">
+        <p14:creationId xmlns:p14="http://schemas.microsoft.com/office/powerpoint/2010/main" val="107620758"/>
+      </p:ext>
+    </p:extLst>
+  </p:cSld>
+  <p:clrMapOvr>
+    <a:masterClrMapping/>
+  </p:clrMapOvr>
+</p:sld>
+</file>
+
+<file path=ppt/slides/slide11.xml><?xml version="1.0" encoding="utf-8"?>
+<p:sld xmlns:a="http://schemas.openxmlformats.org/drawingml/2006/main" xmlns:r="http://schemas.openxmlformats.org/officeDocument/2006/relationships" xmlns:p="http://schemas.openxmlformats.org/presentationml/2006/main">
+  <p:cSld>
+    <p:bg>
+      <p:bgPr>
+        <a:solidFill>
+          <a:schemeClr val="bg1"/>
+        </a:solidFill>
+        <a:effectLst/>
+      </p:bgPr>
+    </p:bg>
+    <p:spTree>
+      <p:nvGrpSpPr>
+        <p:cNvPr id="1" name=""/>
+        <p:cNvGrpSpPr/>
+        <p:nvPr/>
+      </p:nvGrpSpPr>
+      <p:grpSpPr>
+        <a:xfrm>
+          <a:off x="0" y="0"/>
+          <a:ext cx="0" cy="0"/>
+          <a:chOff x="0" y="0"/>
+          <a:chExt cx="0" cy="0"/>
+        </a:xfrm>
+      </p:grpSpPr>
+      <p:grpSp>
+        <p:nvGrpSpPr>
+          <p:cNvPr id="80" name="Group 79">
+            <a:extLst>
+              <a:ext uri="{FF2B5EF4-FFF2-40B4-BE49-F238E27FC236}">
+                <a16:creationId xmlns:a16="http://schemas.microsoft.com/office/drawing/2014/main" id="{748618E9-EE2D-4864-9EEE-58939BD4FBBA}"/>
+              </a:ext>
+              <a:ext uri="{C183D7F6-B498-43B3-948B-1728B52AA6E4}">
+                <adec:decorative xmlns:adec="http://schemas.microsoft.com/office/drawing/2017/decorative" val="1"/>
+              </a:ext>
+            </a:extLst>
+          </p:cNvPr>
+          <p:cNvGrpSpPr>
+            <a:grpSpLocks noGrp="1" noUngrp="1" noRot="1" noChangeAspect="1" noMove="1" noResize="1"/>
+          </p:cNvGrpSpPr>
+          <p:nvPr>
+            <p:extLst>
+              <p:ext uri="{386F3935-93C4-4BCD-93E2-E3B085C9AB24}">
+                <p16:designElem xmlns:p16="http://schemas.microsoft.com/office/powerpoint/2015/main" val="1"/>
+              </p:ext>
+            </p:extLst>
+          </p:nvPr>
+        </p:nvGrpSpPr>
+        <p:grpSpPr>
+          <a:xfrm>
+            <a:off x="-6214" y="-1"/>
+            <a:ext cx="12214827" cy="6858000"/>
+            <a:chOff x="-6214" y="-1"/>
+            <a:chExt cx="12214827" cy="6858000"/>
+          </a:xfrm>
+        </p:grpSpPr>
+        <p:cxnSp>
+          <p:nvCxnSpPr>
+            <p:cNvPr id="81" name="Straight Connector 80">
+              <a:extLst>
+                <a:ext uri="{FF2B5EF4-FFF2-40B4-BE49-F238E27FC236}">
+                  <a16:creationId xmlns:a16="http://schemas.microsoft.com/office/drawing/2014/main" id="{317D1EC0-23FF-4FC8-B22D-E34878EAA4CC}"/>
+                </a:ext>
+                <a:ext uri="{C183D7F6-B498-43B3-948B-1728B52AA6E4}">
+                  <adec:decorative xmlns:adec="http://schemas.microsoft.com/office/drawing/2017/decorative" val="1"/>
+                </a:ext>
+              </a:extLst>
+            </p:cNvPr>
+            <p:cNvCxnSpPr>
+              <a:cxnSpLocks/>
+            </p:cNvCxnSpPr>
+            <p:nvPr>
+              <p:extLst>
+                <p:ext uri="{386F3935-93C4-4BCD-93E2-E3B085C9AB24}">
+                  <p16:designElem xmlns:p16="http://schemas.microsoft.com/office/powerpoint/2015/main" val="1"/>
+                </p:ext>
+              </p:extLst>
+            </p:nvPr>
+          </p:nvCxnSpPr>
+          <p:spPr>
+            <a:xfrm>
+              <a:off x="-6214" y="6686283"/>
+              <a:ext cx="12192000" cy="0"/>
+            </a:xfrm>
+            <a:prstGeom prst="line">
+              <a:avLst/>
+            </a:prstGeom>
+            <a:ln w="12700">
+              <a:solidFill>
+                <a:srgbClr val="BCBCBC">
+                  <a:alpha val="29804"/>
+                </a:srgbClr>
+              </a:solidFill>
+              <a:prstDash val="sysDot"/>
+            </a:ln>
+          </p:spPr>
+          <p:style>
+            <a:lnRef idx="1">
+              <a:schemeClr val="accent1"/>
+            </a:lnRef>
+            <a:fillRef idx="0">
+              <a:schemeClr val="accent1"/>
+            </a:fillRef>
+            <a:effectRef idx="0">
+              <a:schemeClr val="accent1"/>
+            </a:effectRef>
+            <a:fontRef idx="minor">
+              <a:schemeClr val="tx1"/>
+            </a:fontRef>
+          </p:style>
+        </p:cxnSp>
+        <p:cxnSp>
+          <p:nvCxnSpPr>
+            <p:cNvPr id="82" name="Straight Connector 81">
+              <a:extLst>
+                <a:ext uri="{FF2B5EF4-FFF2-40B4-BE49-F238E27FC236}">
+                  <a16:creationId xmlns:a16="http://schemas.microsoft.com/office/drawing/2014/main" id="{5AB929A7-258C-4469-AAB4-A67D713F7A80}"/>
+                </a:ext>
+                <a:ext uri="{C183D7F6-B498-43B3-948B-1728B52AA6E4}">
+                  <adec:decorative xmlns:adec="http://schemas.microsoft.com/office/drawing/2017/decorative" val="1"/>
+                </a:ext>
+              </a:extLst>
+            </p:cNvPr>
+            <p:cNvCxnSpPr>
+              <a:cxnSpLocks/>
+            </p:cNvCxnSpPr>
+            <p:nvPr>
+              <p:extLst>
+                <p:ext uri="{386F3935-93C4-4BCD-93E2-E3B085C9AB24}">
+                  <p16:designElem xmlns:p16="http://schemas.microsoft.com/office/powerpoint/2015/main" val="1"/>
+                </p:ext>
+              </p:extLst>
+            </p:nvPr>
+          </p:nvCxnSpPr>
+          <p:spPr>
+            <a:xfrm>
+              <a:off x="0" y="-1"/>
+              <a:ext cx="0" cy="6858000"/>
+            </a:xfrm>
+            <a:prstGeom prst="line">
+              <a:avLst/>
+            </a:prstGeom>
+            <a:ln w="12700">
+              <a:solidFill>
+                <a:srgbClr val="BCBCBC">
+                  <a:alpha val="29804"/>
+                </a:srgbClr>
+              </a:solidFill>
+              <a:prstDash val="sysDot"/>
+            </a:ln>
+          </p:spPr>
+          <p:style>
+            <a:lnRef idx="1">
+              <a:schemeClr val="accent1"/>
+            </a:lnRef>
+            <a:fillRef idx="0">
+              <a:schemeClr val="accent1"/>
+            </a:fillRef>
+            <a:effectRef idx="0">
+              <a:schemeClr val="accent1"/>
+            </a:effectRef>
+            <a:fontRef idx="minor">
+              <a:schemeClr val="tx1"/>
+            </a:fontRef>
+          </p:style>
+        </p:cxnSp>
+        <p:cxnSp>
+          <p:nvCxnSpPr>
+            <p:cNvPr id="83" name="Straight Connector 82">
+              <a:extLst>
+                <a:ext uri="{FF2B5EF4-FFF2-40B4-BE49-F238E27FC236}">
+                  <a16:creationId xmlns:a16="http://schemas.microsoft.com/office/drawing/2014/main" id="{DA635CDB-2D00-49D5-B26E-0694A25000C7}"/>
+                </a:ext>
+                <a:ext uri="{C183D7F6-B498-43B3-948B-1728B52AA6E4}">
+                  <adec:decorative xmlns:adec="http://schemas.microsoft.com/office/drawing/2017/decorative" val="1"/>
+                </a:ext>
+              </a:extLst>
+            </p:cNvPr>
+            <p:cNvCxnSpPr>
+              <a:cxnSpLocks/>
+            </p:cNvCxnSpPr>
+            <p:nvPr>
+              <p:extLst>
+                <p:ext uri="{386F3935-93C4-4BCD-93E2-E3B085C9AB24}">
+                  <p16:designElem xmlns:p16="http://schemas.microsoft.com/office/powerpoint/2015/main" val="1"/>
+                </p:ext>
+              </p:extLst>
+            </p:nvPr>
+          </p:nvCxnSpPr>
+          <p:spPr>
+            <a:xfrm>
+              <a:off x="11993258" y="-1"/>
+              <a:ext cx="0" cy="6858000"/>
+            </a:xfrm>
+            <a:prstGeom prst="line">
+              <a:avLst/>
+            </a:prstGeom>
+            <a:ln w="12700">
+              <a:solidFill>
+                <a:srgbClr val="BCBCBC">
+                  <a:alpha val="29804"/>
+                </a:srgbClr>
+              </a:solidFill>
+              <a:prstDash val="sysDot"/>
+            </a:ln>
+          </p:spPr>
+          <p:style>
+            <a:lnRef idx="1">
+              <a:schemeClr val="accent1"/>
+            </a:lnRef>
+            <a:fillRef idx="0">
+              <a:schemeClr val="accent1"/>
+            </a:fillRef>
+            <a:effectRef idx="0">
+              <a:schemeClr val="accent1"/>
+            </a:effectRef>
+            <a:fontRef idx="minor">
+              <a:schemeClr val="tx1"/>
+            </a:fontRef>
+          </p:style>
+        </p:cxnSp>
+        <p:cxnSp>
+          <p:nvCxnSpPr>
+            <p:cNvPr id="84" name="Straight Connector 83">
+              <a:extLst>
+                <a:ext uri="{FF2B5EF4-FFF2-40B4-BE49-F238E27FC236}">
+                  <a16:creationId xmlns:a16="http://schemas.microsoft.com/office/drawing/2014/main" id="{B4288D7A-F857-418D-92F2-368E841B9F27}"/>
+                </a:ext>
+                <a:ext uri="{C183D7F6-B498-43B3-948B-1728B52AA6E4}">
+                  <adec:decorative xmlns:adec="http://schemas.microsoft.com/office/drawing/2017/decorative" val="1"/>
+                </a:ext>
+              </a:extLst>
+            </p:cNvPr>
+            <p:cNvCxnSpPr>
+              <a:cxnSpLocks/>
+            </p:cNvCxnSpPr>
+            <p:nvPr>
+              <p:extLst>
+                <p:ext uri="{386F3935-93C4-4BCD-93E2-E3B085C9AB24}">
+                  <p16:designElem xmlns:p16="http://schemas.microsoft.com/office/powerpoint/2015/main" val="1"/>
+                </p:ext>
+              </p:extLst>
+            </p:nvPr>
+          </p:nvCxnSpPr>
+          <p:spPr>
+            <a:xfrm>
+              <a:off x="192528" y="-1"/>
+              <a:ext cx="0" cy="6858000"/>
+            </a:xfrm>
+            <a:prstGeom prst="line">
+              <a:avLst/>
+            </a:prstGeom>
+            <a:ln w="12700">
+              <a:solidFill>
+                <a:srgbClr val="BCBCBC">
+                  <a:alpha val="29804"/>
+                </a:srgbClr>
+              </a:solidFill>
+              <a:prstDash val="sysDot"/>
+            </a:ln>
+          </p:spPr>
+          <p:style>
+            <a:lnRef idx="1">
+              <a:schemeClr val="accent1"/>
+            </a:lnRef>
+            <a:fillRef idx="0">
+              <a:schemeClr val="accent1"/>
+            </a:fillRef>
+            <a:effectRef idx="0">
+              <a:schemeClr val="accent1"/>
+            </a:effectRef>
+            <a:fontRef idx="minor">
+              <a:schemeClr val="tx1"/>
+            </a:fontRef>
+          </p:style>
+        </p:cxnSp>
+        <p:cxnSp>
+          <p:nvCxnSpPr>
+            <p:cNvPr id="85" name="Straight Connector 84">
+              <a:extLst>
+                <a:ext uri="{FF2B5EF4-FFF2-40B4-BE49-F238E27FC236}">
+                  <a16:creationId xmlns:a16="http://schemas.microsoft.com/office/drawing/2014/main" id="{F1084F50-7F3C-4A4A-877E-FFD9EC7CD88B}"/>
+                </a:ext>
+                <a:ext uri="{C183D7F6-B498-43B3-948B-1728B52AA6E4}">
+                  <adec:decorative xmlns:adec="http://schemas.microsoft.com/office/drawing/2017/decorative" val="1"/>
+                </a:ext>
+              </a:extLst>
+            </p:cNvPr>
+            <p:cNvCxnSpPr>
+              <a:cxnSpLocks/>
+            </p:cNvCxnSpPr>
+            <p:nvPr>
+              <p:extLst>
+                <p:ext uri="{386F3935-93C4-4BCD-93E2-E3B085C9AB24}">
+                  <p16:designElem xmlns:p16="http://schemas.microsoft.com/office/powerpoint/2015/main" val="1"/>
+                </p:ext>
+              </p:extLst>
+            </p:nvPr>
+          </p:nvCxnSpPr>
+          <p:spPr>
+            <a:xfrm>
+              <a:off x="1175922" y="-1"/>
+              <a:ext cx="0" cy="6858000"/>
+            </a:xfrm>
+            <a:prstGeom prst="line">
+              <a:avLst/>
+            </a:prstGeom>
+            <a:ln w="12700">
+              <a:solidFill>
+                <a:srgbClr val="BCBCBC">
+                  <a:alpha val="29804"/>
+                </a:srgbClr>
+              </a:solidFill>
+              <a:prstDash val="sysDot"/>
+            </a:ln>
+          </p:spPr>
+          <p:style>
+            <a:lnRef idx="1">
+              <a:schemeClr val="accent1"/>
+            </a:lnRef>
+            <a:fillRef idx="0">
+              <a:schemeClr val="accent1"/>
+            </a:fillRef>
+            <a:effectRef idx="0">
+              <a:schemeClr val="accent1"/>
+            </a:effectRef>
+            <a:fontRef idx="minor">
+              <a:schemeClr val="tx1"/>
+            </a:fontRef>
+          </p:style>
+        </p:cxnSp>
+        <p:cxnSp>
+          <p:nvCxnSpPr>
+            <p:cNvPr id="86" name="Straight Connector 85">
+              <a:extLst>
+                <a:ext uri="{FF2B5EF4-FFF2-40B4-BE49-F238E27FC236}">
+                  <a16:creationId xmlns:a16="http://schemas.microsoft.com/office/drawing/2014/main" id="{331E64C1-F4C0-4A94-B319-BB1A0A2450B5}"/>
+                </a:ext>
+                <a:ext uri="{C183D7F6-B498-43B3-948B-1728B52AA6E4}">
+                  <adec:decorative xmlns:adec="http://schemas.microsoft.com/office/drawing/2017/decorative" val="1"/>
+                </a:ext>
+              </a:extLst>
+            </p:cNvPr>
+            <p:cNvCxnSpPr>
+              <a:cxnSpLocks/>
+            </p:cNvCxnSpPr>
+            <p:nvPr>
+              <p:extLst>
+                <p:ext uri="{386F3935-93C4-4BCD-93E2-E3B085C9AB24}">
+                  <p16:designElem xmlns:p16="http://schemas.microsoft.com/office/powerpoint/2015/main" val="1"/>
+                </p:ext>
+              </p:extLst>
+            </p:nvPr>
+          </p:nvCxnSpPr>
+          <p:spPr>
+            <a:xfrm>
+              <a:off x="2159316" y="-1"/>
+              <a:ext cx="0" cy="6858000"/>
+            </a:xfrm>
+            <a:prstGeom prst="line">
+              <a:avLst/>
+            </a:prstGeom>
+            <a:ln w="12700">
+              <a:solidFill>
+                <a:srgbClr val="BCBCBC">
+                  <a:alpha val="29804"/>
+                </a:srgbClr>
+              </a:solidFill>
+              <a:prstDash val="sysDot"/>
+            </a:ln>
+          </p:spPr>
+          <p:style>
+            <a:lnRef idx="1">
+              <a:schemeClr val="accent1"/>
+            </a:lnRef>
+            <a:fillRef idx="0">
+              <a:schemeClr val="accent1"/>
+            </a:fillRef>
+            <a:effectRef idx="0">
+              <a:schemeClr val="accent1"/>
+            </a:effectRef>
+            <a:fontRef idx="minor">
+              <a:schemeClr val="tx1"/>
+            </a:fontRef>
+          </p:style>
+        </p:cxnSp>
+        <p:cxnSp>
+          <p:nvCxnSpPr>
+            <p:cNvPr id="87" name="Straight Connector 86">
+              <a:extLst>
+                <a:ext uri="{FF2B5EF4-FFF2-40B4-BE49-F238E27FC236}">
+                  <a16:creationId xmlns:a16="http://schemas.microsoft.com/office/drawing/2014/main" id="{363D8374-8052-417F-AB69-B97EAC43D513}"/>
+                </a:ext>
+                <a:ext uri="{C183D7F6-B498-43B3-948B-1728B52AA6E4}">
+                  <adec:decorative xmlns:adec="http://schemas.microsoft.com/office/drawing/2017/decorative" val="1"/>
+                </a:ext>
+              </a:extLst>
+            </p:cNvPr>
+            <p:cNvCxnSpPr>
+              <a:cxnSpLocks/>
+            </p:cNvCxnSpPr>
+            <p:nvPr>
+              <p:extLst>
+                <p:ext uri="{386F3935-93C4-4BCD-93E2-E3B085C9AB24}">
+                  <p16:designElem xmlns:p16="http://schemas.microsoft.com/office/powerpoint/2015/main" val="1"/>
+                </p:ext>
+              </p:extLst>
+            </p:nvPr>
+          </p:nvCxnSpPr>
+          <p:spPr>
+            <a:xfrm>
+              <a:off x="3142710" y="-1"/>
+              <a:ext cx="0" cy="6858000"/>
+            </a:xfrm>
+            <a:prstGeom prst="line">
+              <a:avLst/>
+            </a:prstGeom>
+            <a:ln w="12700">
+              <a:solidFill>
+                <a:srgbClr val="BCBCBC">
+                  <a:alpha val="29804"/>
+                </a:srgbClr>
+              </a:solidFill>
+              <a:prstDash val="sysDot"/>
+            </a:ln>
+          </p:spPr>
+          <p:style>
+            <a:lnRef idx="1">
+              <a:schemeClr val="accent1"/>
+            </a:lnRef>
+            <a:fillRef idx="0">
+              <a:schemeClr val="accent1"/>
+            </a:fillRef>
+            <a:effectRef idx="0">
+              <a:schemeClr val="accent1"/>
+            </a:effectRef>
+            <a:fontRef idx="minor">
+              <a:schemeClr val="tx1"/>
+            </a:fontRef>
+          </p:style>
+        </p:cxnSp>
+        <p:cxnSp>
+          <p:nvCxnSpPr>
+            <p:cNvPr id="88" name="Straight Connector 87">
+              <a:extLst>
+                <a:ext uri="{FF2B5EF4-FFF2-40B4-BE49-F238E27FC236}">
+                  <a16:creationId xmlns:a16="http://schemas.microsoft.com/office/drawing/2014/main" id="{C7750734-4D51-4019-A003-38A3DE49B434}"/>
+                </a:ext>
+                <a:ext uri="{C183D7F6-B498-43B3-948B-1728B52AA6E4}">
+                  <adec:decorative xmlns:adec="http://schemas.microsoft.com/office/drawing/2017/decorative" val="1"/>
+                </a:ext>
+              </a:extLst>
+            </p:cNvPr>
+            <p:cNvCxnSpPr>
+              <a:cxnSpLocks/>
+            </p:cNvCxnSpPr>
+            <p:nvPr>
+              <p:extLst>
+                <p:ext uri="{386F3935-93C4-4BCD-93E2-E3B085C9AB24}">
+                  <p16:designElem xmlns:p16="http://schemas.microsoft.com/office/powerpoint/2015/main" val="1"/>
+                </p:ext>
+              </p:extLst>
+            </p:nvPr>
+          </p:nvCxnSpPr>
+          <p:spPr>
+            <a:xfrm>
+              <a:off x="4126104" y="-1"/>
+              <a:ext cx="0" cy="6858000"/>
+            </a:xfrm>
+            <a:prstGeom prst="line">
+              <a:avLst/>
+            </a:prstGeom>
+            <a:ln w="12700">
+              <a:solidFill>
+                <a:srgbClr val="BCBCBC">
+                  <a:alpha val="29804"/>
+                </a:srgbClr>
+              </a:solidFill>
+              <a:prstDash val="sysDot"/>
+            </a:ln>
+          </p:spPr>
+          <p:style>
+            <a:lnRef idx="1">
+              <a:schemeClr val="accent1"/>
+            </a:lnRef>
+            <a:fillRef idx="0">
+              <a:schemeClr val="accent1"/>
+            </a:fillRef>
+            <a:effectRef idx="0">
+              <a:schemeClr val="accent1"/>
+            </a:effectRef>
+            <a:fontRef idx="minor">
+              <a:schemeClr val="tx1"/>
+            </a:fontRef>
+          </p:style>
+        </p:cxnSp>
+        <p:cxnSp>
+          <p:nvCxnSpPr>
+            <p:cNvPr id="89" name="Straight Connector 88">
+              <a:extLst>
+                <a:ext uri="{FF2B5EF4-FFF2-40B4-BE49-F238E27FC236}">
+                  <a16:creationId xmlns:a16="http://schemas.microsoft.com/office/drawing/2014/main" id="{71B693D1-DBA2-4D3B-9B37-D9EE8C4112F4}"/>
+                </a:ext>
+                <a:ext uri="{C183D7F6-B498-43B3-948B-1728B52AA6E4}">
+                  <adec:decorative xmlns:adec="http://schemas.microsoft.com/office/drawing/2017/decorative" val="1"/>
+                </a:ext>
+              </a:extLst>
+            </p:cNvPr>
+            <p:cNvCxnSpPr>
+              <a:cxnSpLocks/>
+            </p:cNvCxnSpPr>
+            <p:nvPr>
+              <p:extLst>
+                <p:ext uri="{386F3935-93C4-4BCD-93E2-E3B085C9AB24}">
+                  <p16:designElem xmlns:p16="http://schemas.microsoft.com/office/powerpoint/2015/main" val="1"/>
+                </p:ext>
+              </p:extLst>
+            </p:nvPr>
+          </p:nvCxnSpPr>
+          <p:spPr>
+            <a:xfrm>
+              <a:off x="5109498" y="-1"/>
+              <a:ext cx="0" cy="6858000"/>
+            </a:xfrm>
+            <a:prstGeom prst="line">
+              <a:avLst/>
+            </a:prstGeom>
+            <a:ln w="12700">
+              <a:solidFill>
+                <a:srgbClr val="BCBCBC">
+                  <a:alpha val="29804"/>
+                </a:srgbClr>
+              </a:solidFill>
+              <a:prstDash val="sysDot"/>
+            </a:ln>
+          </p:spPr>
+          <p:style>
+            <a:lnRef idx="1">
+              <a:schemeClr val="accent1"/>
+            </a:lnRef>
+            <a:fillRef idx="0">
+              <a:schemeClr val="accent1"/>
+            </a:fillRef>
+            <a:effectRef idx="0">
+              <a:schemeClr val="accent1"/>
+            </a:effectRef>
+            <a:fontRef idx="minor">
+              <a:schemeClr val="tx1"/>
+            </a:fontRef>
+          </p:style>
+        </p:cxnSp>
+        <p:cxnSp>
+          <p:nvCxnSpPr>
+            <p:cNvPr id="90" name="Straight Connector 89">
+              <a:extLst>
+                <a:ext uri="{FF2B5EF4-FFF2-40B4-BE49-F238E27FC236}">
+                  <a16:creationId xmlns:a16="http://schemas.microsoft.com/office/drawing/2014/main" id="{1BCD3EA8-E4C0-4AF6-817F-F9F29157A499}"/>
+                </a:ext>
+                <a:ext uri="{C183D7F6-B498-43B3-948B-1728B52AA6E4}">
+                  <adec:decorative xmlns:adec="http://schemas.microsoft.com/office/drawing/2017/decorative" val="1"/>
+                </a:ext>
+              </a:extLst>
+            </p:cNvPr>
+            <p:cNvCxnSpPr>
+              <a:cxnSpLocks/>
+            </p:cNvCxnSpPr>
+            <p:nvPr>
+              <p:extLst>
+                <p:ext uri="{386F3935-93C4-4BCD-93E2-E3B085C9AB24}">
+                  <p16:designElem xmlns:p16="http://schemas.microsoft.com/office/powerpoint/2015/main" val="1"/>
+                </p:ext>
+              </p:extLst>
+            </p:nvPr>
+          </p:nvCxnSpPr>
+          <p:spPr>
+            <a:xfrm>
+              <a:off x="6092892" y="-1"/>
+              <a:ext cx="0" cy="6858000"/>
+            </a:xfrm>
+            <a:prstGeom prst="line">
+              <a:avLst/>
+            </a:prstGeom>
+            <a:ln w="12700">
+              <a:solidFill>
+                <a:srgbClr val="BCBCBC">
+                  <a:alpha val="29804"/>
+                </a:srgbClr>
+              </a:solidFill>
+              <a:prstDash val="sysDot"/>
+            </a:ln>
+          </p:spPr>
+          <p:style>
+            <a:lnRef idx="1">
+              <a:schemeClr val="accent1"/>
+            </a:lnRef>
+            <a:fillRef idx="0">
+              <a:schemeClr val="accent1"/>
+            </a:fillRef>
+            <a:effectRef idx="0">
+              <a:schemeClr val="accent1"/>
+            </a:effectRef>
+            <a:fontRef idx="minor">
+              <a:schemeClr val="tx1"/>
+            </a:fontRef>
+          </p:style>
+        </p:cxnSp>
+        <p:cxnSp>
+          <p:nvCxnSpPr>
+            <p:cNvPr id="91" name="Straight Connector 90">
+              <a:extLst>
+                <a:ext uri="{FF2B5EF4-FFF2-40B4-BE49-F238E27FC236}">
+                  <a16:creationId xmlns:a16="http://schemas.microsoft.com/office/drawing/2014/main" id="{7A170FB3-B397-4AC9-85FD-65388F26D90A}"/>
+                </a:ext>
+                <a:ext uri="{C183D7F6-B498-43B3-948B-1728B52AA6E4}">
+                  <adec:decorative xmlns:adec="http://schemas.microsoft.com/office/drawing/2017/decorative" val="1"/>
+                </a:ext>
+              </a:extLst>
+            </p:cNvPr>
+            <p:cNvCxnSpPr>
+              <a:cxnSpLocks/>
+            </p:cNvCxnSpPr>
+            <p:nvPr>
+              <p:extLst>
+                <p:ext uri="{386F3935-93C4-4BCD-93E2-E3B085C9AB24}">
+                  <p16:designElem xmlns:p16="http://schemas.microsoft.com/office/powerpoint/2015/main" val="1"/>
+                </p:ext>
+              </p:extLst>
+            </p:nvPr>
+          </p:nvCxnSpPr>
+          <p:spPr>
+            <a:xfrm>
+              <a:off x="7076286" y="-1"/>
+              <a:ext cx="0" cy="6858000"/>
+            </a:xfrm>
+            <a:prstGeom prst="line">
+              <a:avLst/>
+            </a:prstGeom>
+            <a:ln w="12700">
+              <a:solidFill>
+                <a:srgbClr val="BCBCBC">
+                  <a:alpha val="29804"/>
+                </a:srgbClr>
+              </a:solidFill>
+              <a:prstDash val="sysDot"/>
+            </a:ln>
+          </p:spPr>
+          <p:style>
+            <a:lnRef idx="1">
+              <a:schemeClr val="accent1"/>
+            </a:lnRef>
+            <a:fillRef idx="0">
+              <a:schemeClr val="accent1"/>
+            </a:fillRef>
+            <a:effectRef idx="0">
+              <a:schemeClr val="accent1"/>
+            </a:effectRef>
+            <a:fontRef idx="minor">
+              <a:schemeClr val="tx1"/>
+            </a:fontRef>
+          </p:style>
+        </p:cxnSp>
+        <p:cxnSp>
+          <p:nvCxnSpPr>
+            <p:cNvPr id="92" name="Straight Connector 91">
+              <a:extLst>
+                <a:ext uri="{FF2B5EF4-FFF2-40B4-BE49-F238E27FC236}">
+                  <a16:creationId xmlns:a16="http://schemas.microsoft.com/office/drawing/2014/main" id="{BE5EC0B9-49C7-4777-AEC5-B5EF8DE40498}"/>
+                </a:ext>
+                <a:ext uri="{C183D7F6-B498-43B3-948B-1728B52AA6E4}">
+                  <adec:decorative xmlns:adec="http://schemas.microsoft.com/office/drawing/2017/decorative" val="1"/>
+                </a:ext>
+              </a:extLst>
+            </p:cNvPr>
+            <p:cNvCxnSpPr>
+              <a:cxnSpLocks/>
+            </p:cNvCxnSpPr>
+            <p:nvPr>
+              <p:extLst>
+                <p:ext uri="{386F3935-93C4-4BCD-93E2-E3B085C9AB24}">
+                  <p16:designElem xmlns:p16="http://schemas.microsoft.com/office/powerpoint/2015/main" val="1"/>
+                </p:ext>
+              </p:extLst>
+            </p:nvPr>
+          </p:nvCxnSpPr>
+          <p:spPr>
+            <a:xfrm>
+              <a:off x="8059680" y="-1"/>
+              <a:ext cx="0" cy="6858000"/>
+            </a:xfrm>
+            <a:prstGeom prst="line">
+              <a:avLst/>
+            </a:prstGeom>
+            <a:ln w="12700">
+              <a:solidFill>
+                <a:srgbClr val="BCBCBC">
+                  <a:alpha val="29804"/>
+                </a:srgbClr>
+              </a:solidFill>
+              <a:prstDash val="sysDot"/>
+            </a:ln>
+          </p:spPr>
+          <p:style>
+            <a:lnRef idx="1">
+              <a:schemeClr val="accent1"/>
+            </a:lnRef>
+            <a:fillRef idx="0">
+              <a:schemeClr val="accent1"/>
+            </a:fillRef>
+            <a:effectRef idx="0">
+              <a:schemeClr val="accent1"/>
+            </a:effectRef>
+            <a:fontRef idx="minor">
+              <a:schemeClr val="tx1"/>
+            </a:fontRef>
+          </p:style>
+        </p:cxnSp>
+        <p:cxnSp>
+          <p:nvCxnSpPr>
+            <p:cNvPr id="93" name="Straight Connector 92">
+              <a:extLst>
+                <a:ext uri="{FF2B5EF4-FFF2-40B4-BE49-F238E27FC236}">
+                  <a16:creationId xmlns:a16="http://schemas.microsoft.com/office/drawing/2014/main" id="{7902048B-30F7-4434-87A5-140F9BB4BEB1}"/>
+                </a:ext>
+                <a:ext uri="{C183D7F6-B498-43B3-948B-1728B52AA6E4}">
+                  <adec:decorative xmlns:adec="http://schemas.microsoft.com/office/drawing/2017/decorative" val="1"/>
+                </a:ext>
+              </a:extLst>
+            </p:cNvPr>
+            <p:cNvCxnSpPr>
+              <a:cxnSpLocks/>
+            </p:cNvCxnSpPr>
+            <p:nvPr>
+              <p:extLst>
+                <p:ext uri="{386F3935-93C4-4BCD-93E2-E3B085C9AB24}">
+                  <p16:designElem xmlns:p16="http://schemas.microsoft.com/office/powerpoint/2015/main" val="1"/>
+                </p:ext>
+              </p:extLst>
+            </p:nvPr>
+          </p:nvCxnSpPr>
+          <p:spPr>
+            <a:xfrm>
+              <a:off x="9043074" y="-1"/>
+              <a:ext cx="0" cy="6858000"/>
+            </a:xfrm>
+            <a:prstGeom prst="line">
+              <a:avLst/>
+            </a:prstGeom>
+            <a:ln w="12700">
+              <a:solidFill>
+                <a:srgbClr val="BCBCBC">
+                  <a:alpha val="29804"/>
+                </a:srgbClr>
+              </a:solidFill>
+              <a:prstDash val="sysDot"/>
+            </a:ln>
+          </p:spPr>
+          <p:style>
+            <a:lnRef idx="1">
+              <a:schemeClr val="accent1"/>
+            </a:lnRef>
+            <a:fillRef idx="0">
+              <a:schemeClr val="accent1"/>
+            </a:fillRef>
+            <a:effectRef idx="0">
+              <a:schemeClr val="accent1"/>
+            </a:effectRef>
+            <a:fontRef idx="minor">
+              <a:schemeClr val="tx1"/>
+            </a:fontRef>
+          </p:style>
+        </p:cxnSp>
+        <p:cxnSp>
+          <p:nvCxnSpPr>
+            <p:cNvPr id="94" name="Straight Connector 93">
+              <a:extLst>
+                <a:ext uri="{FF2B5EF4-FFF2-40B4-BE49-F238E27FC236}">
+                  <a16:creationId xmlns:a16="http://schemas.microsoft.com/office/drawing/2014/main" id="{0500A6E2-A41C-4751-8A4E-9A0C5718D930}"/>
+                </a:ext>
+                <a:ext uri="{C183D7F6-B498-43B3-948B-1728B52AA6E4}">
+                  <adec:decorative xmlns:adec="http://schemas.microsoft.com/office/drawing/2017/decorative" val="1"/>
+                </a:ext>
+              </a:extLst>
+            </p:cNvPr>
+            <p:cNvCxnSpPr>
+              <a:cxnSpLocks/>
+            </p:cNvCxnSpPr>
+            <p:nvPr>
+              <p:extLst>
+                <p:ext uri="{386F3935-93C4-4BCD-93E2-E3B085C9AB24}">
+                  <p16:designElem xmlns:p16="http://schemas.microsoft.com/office/powerpoint/2015/main" val="1"/>
+                </p:ext>
+              </p:extLst>
+            </p:nvPr>
+          </p:nvCxnSpPr>
+          <p:spPr>
+            <a:xfrm>
+              <a:off x="10026468" y="-1"/>
+              <a:ext cx="0" cy="6858000"/>
+            </a:xfrm>
+            <a:prstGeom prst="line">
+              <a:avLst/>
+            </a:prstGeom>
+            <a:ln w="12700">
+              <a:solidFill>
+                <a:srgbClr val="BCBCBC">
+                  <a:alpha val="29804"/>
+                </a:srgbClr>
+              </a:solidFill>
+              <a:prstDash val="sysDot"/>
+            </a:ln>
+          </p:spPr>
+          <p:style>
+            <a:lnRef idx="1">
+              <a:schemeClr val="accent1"/>
+            </a:lnRef>
+            <a:fillRef idx="0">
+              <a:schemeClr val="accent1"/>
+            </a:fillRef>
+            <a:effectRef idx="0">
+              <a:schemeClr val="accent1"/>
+            </a:effectRef>
+            <a:fontRef idx="minor">
+              <a:schemeClr val="tx1"/>
+            </a:fontRef>
+          </p:style>
+        </p:cxnSp>
+        <p:cxnSp>
+          <p:nvCxnSpPr>
+            <p:cNvPr id="95" name="Straight Connector 94">
+              <a:extLst>
+                <a:ext uri="{FF2B5EF4-FFF2-40B4-BE49-F238E27FC236}">
+                  <a16:creationId xmlns:a16="http://schemas.microsoft.com/office/drawing/2014/main" id="{FC259517-7BE7-45F9-81C0-3A6362BF143C}"/>
+                </a:ext>
+                <a:ext uri="{C183D7F6-B498-43B3-948B-1728B52AA6E4}">
+                  <adec:decorative xmlns:adec="http://schemas.microsoft.com/office/drawing/2017/decorative" val="1"/>
+                </a:ext>
+              </a:extLst>
+            </p:cNvPr>
+            <p:cNvCxnSpPr>
+              <a:cxnSpLocks/>
+            </p:cNvCxnSpPr>
+            <p:nvPr>
+              <p:extLst>
+                <p:ext uri="{386F3935-93C4-4BCD-93E2-E3B085C9AB24}">
+                  <p16:designElem xmlns:p16="http://schemas.microsoft.com/office/powerpoint/2015/main" val="1"/>
+                </p:ext>
+              </p:extLst>
+            </p:nvPr>
+          </p:nvCxnSpPr>
+          <p:spPr>
+            <a:xfrm>
+              <a:off x="11009862" y="-1"/>
+              <a:ext cx="0" cy="6858000"/>
+            </a:xfrm>
+            <a:prstGeom prst="line">
+              <a:avLst/>
+            </a:prstGeom>
+            <a:ln w="12700">
+              <a:solidFill>
+                <a:srgbClr val="BCBCBC">
+                  <a:alpha val="29804"/>
+                </a:srgbClr>
+              </a:solidFill>
+              <a:prstDash val="sysDot"/>
+            </a:ln>
+          </p:spPr>
+          <p:style>
+            <a:lnRef idx="1">
+              <a:schemeClr val="accent1"/>
+            </a:lnRef>
+            <a:fillRef idx="0">
+              <a:schemeClr val="accent1"/>
+            </a:fillRef>
+            <a:effectRef idx="0">
+              <a:schemeClr val="accent1"/>
+            </a:effectRef>
+            <a:fontRef idx="minor">
+              <a:schemeClr val="tx1"/>
+            </a:fontRef>
+          </p:style>
+        </p:cxnSp>
+        <p:cxnSp>
+          <p:nvCxnSpPr>
+            <p:cNvPr id="96" name="Straight Connector 95">
+              <a:extLst>
+                <a:ext uri="{FF2B5EF4-FFF2-40B4-BE49-F238E27FC236}">
+                  <a16:creationId xmlns:a16="http://schemas.microsoft.com/office/drawing/2014/main" id="{90652F56-7B71-42B2-AB68-22204A6DF177}"/>
+                </a:ext>
+                <a:ext uri="{C183D7F6-B498-43B3-948B-1728B52AA6E4}">
+                  <adec:decorative xmlns:adec="http://schemas.microsoft.com/office/drawing/2017/decorative" val="1"/>
+                </a:ext>
+              </a:extLst>
+            </p:cNvPr>
+            <p:cNvCxnSpPr>
+              <a:cxnSpLocks/>
+            </p:cNvCxnSpPr>
+            <p:nvPr>
+              <p:extLst>
+                <p:ext uri="{386F3935-93C4-4BCD-93E2-E3B085C9AB24}">
+                  <p16:designElem xmlns:p16="http://schemas.microsoft.com/office/powerpoint/2015/main" val="1"/>
+                </p:ext>
+              </p:extLst>
+            </p:nvPr>
+          </p:nvCxnSpPr>
+          <p:spPr>
+            <a:xfrm>
+              <a:off x="12185786" y="-1"/>
+              <a:ext cx="0" cy="6858000"/>
+            </a:xfrm>
+            <a:prstGeom prst="line">
+              <a:avLst/>
+            </a:prstGeom>
+            <a:ln w="12700">
+              <a:solidFill>
+                <a:srgbClr val="BCBCBC">
+                  <a:alpha val="29804"/>
+                </a:srgbClr>
+              </a:solidFill>
+              <a:prstDash val="sysDot"/>
+            </a:ln>
+          </p:spPr>
+          <p:style>
+            <a:lnRef idx="1">
+              <a:schemeClr val="accent1"/>
+            </a:lnRef>
+            <a:fillRef idx="0">
+              <a:schemeClr val="accent1"/>
+            </a:fillRef>
+            <a:effectRef idx="0">
+              <a:schemeClr val="accent1"/>
+            </a:effectRef>
+            <a:fontRef idx="minor">
+              <a:schemeClr val="tx1"/>
+            </a:fontRef>
+          </p:style>
+        </p:cxnSp>
+        <p:cxnSp>
+          <p:nvCxnSpPr>
+            <p:cNvPr id="97" name="Straight Connector 96">
+              <a:extLst>
+                <a:ext uri="{FF2B5EF4-FFF2-40B4-BE49-F238E27FC236}">
+                  <a16:creationId xmlns:a16="http://schemas.microsoft.com/office/drawing/2014/main" id="{1059830E-1C3D-4D42-8789-524971CB4657}"/>
+                </a:ext>
+                <a:ext uri="{C183D7F6-B498-43B3-948B-1728B52AA6E4}">
+                  <adec:decorative xmlns:adec="http://schemas.microsoft.com/office/drawing/2017/decorative" val="1"/>
+                </a:ext>
+              </a:extLst>
+            </p:cNvPr>
+            <p:cNvCxnSpPr>
+              <a:cxnSpLocks/>
+            </p:cNvCxnSpPr>
+            <p:nvPr>
+              <p:extLst>
+                <p:ext uri="{386F3935-93C4-4BCD-93E2-E3B085C9AB24}">
+                  <p16:designElem xmlns:p16="http://schemas.microsoft.com/office/powerpoint/2015/main" val="1"/>
+                </p:ext>
+              </p:extLst>
+            </p:nvPr>
+          </p:nvCxnSpPr>
+          <p:spPr>
+            <a:xfrm>
+              <a:off x="0" y="171716"/>
+              <a:ext cx="12192000" cy="0"/>
+            </a:xfrm>
+            <a:prstGeom prst="line">
+              <a:avLst/>
+            </a:prstGeom>
+            <a:ln w="12700">
+              <a:solidFill>
+                <a:srgbClr val="BCBCBC">
+                  <a:alpha val="29804"/>
+                </a:srgbClr>
+              </a:solidFill>
+              <a:prstDash val="sysDot"/>
+            </a:ln>
+          </p:spPr>
+          <p:style>
+            <a:lnRef idx="1">
+              <a:schemeClr val="accent1"/>
+            </a:lnRef>
+            <a:fillRef idx="0">
+              <a:schemeClr val="accent1"/>
+            </a:fillRef>
+            <a:effectRef idx="0">
+              <a:schemeClr val="accent1"/>
+            </a:effectRef>
+            <a:fontRef idx="minor">
+              <a:schemeClr val="tx1"/>
+            </a:fontRef>
+          </p:style>
+        </p:cxnSp>
+        <p:cxnSp>
+          <p:nvCxnSpPr>
+            <p:cNvPr id="98" name="Straight Connector 97">
+              <a:extLst>
+                <a:ext uri="{FF2B5EF4-FFF2-40B4-BE49-F238E27FC236}">
+                  <a16:creationId xmlns:a16="http://schemas.microsoft.com/office/drawing/2014/main" id="{B53325A7-86D3-4B52-A7E3-ADDF408B4067}"/>
+                </a:ext>
+                <a:ext uri="{C183D7F6-B498-43B3-948B-1728B52AA6E4}">
+                  <adec:decorative xmlns:adec="http://schemas.microsoft.com/office/drawing/2017/decorative" val="1"/>
+                </a:ext>
+              </a:extLst>
+            </p:cNvPr>
+            <p:cNvCxnSpPr>
+              <a:cxnSpLocks/>
+            </p:cNvCxnSpPr>
+            <p:nvPr>
+              <p:extLst>
+                <p:ext uri="{386F3935-93C4-4BCD-93E2-E3B085C9AB24}">
+                  <p16:designElem xmlns:p16="http://schemas.microsoft.com/office/powerpoint/2015/main" val="1"/>
+                </p:ext>
+              </p:extLst>
+            </p:nvPr>
+          </p:nvCxnSpPr>
+          <p:spPr>
+            <a:xfrm>
+              <a:off x="0" y="714597"/>
+              <a:ext cx="12192000" cy="0"/>
+            </a:xfrm>
+            <a:prstGeom prst="line">
+              <a:avLst/>
+            </a:prstGeom>
+            <a:ln w="12700">
+              <a:solidFill>
+                <a:srgbClr val="BCBCBC">
+                  <a:alpha val="29804"/>
+                </a:srgbClr>
+              </a:solidFill>
+              <a:prstDash val="sysDot"/>
+            </a:ln>
+          </p:spPr>
+          <p:style>
+            <a:lnRef idx="1">
+              <a:schemeClr val="accent1"/>
+            </a:lnRef>
+            <a:fillRef idx="0">
+              <a:schemeClr val="accent1"/>
+            </a:fillRef>
+            <a:effectRef idx="0">
+              <a:schemeClr val="accent1"/>
+            </a:effectRef>
+            <a:fontRef idx="minor">
+              <a:schemeClr val="tx1"/>
+            </a:fontRef>
+          </p:style>
+        </p:cxnSp>
+        <p:cxnSp>
+          <p:nvCxnSpPr>
+            <p:cNvPr id="99" name="Straight Connector 98">
+              <a:extLst>
+                <a:ext uri="{FF2B5EF4-FFF2-40B4-BE49-F238E27FC236}">
+                  <a16:creationId xmlns:a16="http://schemas.microsoft.com/office/drawing/2014/main" id="{6D53F46F-EC12-484C-A4E7-791E57687AC1}"/>
+                </a:ext>
+                <a:ext uri="{C183D7F6-B498-43B3-948B-1728B52AA6E4}">
+                  <adec:decorative xmlns:adec="http://schemas.microsoft.com/office/drawing/2017/decorative" val="1"/>
+                </a:ext>
+              </a:extLst>
+            </p:cNvPr>
+            <p:cNvCxnSpPr>
+              <a:cxnSpLocks/>
+            </p:cNvCxnSpPr>
+            <p:nvPr>
+              <p:extLst>
+                <p:ext uri="{386F3935-93C4-4BCD-93E2-E3B085C9AB24}">
+                  <p16:designElem xmlns:p16="http://schemas.microsoft.com/office/powerpoint/2015/main" val="1"/>
+                </p:ext>
+              </p:extLst>
+            </p:nvPr>
+          </p:nvCxnSpPr>
+          <p:spPr>
+            <a:xfrm>
+              <a:off x="0" y="1257478"/>
+              <a:ext cx="12192000" cy="0"/>
+            </a:xfrm>
+            <a:prstGeom prst="line">
+              <a:avLst/>
+            </a:prstGeom>
+            <a:ln w="12700">
+              <a:solidFill>
+                <a:srgbClr val="BCBCBC">
+                  <a:alpha val="29804"/>
+                </a:srgbClr>
+              </a:solidFill>
+              <a:prstDash val="sysDot"/>
+            </a:ln>
+          </p:spPr>
+          <p:style>
+            <a:lnRef idx="1">
+              <a:schemeClr val="accent1"/>
+            </a:lnRef>
+            <a:fillRef idx="0">
+              <a:schemeClr val="accent1"/>
+            </a:fillRef>
+            <a:effectRef idx="0">
+              <a:schemeClr val="accent1"/>
+            </a:effectRef>
+            <a:fontRef idx="minor">
+              <a:schemeClr val="tx1"/>
+            </a:fontRef>
+          </p:style>
+        </p:cxnSp>
+        <p:cxnSp>
+          <p:nvCxnSpPr>
+            <p:cNvPr id="100" name="Straight Connector 99">
+              <a:extLst>
+                <a:ext uri="{FF2B5EF4-FFF2-40B4-BE49-F238E27FC236}">
+                  <a16:creationId xmlns:a16="http://schemas.microsoft.com/office/drawing/2014/main" id="{464ED9CA-8950-47B8-A9ED-22B45CE15FBC}"/>
+                </a:ext>
+                <a:ext uri="{C183D7F6-B498-43B3-948B-1728B52AA6E4}">
+                  <adec:decorative xmlns:adec="http://schemas.microsoft.com/office/drawing/2017/decorative" val="1"/>
+                </a:ext>
+              </a:extLst>
+            </p:cNvPr>
+            <p:cNvCxnSpPr>
+              <a:cxnSpLocks/>
+            </p:cNvCxnSpPr>
+            <p:nvPr>
+              <p:extLst>
+                <p:ext uri="{386F3935-93C4-4BCD-93E2-E3B085C9AB24}">
+                  <p16:designElem xmlns:p16="http://schemas.microsoft.com/office/powerpoint/2015/main" val="1"/>
+                </p:ext>
+              </p:extLst>
+            </p:nvPr>
+          </p:nvCxnSpPr>
+          <p:spPr>
+            <a:xfrm>
+              <a:off x="0" y="1800359"/>
+              <a:ext cx="12192000" cy="0"/>
+            </a:xfrm>
+            <a:prstGeom prst="line">
+              <a:avLst/>
+            </a:prstGeom>
+            <a:ln w="12700">
+              <a:solidFill>
+                <a:srgbClr val="BCBCBC">
+                  <a:alpha val="29804"/>
+                </a:srgbClr>
+              </a:solidFill>
+              <a:prstDash val="sysDot"/>
+            </a:ln>
+          </p:spPr>
+          <p:style>
+            <a:lnRef idx="1">
+              <a:schemeClr val="accent1"/>
+            </a:lnRef>
+            <a:fillRef idx="0">
+              <a:schemeClr val="accent1"/>
+            </a:fillRef>
+            <a:effectRef idx="0">
+              <a:schemeClr val="accent1"/>
+            </a:effectRef>
+            <a:fontRef idx="minor">
+              <a:schemeClr val="tx1"/>
+            </a:fontRef>
+          </p:style>
+        </p:cxnSp>
+        <p:cxnSp>
+          <p:nvCxnSpPr>
+            <p:cNvPr id="101" name="Straight Connector 100">
+              <a:extLst>
+                <a:ext uri="{FF2B5EF4-FFF2-40B4-BE49-F238E27FC236}">
+                  <a16:creationId xmlns:a16="http://schemas.microsoft.com/office/drawing/2014/main" id="{E4429F7B-9FD7-438F-8ECA-3FCAD0061805}"/>
+                </a:ext>
+                <a:ext uri="{C183D7F6-B498-43B3-948B-1728B52AA6E4}">
+                  <adec:decorative xmlns:adec="http://schemas.microsoft.com/office/drawing/2017/decorative" val="1"/>
+                </a:ext>
+              </a:extLst>
+            </p:cNvPr>
+            <p:cNvCxnSpPr>
+              <a:cxnSpLocks/>
+            </p:cNvCxnSpPr>
+            <p:nvPr>
+              <p:extLst>
+                <p:ext uri="{386F3935-93C4-4BCD-93E2-E3B085C9AB24}">
+                  <p16:designElem xmlns:p16="http://schemas.microsoft.com/office/powerpoint/2015/main" val="1"/>
+                </p:ext>
+              </p:extLst>
+            </p:nvPr>
+          </p:nvCxnSpPr>
+          <p:spPr>
+            <a:xfrm>
+              <a:off x="0" y="2343240"/>
+              <a:ext cx="12192000" cy="0"/>
+            </a:xfrm>
+            <a:prstGeom prst="line">
+              <a:avLst/>
+            </a:prstGeom>
+            <a:ln w="12700">
+              <a:solidFill>
+                <a:srgbClr val="BCBCBC">
+                  <a:alpha val="29804"/>
+                </a:srgbClr>
+              </a:solidFill>
+              <a:prstDash val="sysDot"/>
+            </a:ln>
+          </p:spPr>
+          <p:style>
+            <a:lnRef idx="1">
+              <a:schemeClr val="accent1"/>
+            </a:lnRef>
+            <a:fillRef idx="0">
+              <a:schemeClr val="accent1"/>
+            </a:fillRef>
+            <a:effectRef idx="0">
+              <a:schemeClr val="accent1"/>
+            </a:effectRef>
+            <a:fontRef idx="minor">
+              <a:schemeClr val="tx1"/>
+            </a:fontRef>
+          </p:style>
+        </p:cxnSp>
+        <p:cxnSp>
+          <p:nvCxnSpPr>
+            <p:cNvPr id="102" name="Straight Connector 101">
+              <a:extLst>
+                <a:ext uri="{FF2B5EF4-FFF2-40B4-BE49-F238E27FC236}">
+                  <a16:creationId xmlns:a16="http://schemas.microsoft.com/office/drawing/2014/main" id="{0C558100-D455-4B41-890C-BCC898B2D165}"/>
+                </a:ext>
+                <a:ext uri="{C183D7F6-B498-43B3-948B-1728B52AA6E4}">
+                  <adec:decorative xmlns:adec="http://schemas.microsoft.com/office/drawing/2017/decorative" val="1"/>
+                </a:ext>
+              </a:extLst>
+            </p:cNvPr>
+            <p:cNvCxnSpPr>
+              <a:cxnSpLocks/>
+            </p:cNvCxnSpPr>
+            <p:nvPr>
+              <p:extLst>
+                <p:ext uri="{386F3935-93C4-4BCD-93E2-E3B085C9AB24}">
+                  <p16:designElem xmlns:p16="http://schemas.microsoft.com/office/powerpoint/2015/main" val="1"/>
+                </p:ext>
+              </p:extLst>
+            </p:nvPr>
+          </p:nvCxnSpPr>
+          <p:spPr>
+            <a:xfrm>
+              <a:off x="0" y="2886121"/>
+              <a:ext cx="12192000" cy="0"/>
+            </a:xfrm>
+            <a:prstGeom prst="line">
+              <a:avLst/>
+            </a:prstGeom>
+            <a:ln w="12700">
+              <a:solidFill>
+                <a:srgbClr val="BCBCBC">
+                  <a:alpha val="29804"/>
+                </a:srgbClr>
+              </a:solidFill>
+              <a:prstDash val="sysDot"/>
+            </a:ln>
+          </p:spPr>
+          <p:style>
+            <a:lnRef idx="1">
+              <a:schemeClr val="accent1"/>
+            </a:lnRef>
+            <a:fillRef idx="0">
+              <a:schemeClr val="accent1"/>
+            </a:fillRef>
+            <a:effectRef idx="0">
+              <a:schemeClr val="accent1"/>
+            </a:effectRef>
+            <a:fontRef idx="minor">
+              <a:schemeClr val="tx1"/>
+            </a:fontRef>
+          </p:style>
+        </p:cxnSp>
+        <p:cxnSp>
+          <p:nvCxnSpPr>
+            <p:cNvPr id="103" name="Straight Connector 102">
+              <a:extLst>
+                <a:ext uri="{FF2B5EF4-FFF2-40B4-BE49-F238E27FC236}">
+                  <a16:creationId xmlns:a16="http://schemas.microsoft.com/office/drawing/2014/main" id="{F2886397-398A-4318-BE16-2CBAC1902F9E}"/>
+                </a:ext>
+                <a:ext uri="{C183D7F6-B498-43B3-948B-1728B52AA6E4}">
+                  <adec:decorative xmlns:adec="http://schemas.microsoft.com/office/drawing/2017/decorative" val="1"/>
+                </a:ext>
+              </a:extLst>
+            </p:cNvPr>
+            <p:cNvCxnSpPr>
+              <a:cxnSpLocks/>
+            </p:cNvCxnSpPr>
+            <p:nvPr>
+              <p:extLst>
+                <p:ext uri="{386F3935-93C4-4BCD-93E2-E3B085C9AB24}">
+                  <p16:designElem xmlns:p16="http://schemas.microsoft.com/office/powerpoint/2015/main" val="1"/>
+                </p:ext>
+              </p:extLst>
+            </p:nvPr>
+          </p:nvCxnSpPr>
+          <p:spPr>
+            <a:xfrm>
+              <a:off x="0" y="3429002"/>
+              <a:ext cx="12192000" cy="0"/>
+            </a:xfrm>
+            <a:prstGeom prst="line">
+              <a:avLst/>
+            </a:prstGeom>
+            <a:ln w="12700">
+              <a:solidFill>
+                <a:srgbClr val="BCBCBC">
+                  <a:alpha val="29804"/>
+                </a:srgbClr>
+              </a:solidFill>
+              <a:prstDash val="sysDot"/>
+            </a:ln>
+          </p:spPr>
+          <p:style>
+            <a:lnRef idx="1">
+              <a:schemeClr val="accent1"/>
+            </a:lnRef>
+            <a:fillRef idx="0">
+              <a:schemeClr val="accent1"/>
+            </a:fillRef>
+            <a:effectRef idx="0">
+              <a:schemeClr val="accent1"/>
+            </a:effectRef>
+            <a:fontRef idx="minor">
+              <a:schemeClr val="tx1"/>
+            </a:fontRef>
+          </p:style>
+        </p:cxnSp>
+        <p:cxnSp>
+          <p:nvCxnSpPr>
+            <p:cNvPr id="104" name="Straight Connector 103">
+              <a:extLst>
+                <a:ext uri="{FF2B5EF4-FFF2-40B4-BE49-F238E27FC236}">
+                  <a16:creationId xmlns:a16="http://schemas.microsoft.com/office/drawing/2014/main" id="{7D32A3A6-CE6E-4ABD-8522-2C8DC88C070E}"/>
+                </a:ext>
+                <a:ext uri="{C183D7F6-B498-43B3-948B-1728B52AA6E4}">
+                  <adec:decorative xmlns:adec="http://schemas.microsoft.com/office/drawing/2017/decorative" val="1"/>
+                </a:ext>
+              </a:extLst>
+            </p:cNvPr>
+            <p:cNvCxnSpPr>
+              <a:cxnSpLocks/>
+            </p:cNvCxnSpPr>
+            <p:nvPr>
+              <p:extLst>
+                <p:ext uri="{386F3935-93C4-4BCD-93E2-E3B085C9AB24}">
+                  <p16:designElem xmlns:p16="http://schemas.microsoft.com/office/powerpoint/2015/main" val="1"/>
+                </p:ext>
+              </p:extLst>
+            </p:nvPr>
+          </p:nvCxnSpPr>
+          <p:spPr>
+            <a:xfrm>
+              <a:off x="0" y="3971883"/>
+              <a:ext cx="12192000" cy="0"/>
+            </a:xfrm>
+            <a:prstGeom prst="line">
+              <a:avLst/>
+            </a:prstGeom>
+            <a:ln w="12700">
+              <a:solidFill>
+                <a:srgbClr val="BCBCBC">
+                  <a:alpha val="29804"/>
+                </a:srgbClr>
+              </a:solidFill>
+              <a:prstDash val="sysDot"/>
+            </a:ln>
+          </p:spPr>
+          <p:style>
+            <a:lnRef idx="1">
+              <a:schemeClr val="accent1"/>
+            </a:lnRef>
+            <a:fillRef idx="0">
+              <a:schemeClr val="accent1"/>
+            </a:fillRef>
+            <a:effectRef idx="0">
+              <a:schemeClr val="accent1"/>
+            </a:effectRef>
+            <a:fontRef idx="minor">
+              <a:schemeClr val="tx1"/>
+            </a:fontRef>
+          </p:style>
+        </p:cxnSp>
+        <p:cxnSp>
+          <p:nvCxnSpPr>
+            <p:cNvPr id="105" name="Straight Connector 104">
+              <a:extLst>
+                <a:ext uri="{FF2B5EF4-FFF2-40B4-BE49-F238E27FC236}">
+                  <a16:creationId xmlns:a16="http://schemas.microsoft.com/office/drawing/2014/main" id="{F9014C09-5B84-4798-8BDE-C80D76E67B8E}"/>
+                </a:ext>
+                <a:ext uri="{C183D7F6-B498-43B3-948B-1728B52AA6E4}">
+                  <adec:decorative xmlns:adec="http://schemas.microsoft.com/office/drawing/2017/decorative" val="1"/>
+                </a:ext>
+              </a:extLst>
+            </p:cNvPr>
+            <p:cNvCxnSpPr>
+              <a:cxnSpLocks/>
+            </p:cNvCxnSpPr>
+            <p:nvPr>
+              <p:extLst>
+                <p:ext uri="{386F3935-93C4-4BCD-93E2-E3B085C9AB24}">
+                  <p16:designElem xmlns:p16="http://schemas.microsoft.com/office/powerpoint/2015/main" val="1"/>
+                </p:ext>
+              </p:extLst>
+            </p:nvPr>
+          </p:nvCxnSpPr>
+          <p:spPr>
+            <a:xfrm>
+              <a:off x="0" y="4514764"/>
+              <a:ext cx="12192000" cy="0"/>
+            </a:xfrm>
+            <a:prstGeom prst="line">
+              <a:avLst/>
+            </a:prstGeom>
+            <a:ln w="12700">
+              <a:solidFill>
+                <a:srgbClr val="BCBCBC">
+                  <a:alpha val="29804"/>
+                </a:srgbClr>
+              </a:solidFill>
+              <a:prstDash val="sysDot"/>
+            </a:ln>
+          </p:spPr>
+          <p:style>
+            <a:lnRef idx="1">
+              <a:schemeClr val="accent1"/>
+            </a:lnRef>
+            <a:fillRef idx="0">
+              <a:schemeClr val="accent1"/>
+            </a:fillRef>
+            <a:effectRef idx="0">
+              <a:schemeClr val="accent1"/>
+            </a:effectRef>
+            <a:fontRef idx="minor">
+              <a:schemeClr val="tx1"/>
+            </a:fontRef>
+          </p:style>
+        </p:cxnSp>
+        <p:cxnSp>
+          <p:nvCxnSpPr>
+            <p:cNvPr id="106" name="Straight Connector 105">
+              <a:extLst>
+                <a:ext uri="{FF2B5EF4-FFF2-40B4-BE49-F238E27FC236}">
+                  <a16:creationId xmlns:a16="http://schemas.microsoft.com/office/drawing/2014/main" id="{2A29EB9E-ED9D-4C69-8A26-9A7A0A830569}"/>
+                </a:ext>
+                <a:ext uri="{C183D7F6-B498-43B3-948B-1728B52AA6E4}">
+                  <adec:decorative xmlns:adec="http://schemas.microsoft.com/office/drawing/2017/decorative" val="1"/>
+                </a:ext>
+              </a:extLst>
+            </p:cNvPr>
+            <p:cNvCxnSpPr>
+              <a:cxnSpLocks/>
+            </p:cNvCxnSpPr>
+            <p:nvPr>
+              <p:extLst>
+                <p:ext uri="{386F3935-93C4-4BCD-93E2-E3B085C9AB24}">
+                  <p16:designElem xmlns:p16="http://schemas.microsoft.com/office/powerpoint/2015/main" val="1"/>
+                </p:ext>
+              </p:extLst>
+            </p:nvPr>
+          </p:nvCxnSpPr>
+          <p:spPr>
+            <a:xfrm>
+              <a:off x="0" y="5057645"/>
+              <a:ext cx="12192000" cy="0"/>
+            </a:xfrm>
+            <a:prstGeom prst="line">
+              <a:avLst/>
+            </a:prstGeom>
+            <a:ln w="12700">
+              <a:solidFill>
+                <a:srgbClr val="BCBCBC">
+                  <a:alpha val="29804"/>
+                </a:srgbClr>
+              </a:solidFill>
+              <a:prstDash val="sysDot"/>
+            </a:ln>
+          </p:spPr>
+          <p:style>
+            <a:lnRef idx="1">
+              <a:schemeClr val="accent1"/>
+            </a:lnRef>
+            <a:fillRef idx="0">
+              <a:schemeClr val="accent1"/>
+            </a:fillRef>
+            <a:effectRef idx="0">
+              <a:schemeClr val="accent1"/>
+            </a:effectRef>
+            <a:fontRef idx="minor">
+              <a:schemeClr val="tx1"/>
+            </a:fontRef>
+          </p:style>
+        </p:cxnSp>
+        <p:cxnSp>
+          <p:nvCxnSpPr>
+            <p:cNvPr id="107" name="Straight Connector 106">
+              <a:extLst>
+                <a:ext uri="{FF2B5EF4-FFF2-40B4-BE49-F238E27FC236}">
+                  <a16:creationId xmlns:a16="http://schemas.microsoft.com/office/drawing/2014/main" id="{AA2899F9-1795-416F-8F3D-26EEB684DB6A}"/>
+                </a:ext>
+                <a:ext uri="{C183D7F6-B498-43B3-948B-1728B52AA6E4}">
+                  <adec:decorative xmlns:adec="http://schemas.microsoft.com/office/drawing/2017/decorative" val="1"/>
+                </a:ext>
+              </a:extLst>
+            </p:cNvPr>
+            <p:cNvCxnSpPr>
+              <a:cxnSpLocks/>
+            </p:cNvCxnSpPr>
+            <p:nvPr>
+              <p:extLst>
+                <p:ext uri="{386F3935-93C4-4BCD-93E2-E3B085C9AB24}">
+                  <p16:designElem xmlns:p16="http://schemas.microsoft.com/office/powerpoint/2015/main" val="1"/>
+                </p:ext>
+              </p:extLst>
+            </p:nvPr>
+          </p:nvCxnSpPr>
+          <p:spPr>
+            <a:xfrm>
+              <a:off x="0" y="5600526"/>
+              <a:ext cx="12192000" cy="0"/>
+            </a:xfrm>
+            <a:prstGeom prst="line">
+              <a:avLst/>
+            </a:prstGeom>
+            <a:ln w="12700">
+              <a:solidFill>
+                <a:srgbClr val="BCBCBC">
+                  <a:alpha val="29804"/>
+                </a:srgbClr>
+              </a:solidFill>
+              <a:prstDash val="sysDot"/>
+            </a:ln>
+          </p:spPr>
+          <p:style>
+            <a:lnRef idx="1">
+              <a:schemeClr val="accent1"/>
+            </a:lnRef>
+            <a:fillRef idx="0">
+              <a:schemeClr val="accent1"/>
+            </a:fillRef>
+            <a:effectRef idx="0">
+              <a:schemeClr val="accent1"/>
+            </a:effectRef>
+            <a:fontRef idx="minor">
+              <a:schemeClr val="tx1"/>
+            </a:fontRef>
+          </p:style>
+        </p:cxnSp>
+        <p:cxnSp>
+          <p:nvCxnSpPr>
+            <p:cNvPr id="108" name="Straight Connector 107">
+              <a:extLst>
+                <a:ext uri="{FF2B5EF4-FFF2-40B4-BE49-F238E27FC236}">
+                  <a16:creationId xmlns:a16="http://schemas.microsoft.com/office/drawing/2014/main" id="{E3043474-8625-495C-BD06-3627FD286C55}"/>
+                </a:ext>
+                <a:ext uri="{C183D7F6-B498-43B3-948B-1728B52AA6E4}">
+                  <adec:decorative xmlns:adec="http://schemas.microsoft.com/office/drawing/2017/decorative" val="1"/>
+                </a:ext>
+              </a:extLst>
+            </p:cNvPr>
+            <p:cNvCxnSpPr>
+              <a:cxnSpLocks/>
+            </p:cNvCxnSpPr>
+            <p:nvPr>
+              <p:extLst>
+                <p:ext uri="{386F3935-93C4-4BCD-93E2-E3B085C9AB24}">
+                  <p16:designElem xmlns:p16="http://schemas.microsoft.com/office/powerpoint/2015/main" val="1"/>
+                </p:ext>
+              </p:extLst>
+            </p:nvPr>
+          </p:nvCxnSpPr>
+          <p:spPr>
+            <a:xfrm>
+              <a:off x="0" y="6857999"/>
+              <a:ext cx="12192000" cy="0"/>
+            </a:xfrm>
+            <a:prstGeom prst="line">
+              <a:avLst/>
+            </a:prstGeom>
+            <a:ln w="12700">
+              <a:solidFill>
+                <a:srgbClr val="BCBCBC">
+                  <a:alpha val="29804"/>
+                </a:srgbClr>
+              </a:solidFill>
+              <a:prstDash val="sysDot"/>
+            </a:ln>
+          </p:spPr>
+          <p:style>
+            <a:lnRef idx="1">
+              <a:schemeClr val="accent1"/>
+            </a:lnRef>
+            <a:fillRef idx="0">
+              <a:schemeClr val="accent1"/>
+            </a:fillRef>
+            <a:effectRef idx="0">
+              <a:schemeClr val="accent1"/>
+            </a:effectRef>
+            <a:fontRef idx="minor">
+              <a:schemeClr val="tx1"/>
+            </a:fontRef>
+          </p:style>
+        </p:cxnSp>
+        <p:cxnSp>
+          <p:nvCxnSpPr>
+            <p:cNvPr id="109" name="Straight Connector 108">
+              <a:extLst>
+                <a:ext uri="{FF2B5EF4-FFF2-40B4-BE49-F238E27FC236}">
+                  <a16:creationId xmlns:a16="http://schemas.microsoft.com/office/drawing/2014/main" id="{D432CE47-7631-408E-8DDC-79EE378B707B}"/>
+                </a:ext>
+                <a:ext uri="{C183D7F6-B498-43B3-948B-1728B52AA6E4}">
+                  <adec:decorative xmlns:adec="http://schemas.microsoft.com/office/drawing/2017/decorative" val="1"/>
+                </a:ext>
+              </a:extLst>
+            </p:cNvPr>
+            <p:cNvCxnSpPr>
+              <a:cxnSpLocks/>
+            </p:cNvCxnSpPr>
+            <p:nvPr>
+              <p:extLst>
+                <p:ext uri="{386F3935-93C4-4BCD-93E2-E3B085C9AB24}">
+                  <p16:designElem xmlns:p16="http://schemas.microsoft.com/office/powerpoint/2015/main" val="1"/>
+                </p:ext>
+              </p:extLst>
+            </p:nvPr>
+          </p:nvCxnSpPr>
+          <p:spPr>
+            <a:xfrm>
+              <a:off x="16613" y="6143407"/>
+              <a:ext cx="12192000" cy="0"/>
+            </a:xfrm>
+            <a:prstGeom prst="line">
+              <a:avLst/>
+            </a:prstGeom>
+            <a:ln w="12700">
+              <a:solidFill>
+                <a:srgbClr val="BCBCBC">
+                  <a:alpha val="29804"/>
+                </a:srgbClr>
+              </a:solidFill>
+              <a:prstDash val="sysDot"/>
+            </a:ln>
+          </p:spPr>
+          <p:style>
+            <a:lnRef idx="1">
+              <a:schemeClr val="accent1"/>
+            </a:lnRef>
+            <a:fillRef idx="0">
+              <a:schemeClr val="accent1"/>
+            </a:fillRef>
+            <a:effectRef idx="0">
+              <a:schemeClr val="accent1"/>
+            </a:effectRef>
+            <a:fontRef idx="minor">
+              <a:schemeClr val="tx1"/>
+            </a:fontRef>
+          </p:style>
+        </p:cxnSp>
+        <p:cxnSp>
+          <p:nvCxnSpPr>
+            <p:cNvPr id="110" name="Straight Connector 109">
+              <a:extLst>
+                <a:ext uri="{FF2B5EF4-FFF2-40B4-BE49-F238E27FC236}">
+                  <a16:creationId xmlns:a16="http://schemas.microsoft.com/office/drawing/2014/main" id="{B2C8832D-8B8D-4036-B913-2D363143274B}"/>
+                </a:ext>
+                <a:ext uri="{C183D7F6-B498-43B3-948B-1728B52AA6E4}">
+                  <adec:decorative xmlns:adec="http://schemas.microsoft.com/office/drawing/2017/decorative" val="1"/>
+                </a:ext>
+              </a:extLst>
+            </p:cNvPr>
+            <p:cNvCxnSpPr>
+              <a:cxnSpLocks/>
+            </p:cNvCxnSpPr>
+            <p:nvPr>
+              <p:extLst>
+                <p:ext uri="{386F3935-93C4-4BCD-93E2-E3B085C9AB24}">
+                  <p16:designElem xmlns:p16="http://schemas.microsoft.com/office/powerpoint/2015/main" val="1"/>
+                </p:ext>
+              </p:extLst>
+            </p:nvPr>
+          </p:nvCxnSpPr>
+          <p:spPr>
+            <a:xfrm>
+              <a:off x="684225" y="171716"/>
+              <a:ext cx="0" cy="6511464"/>
+            </a:xfrm>
+            <a:prstGeom prst="line">
+              <a:avLst/>
+            </a:prstGeom>
+            <a:ln w="12700">
+              <a:solidFill>
+                <a:srgbClr val="BCBCBC">
+                  <a:alpha val="29804"/>
+                </a:srgbClr>
+              </a:solidFill>
+              <a:prstDash val="sysDot"/>
+            </a:ln>
+          </p:spPr>
+          <p:style>
+            <a:lnRef idx="1">
+              <a:schemeClr val="accent1"/>
+            </a:lnRef>
+            <a:fillRef idx="0">
+              <a:schemeClr val="accent1"/>
+            </a:fillRef>
+            <a:effectRef idx="0">
+              <a:schemeClr val="accent1"/>
+            </a:effectRef>
+            <a:fontRef idx="minor">
+              <a:schemeClr val="tx1"/>
+            </a:fontRef>
+          </p:style>
+        </p:cxnSp>
+        <p:cxnSp>
+          <p:nvCxnSpPr>
+            <p:cNvPr id="111" name="Straight Connector 110">
+              <a:extLst>
+                <a:ext uri="{FF2B5EF4-FFF2-40B4-BE49-F238E27FC236}">
+                  <a16:creationId xmlns:a16="http://schemas.microsoft.com/office/drawing/2014/main" id="{1CCEFEAF-E87B-4FF2-A947-94CABAA0610D}"/>
+                </a:ext>
+                <a:ext uri="{C183D7F6-B498-43B3-948B-1728B52AA6E4}">
+                  <adec:decorative xmlns:adec="http://schemas.microsoft.com/office/drawing/2017/decorative" val="1"/>
+                </a:ext>
+              </a:extLst>
+            </p:cNvPr>
+            <p:cNvCxnSpPr>
+              <a:cxnSpLocks/>
+            </p:cNvCxnSpPr>
+            <p:nvPr>
+              <p:extLst>
+                <p:ext uri="{386F3935-93C4-4BCD-93E2-E3B085C9AB24}">
+                  <p16:designElem xmlns:p16="http://schemas.microsoft.com/office/powerpoint/2015/main" val="1"/>
+                </p:ext>
+              </p:extLst>
+            </p:nvPr>
+          </p:nvCxnSpPr>
+          <p:spPr>
+            <a:xfrm>
+              <a:off x="11508412" y="173267"/>
+              <a:ext cx="0" cy="6511464"/>
+            </a:xfrm>
+            <a:prstGeom prst="line">
+              <a:avLst/>
+            </a:prstGeom>
+            <a:ln w="12700">
+              <a:solidFill>
+                <a:srgbClr val="BCBCBC">
+                  <a:alpha val="29804"/>
+                </a:srgbClr>
+              </a:solidFill>
+              <a:prstDash val="sysDot"/>
+            </a:ln>
+          </p:spPr>
+          <p:style>
+            <a:lnRef idx="1">
+              <a:schemeClr val="accent1"/>
+            </a:lnRef>
+            <a:fillRef idx="0">
+              <a:schemeClr val="accent1"/>
+            </a:fillRef>
+            <a:effectRef idx="0">
+              <a:schemeClr val="accent1"/>
+            </a:effectRef>
+            <a:fontRef idx="minor">
+              <a:schemeClr val="tx1"/>
+            </a:fontRef>
+          </p:style>
+        </p:cxnSp>
+      </p:grpSp>
+      <p:sp>
+        <p:nvSpPr>
+          <p:cNvPr id="113" name="Right Triangle 112">
+            <a:extLst>
+              <a:ext uri="{FF2B5EF4-FFF2-40B4-BE49-F238E27FC236}">
+                <a16:creationId xmlns:a16="http://schemas.microsoft.com/office/drawing/2014/main" id="{2437C4A8-8E3A-4ADA-93B9-64737CE1ABB1}"/>
+              </a:ext>
+              <a:ext uri="{C183D7F6-B498-43B3-948B-1728B52AA6E4}">
+                <adec:decorative xmlns:adec="http://schemas.microsoft.com/office/drawing/2017/decorative" val="1"/>
+              </a:ext>
+            </a:extLst>
+          </p:cNvPr>
+          <p:cNvSpPr>
+            <a:spLocks noGrp="1" noRot="1" noChangeAspect="1" noMove="1" noResize="1" noEditPoints="1" noAdjustHandles="1" noChangeArrowheads="1" noChangeShapeType="1" noTextEdit="1"/>
+          </p:cNvSpPr>
+          <p:nvPr>
+            <p:extLst>
+              <p:ext uri="{386F3935-93C4-4BCD-93E2-E3B085C9AB24}">
+                <p16:designElem xmlns:p16="http://schemas.microsoft.com/office/powerpoint/2015/main" val="1"/>
+              </p:ext>
+            </p:extLst>
+          </p:nvPr>
+        </p:nvSpPr>
+        <p:spPr>
+          <a:xfrm rot="13500000">
+            <a:off x="-281093" y="2607907"/>
+            <a:ext cx="568289" cy="568289"/>
+          </a:xfrm>
+          <a:prstGeom prst="rtTriangle">
+            <a:avLst/>
+          </a:prstGeom>
+          <a:solidFill>
+            <a:schemeClr val="accent1">
+              <a:alpha val="50000"/>
+            </a:schemeClr>
+          </a:solidFill>
+          <a:ln>
+            <a:noFill/>
+          </a:ln>
+        </p:spPr>
+        <p:style>
+          <a:lnRef idx="2">
+            <a:schemeClr val="accent1">
+              <a:shade val="50000"/>
+            </a:schemeClr>
+          </a:lnRef>
+          <a:fillRef idx="1">
+            <a:schemeClr val="accent1"/>
+          </a:fillRef>
+          <a:effectRef idx="0">
+            <a:schemeClr val="accent1"/>
+          </a:effectRef>
+          <a:fontRef idx="minor">
+            <a:schemeClr val="lt1"/>
+          </a:fontRef>
+        </p:style>
+        <p:txBody>
+          <a:bodyPr rtlCol="0" anchor="ctr"/>
+          <a:lstStyle/>
+          <a:p>
+            <a:pPr algn="ctr"/>
+            <a:endParaRPr lang="en-US">
+              <a:solidFill>
+                <a:schemeClr val="tx1"/>
+              </a:solidFill>
+            </a:endParaRPr>
+          </a:p>
+        </p:txBody>
+      </p:sp>
+      <p:sp useBgFill="1">
+        <p:nvSpPr>
+          <p:cNvPr id="115" name="Rectangle 114">
+            <a:extLst>
+              <a:ext uri="{FF2B5EF4-FFF2-40B4-BE49-F238E27FC236}">
+                <a16:creationId xmlns:a16="http://schemas.microsoft.com/office/drawing/2014/main" id="{A173122F-D466-4F08-90FA-0038F7AC214A}"/>
+              </a:ext>
+              <a:ext uri="{C183D7F6-B498-43B3-948B-1728B52AA6E4}">
+                <adec:decorative xmlns:adec="http://schemas.microsoft.com/office/drawing/2017/decorative" val="1"/>
+              </a:ext>
+            </a:extLst>
+          </p:cNvPr>
+          <p:cNvSpPr>
+            <a:spLocks noGrp="1" noRot="1" noChangeAspect="1" noMove="1" noResize="1" noEditPoints="1" noAdjustHandles="1" noChangeArrowheads="1" noChangeShapeType="1" noTextEdit="1"/>
+          </p:cNvSpPr>
+          <p:nvPr>
+            <p:extLst>
+              <p:ext uri="{386F3935-93C4-4BCD-93E2-E3B085C9AB24}">
+                <p16:designElem xmlns:p16="http://schemas.microsoft.com/office/powerpoint/2015/main" val="1"/>
+              </p:ext>
+            </p:extLst>
+          </p:nvPr>
+        </p:nvSpPr>
+        <p:spPr>
+          <a:xfrm>
+            <a:off x="0" y="0"/>
+            <a:ext cx="12188952" cy="6858000"/>
+          </a:xfrm>
+          <a:prstGeom prst="rect">
+            <a:avLst/>
+          </a:prstGeom>
+          <a:ln>
+            <a:noFill/>
+          </a:ln>
+        </p:spPr>
+        <p:style>
+          <a:lnRef idx="2">
+            <a:schemeClr val="accent1">
+              <a:shade val="50000"/>
+            </a:schemeClr>
+          </a:lnRef>
+          <a:fillRef idx="1">
+            <a:schemeClr val="accent1"/>
+          </a:fillRef>
+          <a:effectRef idx="0">
+            <a:schemeClr val="accent1"/>
+          </a:effectRef>
+          <a:fontRef idx="minor">
+            <a:schemeClr val="lt1"/>
+          </a:fontRef>
+        </p:style>
+        <p:txBody>
+          <a:bodyPr rtlCol="0" anchor="ctr"/>
+          <a:lstStyle/>
+          <a:p>
+            <a:pPr algn="ctr"/>
+            <a:endParaRPr lang="en-US">
+              <a:solidFill>
+                <a:schemeClr val="bg1"/>
+              </a:solidFill>
+            </a:endParaRPr>
+          </a:p>
+        </p:txBody>
+      </p:sp>
+      <p:grpSp>
+        <p:nvGrpSpPr>
+          <p:cNvPr id="117" name="Group 116">
+            <a:extLst>
+              <a:ext uri="{FF2B5EF4-FFF2-40B4-BE49-F238E27FC236}">
+                <a16:creationId xmlns:a16="http://schemas.microsoft.com/office/drawing/2014/main" id="{B19EC7B8-C390-4F1B-8960-E6D32451033C}"/>
+              </a:ext>
+              <a:ext uri="{C183D7F6-B498-43B3-948B-1728B52AA6E4}">
+                <adec:decorative xmlns:adec="http://schemas.microsoft.com/office/drawing/2017/decorative" val="1"/>
+              </a:ext>
+            </a:extLst>
+          </p:cNvPr>
+          <p:cNvGrpSpPr>
+            <a:grpSpLocks noGrp="1" noUngrp="1" noRot="1" noChangeAspect="1" noMove="1" noResize="1"/>
+          </p:cNvGrpSpPr>
+          <p:nvPr>
+            <p:extLst>
+              <p:ext uri="{386F3935-93C4-4BCD-93E2-E3B085C9AB24}">
+                <p16:designElem xmlns:p16="http://schemas.microsoft.com/office/powerpoint/2015/main" val="1"/>
+              </p:ext>
+            </p:extLst>
+          </p:nvPr>
+        </p:nvGrpSpPr>
+        <p:grpSpPr>
+          <a:xfrm>
+            <a:off x="-6214" y="-1"/>
+            <a:ext cx="12214827" cy="6858000"/>
+            <a:chOff x="-6214" y="-1"/>
+            <a:chExt cx="12214827" cy="6858000"/>
+          </a:xfrm>
+        </p:grpSpPr>
+        <p:cxnSp>
+          <p:nvCxnSpPr>
+            <p:cNvPr id="118" name="Straight Connector 117">
+              <a:extLst>
+                <a:ext uri="{FF2B5EF4-FFF2-40B4-BE49-F238E27FC236}">
+                  <a16:creationId xmlns:a16="http://schemas.microsoft.com/office/drawing/2014/main" id="{7CEE1CC1-2CD0-4957-8A12-48FA80C0CC28}"/>
+                </a:ext>
+                <a:ext uri="{C183D7F6-B498-43B3-948B-1728B52AA6E4}">
+                  <adec:decorative xmlns:adec="http://schemas.microsoft.com/office/drawing/2017/decorative" val="1"/>
+                </a:ext>
+              </a:extLst>
+            </p:cNvPr>
+            <p:cNvCxnSpPr>
+              <a:cxnSpLocks/>
+            </p:cNvCxnSpPr>
+            <p:nvPr>
+              <p:extLst>
+                <p:ext uri="{386F3935-93C4-4BCD-93E2-E3B085C9AB24}">
+                  <p16:designElem xmlns:p16="http://schemas.microsoft.com/office/powerpoint/2015/main" val="1"/>
+                </p:ext>
+              </p:extLst>
+            </p:nvPr>
+          </p:nvCxnSpPr>
+          <p:spPr>
+            <a:xfrm>
+              <a:off x="-6214" y="6686283"/>
+              <a:ext cx="12192000" cy="0"/>
+            </a:xfrm>
+            <a:prstGeom prst="line">
+              <a:avLst/>
+            </a:prstGeom>
+            <a:ln w="12700">
+              <a:solidFill>
+                <a:srgbClr val="BCBCBC">
+                  <a:alpha val="29804"/>
+                </a:srgbClr>
+              </a:solidFill>
+              <a:prstDash val="sysDot"/>
+            </a:ln>
+          </p:spPr>
+          <p:style>
+            <a:lnRef idx="1">
+              <a:schemeClr val="accent1"/>
+            </a:lnRef>
+            <a:fillRef idx="0">
+              <a:schemeClr val="accent1"/>
+            </a:fillRef>
+            <a:effectRef idx="0">
+              <a:schemeClr val="accent1"/>
+            </a:effectRef>
+            <a:fontRef idx="minor">
+              <a:schemeClr val="tx1"/>
+            </a:fontRef>
+          </p:style>
+        </p:cxnSp>
+        <p:cxnSp>
+          <p:nvCxnSpPr>
+            <p:cNvPr id="119" name="Straight Connector 118">
+              <a:extLst>
+                <a:ext uri="{FF2B5EF4-FFF2-40B4-BE49-F238E27FC236}">
+                  <a16:creationId xmlns:a16="http://schemas.microsoft.com/office/drawing/2014/main" id="{34901FEB-A7C2-457B-A124-AD433B04174F}"/>
+                </a:ext>
+                <a:ext uri="{C183D7F6-B498-43B3-948B-1728B52AA6E4}">
+                  <adec:decorative xmlns:adec="http://schemas.microsoft.com/office/drawing/2017/decorative" val="1"/>
+                </a:ext>
+              </a:extLst>
+            </p:cNvPr>
+            <p:cNvCxnSpPr>
+              <a:cxnSpLocks/>
+            </p:cNvCxnSpPr>
+            <p:nvPr>
+              <p:extLst>
+                <p:ext uri="{386F3935-93C4-4BCD-93E2-E3B085C9AB24}">
+                  <p16:designElem xmlns:p16="http://schemas.microsoft.com/office/powerpoint/2015/main" val="1"/>
+                </p:ext>
+              </p:extLst>
+            </p:nvPr>
+          </p:nvCxnSpPr>
+          <p:spPr>
+            <a:xfrm>
+              <a:off x="0" y="-1"/>
+              <a:ext cx="0" cy="6858000"/>
+            </a:xfrm>
+            <a:prstGeom prst="line">
+              <a:avLst/>
+            </a:prstGeom>
+            <a:ln w="12700">
+              <a:solidFill>
+                <a:srgbClr val="BCBCBC">
+                  <a:alpha val="29804"/>
+                </a:srgbClr>
+              </a:solidFill>
+              <a:prstDash val="sysDot"/>
+            </a:ln>
+          </p:spPr>
+          <p:style>
+            <a:lnRef idx="1">
+              <a:schemeClr val="accent1"/>
+            </a:lnRef>
+            <a:fillRef idx="0">
+              <a:schemeClr val="accent1"/>
+            </a:fillRef>
+            <a:effectRef idx="0">
+              <a:schemeClr val="accent1"/>
+            </a:effectRef>
+            <a:fontRef idx="minor">
+              <a:schemeClr val="tx1"/>
+            </a:fontRef>
+          </p:style>
+        </p:cxnSp>
+        <p:cxnSp>
+          <p:nvCxnSpPr>
+            <p:cNvPr id="120" name="Straight Connector 119">
+              <a:extLst>
+                <a:ext uri="{FF2B5EF4-FFF2-40B4-BE49-F238E27FC236}">
+                  <a16:creationId xmlns:a16="http://schemas.microsoft.com/office/drawing/2014/main" id="{C76048A8-79AA-454C-BD3E-3004F742681C}"/>
+                </a:ext>
+                <a:ext uri="{C183D7F6-B498-43B3-948B-1728B52AA6E4}">
+                  <adec:decorative xmlns:adec="http://schemas.microsoft.com/office/drawing/2017/decorative" val="1"/>
+                </a:ext>
+              </a:extLst>
+            </p:cNvPr>
+            <p:cNvCxnSpPr>
+              <a:cxnSpLocks/>
+            </p:cNvCxnSpPr>
+            <p:nvPr>
+              <p:extLst>
+                <p:ext uri="{386F3935-93C4-4BCD-93E2-E3B085C9AB24}">
+                  <p16:designElem xmlns:p16="http://schemas.microsoft.com/office/powerpoint/2015/main" val="1"/>
+                </p:ext>
+              </p:extLst>
+            </p:nvPr>
+          </p:nvCxnSpPr>
+          <p:spPr>
+            <a:xfrm>
+              <a:off x="11993258" y="-1"/>
+              <a:ext cx="0" cy="6858000"/>
+            </a:xfrm>
+            <a:prstGeom prst="line">
+              <a:avLst/>
+            </a:prstGeom>
+            <a:ln w="12700">
+              <a:solidFill>
+                <a:srgbClr val="BCBCBC">
+                  <a:alpha val="29804"/>
+                </a:srgbClr>
+              </a:solidFill>
+              <a:prstDash val="sysDot"/>
+            </a:ln>
+          </p:spPr>
+          <p:style>
+            <a:lnRef idx="1">
+              <a:schemeClr val="accent1"/>
+            </a:lnRef>
+            <a:fillRef idx="0">
+              <a:schemeClr val="accent1"/>
+            </a:fillRef>
+            <a:effectRef idx="0">
+              <a:schemeClr val="accent1"/>
+            </a:effectRef>
+            <a:fontRef idx="minor">
+              <a:schemeClr val="tx1"/>
+            </a:fontRef>
+          </p:style>
+        </p:cxnSp>
+        <p:cxnSp>
+          <p:nvCxnSpPr>
+            <p:cNvPr id="121" name="Straight Connector 120">
+              <a:extLst>
+                <a:ext uri="{FF2B5EF4-FFF2-40B4-BE49-F238E27FC236}">
+                  <a16:creationId xmlns:a16="http://schemas.microsoft.com/office/drawing/2014/main" id="{77B51975-25FE-4328-9815-2AA302F28ABA}"/>
+                </a:ext>
+                <a:ext uri="{C183D7F6-B498-43B3-948B-1728B52AA6E4}">
+                  <adec:decorative xmlns:adec="http://schemas.microsoft.com/office/drawing/2017/decorative" val="1"/>
+                </a:ext>
+              </a:extLst>
+            </p:cNvPr>
+            <p:cNvCxnSpPr>
+              <a:cxnSpLocks/>
+            </p:cNvCxnSpPr>
+            <p:nvPr>
+              <p:extLst>
+                <p:ext uri="{386F3935-93C4-4BCD-93E2-E3B085C9AB24}">
+                  <p16:designElem xmlns:p16="http://schemas.microsoft.com/office/powerpoint/2015/main" val="1"/>
+                </p:ext>
+              </p:extLst>
+            </p:nvPr>
+          </p:nvCxnSpPr>
+          <p:spPr>
+            <a:xfrm>
+              <a:off x="192528" y="-1"/>
+              <a:ext cx="0" cy="6858000"/>
+            </a:xfrm>
+            <a:prstGeom prst="line">
+              <a:avLst/>
+            </a:prstGeom>
+            <a:ln w="12700">
+              <a:solidFill>
+                <a:srgbClr val="BCBCBC">
+                  <a:alpha val="29804"/>
+                </a:srgbClr>
+              </a:solidFill>
+              <a:prstDash val="sysDot"/>
+            </a:ln>
+          </p:spPr>
+          <p:style>
+            <a:lnRef idx="1">
+              <a:schemeClr val="accent1"/>
+            </a:lnRef>
+            <a:fillRef idx="0">
+              <a:schemeClr val="accent1"/>
+            </a:fillRef>
+            <a:effectRef idx="0">
+              <a:schemeClr val="accent1"/>
+            </a:effectRef>
+            <a:fontRef idx="minor">
+              <a:schemeClr val="tx1"/>
+            </a:fontRef>
+          </p:style>
+        </p:cxnSp>
+        <p:cxnSp>
+          <p:nvCxnSpPr>
+            <p:cNvPr id="122" name="Straight Connector 121">
+              <a:extLst>
+                <a:ext uri="{FF2B5EF4-FFF2-40B4-BE49-F238E27FC236}">
+                  <a16:creationId xmlns:a16="http://schemas.microsoft.com/office/drawing/2014/main" id="{B440B47E-6D3E-4978-B887-B53DA0BFF556}"/>
+                </a:ext>
+                <a:ext uri="{C183D7F6-B498-43B3-948B-1728B52AA6E4}">
+                  <adec:decorative xmlns:adec="http://schemas.microsoft.com/office/drawing/2017/decorative" val="1"/>
+                </a:ext>
+              </a:extLst>
+            </p:cNvPr>
+            <p:cNvCxnSpPr>
+              <a:cxnSpLocks/>
+            </p:cNvCxnSpPr>
+            <p:nvPr>
+              <p:extLst>
+                <p:ext uri="{386F3935-93C4-4BCD-93E2-E3B085C9AB24}">
+                  <p16:designElem xmlns:p16="http://schemas.microsoft.com/office/powerpoint/2015/main" val="1"/>
+                </p:ext>
+              </p:extLst>
+            </p:nvPr>
+          </p:nvCxnSpPr>
+          <p:spPr>
+            <a:xfrm>
+              <a:off x="1175922" y="-1"/>
+              <a:ext cx="0" cy="6858000"/>
+            </a:xfrm>
+            <a:prstGeom prst="line">
+              <a:avLst/>
+            </a:prstGeom>
+            <a:ln w="12700">
+              <a:solidFill>
+                <a:srgbClr val="BCBCBC">
+                  <a:alpha val="29804"/>
+                </a:srgbClr>
+              </a:solidFill>
+              <a:prstDash val="sysDot"/>
+            </a:ln>
+          </p:spPr>
+          <p:style>
+            <a:lnRef idx="1">
+              <a:schemeClr val="accent1"/>
+            </a:lnRef>
+            <a:fillRef idx="0">
+              <a:schemeClr val="accent1"/>
+            </a:fillRef>
+            <a:effectRef idx="0">
+              <a:schemeClr val="accent1"/>
+            </a:effectRef>
+            <a:fontRef idx="minor">
+              <a:schemeClr val="tx1"/>
+            </a:fontRef>
+          </p:style>
+        </p:cxnSp>
+        <p:cxnSp>
+          <p:nvCxnSpPr>
+            <p:cNvPr id="123" name="Straight Connector 122">
+              <a:extLst>
+                <a:ext uri="{FF2B5EF4-FFF2-40B4-BE49-F238E27FC236}">
+                  <a16:creationId xmlns:a16="http://schemas.microsoft.com/office/drawing/2014/main" id="{FD94D0A1-D760-40DE-B758-008B93D588B5}"/>
+                </a:ext>
+                <a:ext uri="{C183D7F6-B498-43B3-948B-1728B52AA6E4}">
+                  <adec:decorative xmlns:adec="http://schemas.microsoft.com/office/drawing/2017/decorative" val="1"/>
+                </a:ext>
+              </a:extLst>
+            </p:cNvPr>
+            <p:cNvCxnSpPr>
+              <a:cxnSpLocks/>
+            </p:cNvCxnSpPr>
+            <p:nvPr>
+              <p:extLst>
+                <p:ext uri="{386F3935-93C4-4BCD-93E2-E3B085C9AB24}">
+                  <p16:designElem xmlns:p16="http://schemas.microsoft.com/office/powerpoint/2015/main" val="1"/>
+                </p:ext>
+              </p:extLst>
+            </p:nvPr>
+          </p:nvCxnSpPr>
+          <p:spPr>
+            <a:xfrm>
+              <a:off x="2159316" y="-1"/>
+              <a:ext cx="0" cy="6858000"/>
+            </a:xfrm>
+            <a:prstGeom prst="line">
+              <a:avLst/>
+            </a:prstGeom>
+            <a:ln w="12700">
+              <a:solidFill>
+                <a:srgbClr val="BCBCBC">
+                  <a:alpha val="29804"/>
+                </a:srgbClr>
+              </a:solidFill>
+              <a:prstDash val="sysDot"/>
+            </a:ln>
+          </p:spPr>
+          <p:style>
+            <a:lnRef idx="1">
+              <a:schemeClr val="accent1"/>
+            </a:lnRef>
+            <a:fillRef idx="0">
+              <a:schemeClr val="accent1"/>
+            </a:fillRef>
+            <a:effectRef idx="0">
+              <a:schemeClr val="accent1"/>
+            </a:effectRef>
+            <a:fontRef idx="minor">
+              <a:schemeClr val="tx1"/>
+            </a:fontRef>
+          </p:style>
+        </p:cxnSp>
+        <p:cxnSp>
+          <p:nvCxnSpPr>
+            <p:cNvPr id="124" name="Straight Connector 123">
+              <a:extLst>
+                <a:ext uri="{FF2B5EF4-FFF2-40B4-BE49-F238E27FC236}">
+                  <a16:creationId xmlns:a16="http://schemas.microsoft.com/office/drawing/2014/main" id="{F9E590CB-0538-40D7-9CAC-1BBD39CC278D}"/>
+                </a:ext>
+                <a:ext uri="{C183D7F6-B498-43B3-948B-1728B52AA6E4}">
+                  <adec:decorative xmlns:adec="http://schemas.microsoft.com/office/drawing/2017/decorative" val="1"/>
+                </a:ext>
+              </a:extLst>
+            </p:cNvPr>
+            <p:cNvCxnSpPr>
+              <a:cxnSpLocks/>
+            </p:cNvCxnSpPr>
+            <p:nvPr>
+              <p:extLst>
+                <p:ext uri="{386F3935-93C4-4BCD-93E2-E3B085C9AB24}">
+                  <p16:designElem xmlns:p16="http://schemas.microsoft.com/office/powerpoint/2015/main" val="1"/>
+                </p:ext>
+              </p:extLst>
+            </p:nvPr>
+          </p:nvCxnSpPr>
+          <p:spPr>
+            <a:xfrm>
+              <a:off x="3142710" y="-1"/>
+              <a:ext cx="0" cy="6858000"/>
+            </a:xfrm>
+            <a:prstGeom prst="line">
+              <a:avLst/>
+            </a:prstGeom>
+            <a:ln w="12700">
+              <a:solidFill>
+                <a:srgbClr val="BCBCBC">
+                  <a:alpha val="29804"/>
+                </a:srgbClr>
+              </a:solidFill>
+              <a:prstDash val="sysDot"/>
+            </a:ln>
+          </p:spPr>
+          <p:style>
+            <a:lnRef idx="1">
+              <a:schemeClr val="accent1"/>
+            </a:lnRef>
+            <a:fillRef idx="0">
+              <a:schemeClr val="accent1"/>
+            </a:fillRef>
+            <a:effectRef idx="0">
+              <a:schemeClr val="accent1"/>
+            </a:effectRef>
+            <a:fontRef idx="minor">
+              <a:schemeClr val="tx1"/>
+            </a:fontRef>
+          </p:style>
+        </p:cxnSp>
+        <p:cxnSp>
+          <p:nvCxnSpPr>
+            <p:cNvPr id="125" name="Straight Connector 124">
+              <a:extLst>
+                <a:ext uri="{FF2B5EF4-FFF2-40B4-BE49-F238E27FC236}">
+                  <a16:creationId xmlns:a16="http://schemas.microsoft.com/office/drawing/2014/main" id="{5D7C67DA-B2AA-46E2-8065-1F862A6F7233}"/>
+                </a:ext>
+                <a:ext uri="{C183D7F6-B498-43B3-948B-1728B52AA6E4}">
+                  <adec:decorative xmlns:adec="http://schemas.microsoft.com/office/drawing/2017/decorative" val="1"/>
+                </a:ext>
+              </a:extLst>
+            </p:cNvPr>
+            <p:cNvCxnSpPr>
+              <a:cxnSpLocks/>
+            </p:cNvCxnSpPr>
+            <p:nvPr>
+              <p:extLst>
+                <p:ext uri="{386F3935-93C4-4BCD-93E2-E3B085C9AB24}">
+                  <p16:designElem xmlns:p16="http://schemas.microsoft.com/office/powerpoint/2015/main" val="1"/>
+                </p:ext>
+              </p:extLst>
+            </p:nvPr>
+          </p:nvCxnSpPr>
+          <p:spPr>
+            <a:xfrm>
+              <a:off x="4126104" y="-1"/>
+              <a:ext cx="0" cy="6858000"/>
+            </a:xfrm>
+            <a:prstGeom prst="line">
+              <a:avLst/>
+            </a:prstGeom>
+            <a:ln w="12700">
+              <a:solidFill>
+                <a:srgbClr val="BCBCBC">
+                  <a:alpha val="29804"/>
+                </a:srgbClr>
+              </a:solidFill>
+              <a:prstDash val="sysDot"/>
+            </a:ln>
+          </p:spPr>
+          <p:style>
+            <a:lnRef idx="1">
+              <a:schemeClr val="accent1"/>
+            </a:lnRef>
+            <a:fillRef idx="0">
+              <a:schemeClr val="accent1"/>
+            </a:fillRef>
+            <a:effectRef idx="0">
+              <a:schemeClr val="accent1"/>
+            </a:effectRef>
+            <a:fontRef idx="minor">
+              <a:schemeClr val="tx1"/>
+            </a:fontRef>
+          </p:style>
+        </p:cxnSp>
+        <p:cxnSp>
+          <p:nvCxnSpPr>
+            <p:cNvPr id="126" name="Straight Connector 125">
+              <a:extLst>
+                <a:ext uri="{FF2B5EF4-FFF2-40B4-BE49-F238E27FC236}">
+                  <a16:creationId xmlns:a16="http://schemas.microsoft.com/office/drawing/2014/main" id="{C0C2ED54-1B65-4F4A-B14B-41FC05B372B2}"/>
+                </a:ext>
+                <a:ext uri="{C183D7F6-B498-43B3-948B-1728B52AA6E4}">
+                  <adec:decorative xmlns:adec="http://schemas.microsoft.com/office/drawing/2017/decorative" val="1"/>
+                </a:ext>
+              </a:extLst>
+            </p:cNvPr>
+            <p:cNvCxnSpPr>
+              <a:cxnSpLocks/>
+            </p:cNvCxnSpPr>
+            <p:nvPr>
+              <p:extLst>
+                <p:ext uri="{386F3935-93C4-4BCD-93E2-E3B085C9AB24}">
+                  <p16:designElem xmlns:p16="http://schemas.microsoft.com/office/powerpoint/2015/main" val="1"/>
+                </p:ext>
+              </p:extLst>
+            </p:nvPr>
+          </p:nvCxnSpPr>
+          <p:spPr>
+            <a:xfrm>
+              <a:off x="5109498" y="-1"/>
+              <a:ext cx="0" cy="6858000"/>
+            </a:xfrm>
+            <a:prstGeom prst="line">
+              <a:avLst/>
+            </a:prstGeom>
+            <a:ln w="12700">
+              <a:solidFill>
+                <a:srgbClr val="BCBCBC">
+                  <a:alpha val="29804"/>
+                </a:srgbClr>
+              </a:solidFill>
+              <a:prstDash val="sysDot"/>
+            </a:ln>
+          </p:spPr>
+          <p:style>
+            <a:lnRef idx="1">
+              <a:schemeClr val="accent1"/>
+            </a:lnRef>
+            <a:fillRef idx="0">
+              <a:schemeClr val="accent1"/>
+            </a:fillRef>
+            <a:effectRef idx="0">
+              <a:schemeClr val="accent1"/>
+            </a:effectRef>
+            <a:fontRef idx="minor">
+              <a:schemeClr val="tx1"/>
+            </a:fontRef>
+          </p:style>
+        </p:cxnSp>
+        <p:cxnSp>
+          <p:nvCxnSpPr>
+            <p:cNvPr id="127" name="Straight Connector 126">
+              <a:extLst>
+                <a:ext uri="{FF2B5EF4-FFF2-40B4-BE49-F238E27FC236}">
+                  <a16:creationId xmlns:a16="http://schemas.microsoft.com/office/drawing/2014/main" id="{EAE5BBBC-F576-4D54-BF67-C00BB1F4F98F}"/>
+                </a:ext>
+                <a:ext uri="{C183D7F6-B498-43B3-948B-1728B52AA6E4}">
+                  <adec:decorative xmlns:adec="http://schemas.microsoft.com/office/drawing/2017/decorative" val="1"/>
+                </a:ext>
+              </a:extLst>
+            </p:cNvPr>
+            <p:cNvCxnSpPr>
+              <a:cxnSpLocks/>
+            </p:cNvCxnSpPr>
+            <p:nvPr>
+              <p:extLst>
+                <p:ext uri="{386F3935-93C4-4BCD-93E2-E3B085C9AB24}">
+                  <p16:designElem xmlns:p16="http://schemas.microsoft.com/office/powerpoint/2015/main" val="1"/>
+                </p:ext>
+              </p:extLst>
+            </p:nvPr>
+          </p:nvCxnSpPr>
+          <p:spPr>
+            <a:xfrm>
+              <a:off x="6092892" y="-1"/>
+              <a:ext cx="0" cy="6858000"/>
+            </a:xfrm>
+            <a:prstGeom prst="line">
+              <a:avLst/>
+            </a:prstGeom>
+            <a:ln w="12700">
+              <a:solidFill>
+                <a:srgbClr val="BCBCBC">
+                  <a:alpha val="29804"/>
+                </a:srgbClr>
+              </a:solidFill>
+              <a:prstDash val="sysDot"/>
+            </a:ln>
+          </p:spPr>
+          <p:style>
+            <a:lnRef idx="1">
+              <a:schemeClr val="accent1"/>
+            </a:lnRef>
+            <a:fillRef idx="0">
+              <a:schemeClr val="accent1"/>
+            </a:fillRef>
+            <a:effectRef idx="0">
+              <a:schemeClr val="accent1"/>
+            </a:effectRef>
+            <a:fontRef idx="minor">
+              <a:schemeClr val="tx1"/>
+            </a:fontRef>
+          </p:style>
+        </p:cxnSp>
+        <p:cxnSp>
+          <p:nvCxnSpPr>
+            <p:cNvPr id="128" name="Straight Connector 127">
+              <a:extLst>
+                <a:ext uri="{FF2B5EF4-FFF2-40B4-BE49-F238E27FC236}">
+                  <a16:creationId xmlns:a16="http://schemas.microsoft.com/office/drawing/2014/main" id="{90D490E7-12F8-40DC-A9C1-D119667EEF41}"/>
+                </a:ext>
+                <a:ext uri="{C183D7F6-B498-43B3-948B-1728B52AA6E4}">
+                  <adec:decorative xmlns:adec="http://schemas.microsoft.com/office/drawing/2017/decorative" val="1"/>
+                </a:ext>
+              </a:extLst>
+            </p:cNvPr>
+            <p:cNvCxnSpPr>
+              <a:cxnSpLocks/>
+            </p:cNvCxnSpPr>
+            <p:nvPr>
+              <p:extLst>
+                <p:ext uri="{386F3935-93C4-4BCD-93E2-E3B085C9AB24}">
+                  <p16:designElem xmlns:p16="http://schemas.microsoft.com/office/powerpoint/2015/main" val="1"/>
+                </p:ext>
+              </p:extLst>
+            </p:nvPr>
+          </p:nvCxnSpPr>
+          <p:spPr>
+            <a:xfrm>
+              <a:off x="7076286" y="-1"/>
+              <a:ext cx="0" cy="6858000"/>
+            </a:xfrm>
+            <a:prstGeom prst="line">
+              <a:avLst/>
+            </a:prstGeom>
+            <a:ln w="12700">
+              <a:solidFill>
+                <a:srgbClr val="BCBCBC">
+                  <a:alpha val="29804"/>
+                </a:srgbClr>
+              </a:solidFill>
+              <a:prstDash val="sysDot"/>
+            </a:ln>
+          </p:spPr>
+          <p:style>
+            <a:lnRef idx="1">
+              <a:schemeClr val="accent1"/>
+            </a:lnRef>
+            <a:fillRef idx="0">
+              <a:schemeClr val="accent1"/>
+            </a:fillRef>
+            <a:effectRef idx="0">
+              <a:schemeClr val="accent1"/>
+            </a:effectRef>
+            <a:fontRef idx="minor">
+              <a:schemeClr val="tx1"/>
+            </a:fontRef>
+          </p:style>
+        </p:cxnSp>
+        <p:cxnSp>
+          <p:nvCxnSpPr>
+            <p:cNvPr id="129" name="Straight Connector 128">
+              <a:extLst>
+                <a:ext uri="{FF2B5EF4-FFF2-40B4-BE49-F238E27FC236}">
+                  <a16:creationId xmlns:a16="http://schemas.microsoft.com/office/drawing/2014/main" id="{6C855383-9F21-4BDA-8FCA-22AF3D69FFC3}"/>
+                </a:ext>
+                <a:ext uri="{C183D7F6-B498-43B3-948B-1728B52AA6E4}">
+                  <adec:decorative xmlns:adec="http://schemas.microsoft.com/office/drawing/2017/decorative" val="1"/>
+                </a:ext>
+              </a:extLst>
+            </p:cNvPr>
+            <p:cNvCxnSpPr>
+              <a:cxnSpLocks/>
+            </p:cNvCxnSpPr>
+            <p:nvPr>
+              <p:extLst>
+                <p:ext uri="{386F3935-93C4-4BCD-93E2-E3B085C9AB24}">
+                  <p16:designElem xmlns:p16="http://schemas.microsoft.com/office/powerpoint/2015/main" val="1"/>
+                </p:ext>
+              </p:extLst>
+            </p:nvPr>
+          </p:nvCxnSpPr>
+          <p:spPr>
+            <a:xfrm>
+              <a:off x="8059680" y="-1"/>
+              <a:ext cx="0" cy="6858000"/>
+            </a:xfrm>
+            <a:prstGeom prst="line">
+              <a:avLst/>
+            </a:prstGeom>
+            <a:ln w="12700">
+              <a:solidFill>
+                <a:srgbClr val="BCBCBC">
+                  <a:alpha val="29804"/>
+                </a:srgbClr>
+              </a:solidFill>
+              <a:prstDash val="sysDot"/>
+            </a:ln>
+          </p:spPr>
+          <p:style>
+            <a:lnRef idx="1">
+              <a:schemeClr val="accent1"/>
+            </a:lnRef>
+            <a:fillRef idx="0">
+              <a:schemeClr val="accent1"/>
+            </a:fillRef>
+            <a:effectRef idx="0">
+              <a:schemeClr val="accent1"/>
+            </a:effectRef>
+            <a:fontRef idx="minor">
+              <a:schemeClr val="tx1"/>
+            </a:fontRef>
+          </p:style>
+        </p:cxnSp>
+        <p:cxnSp>
+          <p:nvCxnSpPr>
+            <p:cNvPr id="130" name="Straight Connector 129">
+              <a:extLst>
+                <a:ext uri="{FF2B5EF4-FFF2-40B4-BE49-F238E27FC236}">
+                  <a16:creationId xmlns:a16="http://schemas.microsoft.com/office/drawing/2014/main" id="{FC3E600C-E08A-418E-B30E-2B0FC15DF960}"/>
+                </a:ext>
+                <a:ext uri="{C183D7F6-B498-43B3-948B-1728B52AA6E4}">
+                  <adec:decorative xmlns:adec="http://schemas.microsoft.com/office/drawing/2017/decorative" val="1"/>
+                </a:ext>
+              </a:extLst>
+            </p:cNvPr>
+            <p:cNvCxnSpPr>
+              <a:cxnSpLocks/>
+            </p:cNvCxnSpPr>
+            <p:nvPr>
+              <p:extLst>
+                <p:ext uri="{386F3935-93C4-4BCD-93E2-E3B085C9AB24}">
+                  <p16:designElem xmlns:p16="http://schemas.microsoft.com/office/powerpoint/2015/main" val="1"/>
+                </p:ext>
+              </p:extLst>
+            </p:nvPr>
+          </p:nvCxnSpPr>
+          <p:spPr>
+            <a:xfrm>
+              <a:off x="9043074" y="-1"/>
+              <a:ext cx="0" cy="6858000"/>
+            </a:xfrm>
+            <a:prstGeom prst="line">
+              <a:avLst/>
+            </a:prstGeom>
+            <a:ln w="12700">
+              <a:solidFill>
+                <a:srgbClr val="BCBCBC">
+                  <a:alpha val="29804"/>
+                </a:srgbClr>
+              </a:solidFill>
+              <a:prstDash val="sysDot"/>
+            </a:ln>
+          </p:spPr>
+          <p:style>
+            <a:lnRef idx="1">
+              <a:schemeClr val="accent1"/>
+            </a:lnRef>
+            <a:fillRef idx="0">
+              <a:schemeClr val="accent1"/>
+            </a:fillRef>
+            <a:effectRef idx="0">
+              <a:schemeClr val="accent1"/>
+            </a:effectRef>
+            <a:fontRef idx="minor">
+              <a:schemeClr val="tx1"/>
+            </a:fontRef>
+          </p:style>
+        </p:cxnSp>
+        <p:cxnSp>
+          <p:nvCxnSpPr>
+            <p:cNvPr id="131" name="Straight Connector 130">
+              <a:extLst>
+                <a:ext uri="{FF2B5EF4-FFF2-40B4-BE49-F238E27FC236}">
+                  <a16:creationId xmlns:a16="http://schemas.microsoft.com/office/drawing/2014/main" id="{E980D58F-BD3F-4B47-9BD2-888B0D9D1977}"/>
+                </a:ext>
+                <a:ext uri="{C183D7F6-B498-43B3-948B-1728B52AA6E4}">
+                  <adec:decorative xmlns:adec="http://schemas.microsoft.com/office/drawing/2017/decorative" val="1"/>
+                </a:ext>
+              </a:extLst>
+            </p:cNvPr>
+            <p:cNvCxnSpPr>
+              <a:cxnSpLocks/>
+            </p:cNvCxnSpPr>
+            <p:nvPr>
+              <p:extLst>
+                <p:ext uri="{386F3935-93C4-4BCD-93E2-E3B085C9AB24}">
+                  <p16:designElem xmlns:p16="http://schemas.microsoft.com/office/powerpoint/2015/main" val="1"/>
+                </p:ext>
+              </p:extLst>
+            </p:nvPr>
+          </p:nvCxnSpPr>
+          <p:spPr>
+            <a:xfrm>
+              <a:off x="10026468" y="-1"/>
+              <a:ext cx="0" cy="6858000"/>
+            </a:xfrm>
+            <a:prstGeom prst="line">
+              <a:avLst/>
+            </a:prstGeom>
+            <a:ln w="12700">
+              <a:solidFill>
+                <a:srgbClr val="BCBCBC">
+                  <a:alpha val="29804"/>
+                </a:srgbClr>
+              </a:solidFill>
+              <a:prstDash val="sysDot"/>
+            </a:ln>
+          </p:spPr>
+          <p:style>
+            <a:lnRef idx="1">
+              <a:schemeClr val="accent1"/>
+            </a:lnRef>
+            <a:fillRef idx="0">
+              <a:schemeClr val="accent1"/>
+            </a:fillRef>
+            <a:effectRef idx="0">
+              <a:schemeClr val="accent1"/>
+            </a:effectRef>
+            <a:fontRef idx="minor">
+              <a:schemeClr val="tx1"/>
+            </a:fontRef>
+          </p:style>
+        </p:cxnSp>
+        <p:cxnSp>
+          <p:nvCxnSpPr>
+            <p:cNvPr id="132" name="Straight Connector 131">
+              <a:extLst>
+                <a:ext uri="{FF2B5EF4-FFF2-40B4-BE49-F238E27FC236}">
+                  <a16:creationId xmlns:a16="http://schemas.microsoft.com/office/drawing/2014/main" id="{43544818-9B28-4A71-8D7B-80727A532626}"/>
+                </a:ext>
+                <a:ext uri="{C183D7F6-B498-43B3-948B-1728B52AA6E4}">
+                  <adec:decorative xmlns:adec="http://schemas.microsoft.com/office/drawing/2017/decorative" val="1"/>
+                </a:ext>
+              </a:extLst>
+            </p:cNvPr>
+            <p:cNvCxnSpPr>
+              <a:cxnSpLocks/>
+            </p:cNvCxnSpPr>
+            <p:nvPr>
+              <p:extLst>
+                <p:ext uri="{386F3935-93C4-4BCD-93E2-E3B085C9AB24}">
+                  <p16:designElem xmlns:p16="http://schemas.microsoft.com/office/powerpoint/2015/main" val="1"/>
+                </p:ext>
+              </p:extLst>
+            </p:nvPr>
+          </p:nvCxnSpPr>
+          <p:spPr>
+            <a:xfrm>
+              <a:off x="11009862" y="-1"/>
+              <a:ext cx="0" cy="6858000"/>
+            </a:xfrm>
+            <a:prstGeom prst="line">
+              <a:avLst/>
+            </a:prstGeom>
+            <a:ln w="12700">
+              <a:solidFill>
+                <a:srgbClr val="BCBCBC">
+                  <a:alpha val="29804"/>
+                </a:srgbClr>
+              </a:solidFill>
+              <a:prstDash val="sysDot"/>
+            </a:ln>
+          </p:spPr>
+          <p:style>
+            <a:lnRef idx="1">
+              <a:schemeClr val="accent1"/>
+            </a:lnRef>
+            <a:fillRef idx="0">
+              <a:schemeClr val="accent1"/>
+            </a:fillRef>
+            <a:effectRef idx="0">
+              <a:schemeClr val="accent1"/>
+            </a:effectRef>
+            <a:fontRef idx="minor">
+              <a:schemeClr val="tx1"/>
+            </a:fontRef>
+          </p:style>
+        </p:cxnSp>
+        <p:cxnSp>
+          <p:nvCxnSpPr>
+            <p:cNvPr id="133" name="Straight Connector 132">
+              <a:extLst>
+                <a:ext uri="{FF2B5EF4-FFF2-40B4-BE49-F238E27FC236}">
+                  <a16:creationId xmlns:a16="http://schemas.microsoft.com/office/drawing/2014/main" id="{101FFBC7-035F-48C5-91FA-4A4973FCD6E0}"/>
+                </a:ext>
+                <a:ext uri="{C183D7F6-B498-43B3-948B-1728B52AA6E4}">
+                  <adec:decorative xmlns:adec="http://schemas.microsoft.com/office/drawing/2017/decorative" val="1"/>
+                </a:ext>
+              </a:extLst>
+            </p:cNvPr>
+            <p:cNvCxnSpPr>
+              <a:cxnSpLocks/>
+            </p:cNvCxnSpPr>
+            <p:nvPr>
+              <p:extLst>
+                <p:ext uri="{386F3935-93C4-4BCD-93E2-E3B085C9AB24}">
+                  <p16:designElem xmlns:p16="http://schemas.microsoft.com/office/powerpoint/2015/main" val="1"/>
+                </p:ext>
+              </p:extLst>
+            </p:nvPr>
+          </p:nvCxnSpPr>
+          <p:spPr>
+            <a:xfrm>
+              <a:off x="12185786" y="-1"/>
+              <a:ext cx="0" cy="6858000"/>
+            </a:xfrm>
+            <a:prstGeom prst="line">
+              <a:avLst/>
+            </a:prstGeom>
+            <a:ln w="12700">
+              <a:solidFill>
+                <a:srgbClr val="BCBCBC">
+                  <a:alpha val="29804"/>
+                </a:srgbClr>
+              </a:solidFill>
+              <a:prstDash val="sysDot"/>
+            </a:ln>
+          </p:spPr>
+          <p:style>
+            <a:lnRef idx="1">
+              <a:schemeClr val="accent1"/>
+            </a:lnRef>
+            <a:fillRef idx="0">
+              <a:schemeClr val="accent1"/>
+            </a:fillRef>
+            <a:effectRef idx="0">
+              <a:schemeClr val="accent1"/>
+            </a:effectRef>
+            <a:fontRef idx="minor">
+              <a:schemeClr val="tx1"/>
+            </a:fontRef>
+          </p:style>
+        </p:cxnSp>
+        <p:cxnSp>
+          <p:nvCxnSpPr>
+            <p:cNvPr id="134" name="Straight Connector 133">
+              <a:extLst>
+                <a:ext uri="{FF2B5EF4-FFF2-40B4-BE49-F238E27FC236}">
+                  <a16:creationId xmlns:a16="http://schemas.microsoft.com/office/drawing/2014/main" id="{D6195BC5-BB4E-4F3F-8378-0B308B42523D}"/>
+                </a:ext>
+                <a:ext uri="{C183D7F6-B498-43B3-948B-1728B52AA6E4}">
+                  <adec:decorative xmlns:adec="http://schemas.microsoft.com/office/drawing/2017/decorative" val="1"/>
+                </a:ext>
+              </a:extLst>
+            </p:cNvPr>
+            <p:cNvCxnSpPr>
+              <a:cxnSpLocks/>
+            </p:cNvCxnSpPr>
+            <p:nvPr>
+              <p:extLst>
+                <p:ext uri="{386F3935-93C4-4BCD-93E2-E3B085C9AB24}">
+                  <p16:designElem xmlns:p16="http://schemas.microsoft.com/office/powerpoint/2015/main" val="1"/>
+                </p:ext>
+              </p:extLst>
+            </p:nvPr>
+          </p:nvCxnSpPr>
+          <p:spPr>
+            <a:xfrm>
+              <a:off x="0" y="171716"/>
+              <a:ext cx="12192000" cy="0"/>
+            </a:xfrm>
+            <a:prstGeom prst="line">
+              <a:avLst/>
+            </a:prstGeom>
+            <a:ln w="12700">
+              <a:solidFill>
+                <a:srgbClr val="BCBCBC">
+                  <a:alpha val="29804"/>
+                </a:srgbClr>
+              </a:solidFill>
+              <a:prstDash val="sysDot"/>
+            </a:ln>
+          </p:spPr>
+          <p:style>
+            <a:lnRef idx="1">
+              <a:schemeClr val="accent1"/>
+            </a:lnRef>
+            <a:fillRef idx="0">
+              <a:schemeClr val="accent1"/>
+            </a:fillRef>
+            <a:effectRef idx="0">
+              <a:schemeClr val="accent1"/>
+            </a:effectRef>
+            <a:fontRef idx="minor">
+              <a:schemeClr val="tx1"/>
+            </a:fontRef>
+          </p:style>
+        </p:cxnSp>
+        <p:cxnSp>
+          <p:nvCxnSpPr>
+            <p:cNvPr id="135" name="Straight Connector 134">
+              <a:extLst>
+                <a:ext uri="{FF2B5EF4-FFF2-40B4-BE49-F238E27FC236}">
+                  <a16:creationId xmlns:a16="http://schemas.microsoft.com/office/drawing/2014/main" id="{02404171-AF5C-4FA1-9D4E-DCF75562BD67}"/>
+                </a:ext>
+                <a:ext uri="{C183D7F6-B498-43B3-948B-1728B52AA6E4}">
+                  <adec:decorative xmlns:adec="http://schemas.microsoft.com/office/drawing/2017/decorative" val="1"/>
+                </a:ext>
+              </a:extLst>
+            </p:cNvPr>
+            <p:cNvCxnSpPr>
+              <a:cxnSpLocks/>
+            </p:cNvCxnSpPr>
+            <p:nvPr>
+              <p:extLst>
+                <p:ext uri="{386F3935-93C4-4BCD-93E2-E3B085C9AB24}">
+                  <p16:designElem xmlns:p16="http://schemas.microsoft.com/office/powerpoint/2015/main" val="1"/>
+                </p:ext>
+              </p:extLst>
+            </p:nvPr>
+          </p:nvCxnSpPr>
+          <p:spPr>
+            <a:xfrm>
+              <a:off x="0" y="714597"/>
+              <a:ext cx="12192000" cy="0"/>
+            </a:xfrm>
+            <a:prstGeom prst="line">
+              <a:avLst/>
+            </a:prstGeom>
+            <a:ln w="12700">
+              <a:solidFill>
+                <a:srgbClr val="BCBCBC">
+                  <a:alpha val="29804"/>
+                </a:srgbClr>
+              </a:solidFill>
+              <a:prstDash val="sysDot"/>
+            </a:ln>
+          </p:spPr>
+          <p:style>
+            <a:lnRef idx="1">
+              <a:schemeClr val="accent1"/>
+            </a:lnRef>
+            <a:fillRef idx="0">
+              <a:schemeClr val="accent1"/>
+            </a:fillRef>
+            <a:effectRef idx="0">
+              <a:schemeClr val="accent1"/>
+            </a:effectRef>
+            <a:fontRef idx="minor">
+              <a:schemeClr val="tx1"/>
+            </a:fontRef>
+          </p:style>
+        </p:cxnSp>
+        <p:cxnSp>
+          <p:nvCxnSpPr>
+            <p:cNvPr id="136" name="Straight Connector 135">
+              <a:extLst>
+                <a:ext uri="{FF2B5EF4-FFF2-40B4-BE49-F238E27FC236}">
+                  <a16:creationId xmlns:a16="http://schemas.microsoft.com/office/drawing/2014/main" id="{BAD45A86-9385-473D-9DBF-565E0A94AF1B}"/>
+                </a:ext>
+                <a:ext uri="{C183D7F6-B498-43B3-948B-1728B52AA6E4}">
+                  <adec:decorative xmlns:adec="http://schemas.microsoft.com/office/drawing/2017/decorative" val="1"/>
+                </a:ext>
+              </a:extLst>
+            </p:cNvPr>
+            <p:cNvCxnSpPr>
+              <a:cxnSpLocks/>
+            </p:cNvCxnSpPr>
+            <p:nvPr>
+              <p:extLst>
+                <p:ext uri="{386F3935-93C4-4BCD-93E2-E3B085C9AB24}">
+                  <p16:designElem xmlns:p16="http://schemas.microsoft.com/office/powerpoint/2015/main" val="1"/>
+                </p:ext>
+              </p:extLst>
+            </p:nvPr>
+          </p:nvCxnSpPr>
+          <p:spPr>
+            <a:xfrm>
+              <a:off x="0" y="1257478"/>
+              <a:ext cx="12192000" cy="0"/>
+            </a:xfrm>
+            <a:prstGeom prst="line">
+              <a:avLst/>
+            </a:prstGeom>
+            <a:ln w="12700">
+              <a:solidFill>
+                <a:srgbClr val="BCBCBC">
+                  <a:alpha val="29804"/>
+                </a:srgbClr>
+              </a:solidFill>
+              <a:prstDash val="sysDot"/>
+            </a:ln>
+          </p:spPr>
+          <p:style>
+            <a:lnRef idx="1">
+              <a:schemeClr val="accent1"/>
+            </a:lnRef>
+            <a:fillRef idx="0">
+              <a:schemeClr val="accent1"/>
+            </a:fillRef>
+            <a:effectRef idx="0">
+              <a:schemeClr val="accent1"/>
+            </a:effectRef>
+            <a:fontRef idx="minor">
+              <a:schemeClr val="tx1"/>
+            </a:fontRef>
+          </p:style>
+        </p:cxnSp>
+        <p:cxnSp>
+          <p:nvCxnSpPr>
+            <p:cNvPr id="137" name="Straight Connector 136">
+              <a:extLst>
+                <a:ext uri="{FF2B5EF4-FFF2-40B4-BE49-F238E27FC236}">
+                  <a16:creationId xmlns:a16="http://schemas.microsoft.com/office/drawing/2014/main" id="{DBA5A228-913F-4D4F-AB25-537293624649}"/>
+                </a:ext>
+                <a:ext uri="{C183D7F6-B498-43B3-948B-1728B52AA6E4}">
+                  <adec:decorative xmlns:adec="http://schemas.microsoft.com/office/drawing/2017/decorative" val="1"/>
+                </a:ext>
+              </a:extLst>
+            </p:cNvPr>
+            <p:cNvCxnSpPr>
+              <a:cxnSpLocks/>
+            </p:cNvCxnSpPr>
+            <p:nvPr>
+              <p:extLst>
+                <p:ext uri="{386F3935-93C4-4BCD-93E2-E3B085C9AB24}">
+                  <p16:designElem xmlns:p16="http://schemas.microsoft.com/office/powerpoint/2015/main" val="1"/>
+                </p:ext>
+              </p:extLst>
+            </p:nvPr>
+          </p:nvCxnSpPr>
+          <p:spPr>
+            <a:xfrm>
+              <a:off x="0" y="1800359"/>
+              <a:ext cx="12192000" cy="0"/>
+            </a:xfrm>
+            <a:prstGeom prst="line">
+              <a:avLst/>
+            </a:prstGeom>
+            <a:ln w="12700">
+              <a:solidFill>
+                <a:srgbClr val="BCBCBC">
+                  <a:alpha val="29804"/>
+                </a:srgbClr>
+              </a:solidFill>
+              <a:prstDash val="sysDot"/>
+            </a:ln>
+          </p:spPr>
+          <p:style>
+            <a:lnRef idx="1">
+              <a:schemeClr val="accent1"/>
+            </a:lnRef>
+            <a:fillRef idx="0">
+              <a:schemeClr val="accent1"/>
+            </a:fillRef>
+            <a:effectRef idx="0">
+              <a:schemeClr val="accent1"/>
+            </a:effectRef>
+            <a:fontRef idx="minor">
+              <a:schemeClr val="tx1"/>
+            </a:fontRef>
+          </p:style>
+        </p:cxnSp>
+        <p:cxnSp>
+          <p:nvCxnSpPr>
+            <p:cNvPr id="138" name="Straight Connector 137">
+              <a:extLst>
+                <a:ext uri="{FF2B5EF4-FFF2-40B4-BE49-F238E27FC236}">
+                  <a16:creationId xmlns:a16="http://schemas.microsoft.com/office/drawing/2014/main" id="{A87E8BFE-D92E-4EB3-ADD1-FB75CAA683BA}"/>
+                </a:ext>
+                <a:ext uri="{C183D7F6-B498-43B3-948B-1728B52AA6E4}">
+                  <adec:decorative xmlns:adec="http://schemas.microsoft.com/office/drawing/2017/decorative" val="1"/>
+                </a:ext>
+              </a:extLst>
+            </p:cNvPr>
+            <p:cNvCxnSpPr>
+              <a:cxnSpLocks/>
+            </p:cNvCxnSpPr>
+            <p:nvPr>
+              <p:extLst>
+                <p:ext uri="{386F3935-93C4-4BCD-93E2-E3B085C9AB24}">
+                  <p16:designElem xmlns:p16="http://schemas.microsoft.com/office/powerpoint/2015/main" val="1"/>
+                </p:ext>
+              </p:extLst>
+            </p:nvPr>
+          </p:nvCxnSpPr>
+          <p:spPr>
+            <a:xfrm>
+              <a:off x="0" y="2343240"/>
+              <a:ext cx="12192000" cy="0"/>
+            </a:xfrm>
+            <a:prstGeom prst="line">
+              <a:avLst/>
+            </a:prstGeom>
+            <a:ln w="12700">
+              <a:solidFill>
+                <a:srgbClr val="BCBCBC">
+                  <a:alpha val="29804"/>
+                </a:srgbClr>
+              </a:solidFill>
+              <a:prstDash val="sysDot"/>
+            </a:ln>
+          </p:spPr>
+          <p:style>
+            <a:lnRef idx="1">
+              <a:schemeClr val="accent1"/>
+            </a:lnRef>
+            <a:fillRef idx="0">
+              <a:schemeClr val="accent1"/>
+            </a:fillRef>
+            <a:effectRef idx="0">
+              <a:schemeClr val="accent1"/>
+            </a:effectRef>
+            <a:fontRef idx="minor">
+              <a:schemeClr val="tx1"/>
+            </a:fontRef>
+          </p:style>
+        </p:cxnSp>
+        <p:cxnSp>
+          <p:nvCxnSpPr>
+            <p:cNvPr id="139" name="Straight Connector 138">
+              <a:extLst>
+                <a:ext uri="{FF2B5EF4-FFF2-40B4-BE49-F238E27FC236}">
+                  <a16:creationId xmlns:a16="http://schemas.microsoft.com/office/drawing/2014/main" id="{08756FCD-8335-4089-B4EE-13D629E53E62}"/>
+                </a:ext>
+                <a:ext uri="{C183D7F6-B498-43B3-948B-1728B52AA6E4}">
+                  <adec:decorative xmlns:adec="http://schemas.microsoft.com/office/drawing/2017/decorative" val="1"/>
+                </a:ext>
+              </a:extLst>
+            </p:cNvPr>
+            <p:cNvCxnSpPr>
+              <a:cxnSpLocks/>
+            </p:cNvCxnSpPr>
+            <p:nvPr>
+              <p:extLst>
+                <p:ext uri="{386F3935-93C4-4BCD-93E2-E3B085C9AB24}">
+                  <p16:designElem xmlns:p16="http://schemas.microsoft.com/office/powerpoint/2015/main" val="1"/>
+                </p:ext>
+              </p:extLst>
+            </p:nvPr>
+          </p:nvCxnSpPr>
+          <p:spPr>
+            <a:xfrm>
+              <a:off x="0" y="2886121"/>
+              <a:ext cx="12192000" cy="0"/>
+            </a:xfrm>
+            <a:prstGeom prst="line">
+              <a:avLst/>
+            </a:prstGeom>
+            <a:ln w="12700">
+              <a:solidFill>
+                <a:srgbClr val="BCBCBC">
+                  <a:alpha val="29804"/>
+                </a:srgbClr>
+              </a:solidFill>
+              <a:prstDash val="sysDot"/>
+            </a:ln>
+          </p:spPr>
+          <p:style>
+            <a:lnRef idx="1">
+              <a:schemeClr val="accent1"/>
+            </a:lnRef>
+            <a:fillRef idx="0">
+              <a:schemeClr val="accent1"/>
+            </a:fillRef>
+            <a:effectRef idx="0">
+              <a:schemeClr val="accent1"/>
+            </a:effectRef>
+            <a:fontRef idx="minor">
+              <a:schemeClr val="tx1"/>
+            </a:fontRef>
+          </p:style>
+        </p:cxnSp>
+        <p:cxnSp>
+          <p:nvCxnSpPr>
+            <p:cNvPr id="140" name="Straight Connector 139">
+              <a:extLst>
+                <a:ext uri="{FF2B5EF4-FFF2-40B4-BE49-F238E27FC236}">
+                  <a16:creationId xmlns:a16="http://schemas.microsoft.com/office/drawing/2014/main" id="{A9707D7B-937E-4DC3-87BA-B7B70426821E}"/>
+                </a:ext>
+                <a:ext uri="{C183D7F6-B498-43B3-948B-1728B52AA6E4}">
+                  <adec:decorative xmlns:adec="http://schemas.microsoft.com/office/drawing/2017/decorative" val="1"/>
+                </a:ext>
+              </a:extLst>
+            </p:cNvPr>
+            <p:cNvCxnSpPr>
+              <a:cxnSpLocks/>
+            </p:cNvCxnSpPr>
+            <p:nvPr>
+              <p:extLst>
+                <p:ext uri="{386F3935-93C4-4BCD-93E2-E3B085C9AB24}">
+                  <p16:designElem xmlns:p16="http://schemas.microsoft.com/office/powerpoint/2015/main" val="1"/>
+                </p:ext>
+              </p:extLst>
+            </p:nvPr>
+          </p:nvCxnSpPr>
+          <p:spPr>
+            <a:xfrm>
+              <a:off x="0" y="3429002"/>
+              <a:ext cx="12192000" cy="0"/>
+            </a:xfrm>
+            <a:prstGeom prst="line">
+              <a:avLst/>
+            </a:prstGeom>
+            <a:ln w="12700">
+              <a:solidFill>
+                <a:srgbClr val="BCBCBC">
+                  <a:alpha val="29804"/>
+                </a:srgbClr>
+              </a:solidFill>
+              <a:prstDash val="sysDot"/>
+            </a:ln>
+          </p:spPr>
+          <p:style>
+            <a:lnRef idx="1">
+              <a:schemeClr val="accent1"/>
+            </a:lnRef>
+            <a:fillRef idx="0">
+              <a:schemeClr val="accent1"/>
+            </a:fillRef>
+            <a:effectRef idx="0">
+              <a:schemeClr val="accent1"/>
+            </a:effectRef>
+            <a:fontRef idx="minor">
+              <a:schemeClr val="tx1"/>
+            </a:fontRef>
+          </p:style>
+        </p:cxnSp>
+        <p:cxnSp>
+          <p:nvCxnSpPr>
+            <p:cNvPr id="141" name="Straight Connector 140">
+              <a:extLst>
+                <a:ext uri="{FF2B5EF4-FFF2-40B4-BE49-F238E27FC236}">
+                  <a16:creationId xmlns:a16="http://schemas.microsoft.com/office/drawing/2014/main" id="{AB1A72DC-3F29-4488-9051-C21E1CBB7E58}"/>
+                </a:ext>
+                <a:ext uri="{C183D7F6-B498-43B3-948B-1728B52AA6E4}">
+                  <adec:decorative xmlns:adec="http://schemas.microsoft.com/office/drawing/2017/decorative" val="1"/>
+                </a:ext>
+              </a:extLst>
+            </p:cNvPr>
+            <p:cNvCxnSpPr>
+              <a:cxnSpLocks/>
+            </p:cNvCxnSpPr>
+            <p:nvPr>
+              <p:extLst>
+                <p:ext uri="{386F3935-93C4-4BCD-93E2-E3B085C9AB24}">
+                  <p16:designElem xmlns:p16="http://schemas.microsoft.com/office/powerpoint/2015/main" val="1"/>
+                </p:ext>
+              </p:extLst>
+            </p:nvPr>
+          </p:nvCxnSpPr>
+          <p:spPr>
+            <a:xfrm>
+              <a:off x="0" y="3971883"/>
+              <a:ext cx="12192000" cy="0"/>
+            </a:xfrm>
+            <a:prstGeom prst="line">
+              <a:avLst/>
+            </a:prstGeom>
+            <a:ln w="12700">
+              <a:solidFill>
+                <a:srgbClr val="BCBCBC">
+                  <a:alpha val="29804"/>
+                </a:srgbClr>
+              </a:solidFill>
+              <a:prstDash val="sysDot"/>
+            </a:ln>
+          </p:spPr>
+          <p:style>
+            <a:lnRef idx="1">
+              <a:schemeClr val="accent1"/>
+            </a:lnRef>
+            <a:fillRef idx="0">
+              <a:schemeClr val="accent1"/>
+            </a:fillRef>
+            <a:effectRef idx="0">
+              <a:schemeClr val="accent1"/>
+            </a:effectRef>
+            <a:fontRef idx="minor">
+              <a:schemeClr val="tx1"/>
+            </a:fontRef>
+          </p:style>
+        </p:cxnSp>
+        <p:cxnSp>
+          <p:nvCxnSpPr>
+            <p:cNvPr id="142" name="Straight Connector 141">
+              <a:extLst>
+                <a:ext uri="{FF2B5EF4-FFF2-40B4-BE49-F238E27FC236}">
+                  <a16:creationId xmlns:a16="http://schemas.microsoft.com/office/drawing/2014/main" id="{956DAD76-815C-4F16-98CF-8E8BE1965BBB}"/>
+                </a:ext>
+                <a:ext uri="{C183D7F6-B498-43B3-948B-1728B52AA6E4}">
+                  <adec:decorative xmlns:adec="http://schemas.microsoft.com/office/drawing/2017/decorative" val="1"/>
+                </a:ext>
+              </a:extLst>
+            </p:cNvPr>
+            <p:cNvCxnSpPr>
+              <a:cxnSpLocks/>
+            </p:cNvCxnSpPr>
+            <p:nvPr>
+              <p:extLst>
+                <p:ext uri="{386F3935-93C4-4BCD-93E2-E3B085C9AB24}">
+                  <p16:designElem xmlns:p16="http://schemas.microsoft.com/office/powerpoint/2015/main" val="1"/>
+                </p:ext>
+              </p:extLst>
+            </p:nvPr>
+          </p:nvCxnSpPr>
+          <p:spPr>
+            <a:xfrm>
+              <a:off x="0" y="4514764"/>
+              <a:ext cx="12192000" cy="0"/>
+            </a:xfrm>
+            <a:prstGeom prst="line">
+              <a:avLst/>
+            </a:prstGeom>
+            <a:ln w="12700">
+              <a:solidFill>
+                <a:srgbClr val="BCBCBC">
+                  <a:alpha val="29804"/>
+                </a:srgbClr>
+              </a:solidFill>
+              <a:prstDash val="sysDot"/>
+            </a:ln>
+          </p:spPr>
+          <p:style>
+            <a:lnRef idx="1">
+              <a:schemeClr val="accent1"/>
+            </a:lnRef>
+            <a:fillRef idx="0">
+              <a:schemeClr val="accent1"/>
+            </a:fillRef>
+            <a:effectRef idx="0">
+              <a:schemeClr val="accent1"/>
+            </a:effectRef>
+            <a:fontRef idx="minor">
+              <a:schemeClr val="tx1"/>
+            </a:fontRef>
+          </p:style>
+        </p:cxnSp>
+        <p:cxnSp>
+          <p:nvCxnSpPr>
+            <p:cNvPr id="143" name="Straight Connector 142">
+              <a:extLst>
+                <a:ext uri="{FF2B5EF4-FFF2-40B4-BE49-F238E27FC236}">
+                  <a16:creationId xmlns:a16="http://schemas.microsoft.com/office/drawing/2014/main" id="{1AF2F8C5-6691-4EBD-B42E-4B17DF1ED277}"/>
+                </a:ext>
+                <a:ext uri="{C183D7F6-B498-43B3-948B-1728B52AA6E4}">
+                  <adec:decorative xmlns:adec="http://schemas.microsoft.com/office/drawing/2017/decorative" val="1"/>
+                </a:ext>
+              </a:extLst>
+            </p:cNvPr>
+            <p:cNvCxnSpPr>
+              <a:cxnSpLocks/>
+            </p:cNvCxnSpPr>
+            <p:nvPr>
+              <p:extLst>
+                <p:ext uri="{386F3935-93C4-4BCD-93E2-E3B085C9AB24}">
+                  <p16:designElem xmlns:p16="http://schemas.microsoft.com/office/powerpoint/2015/main" val="1"/>
+                </p:ext>
+              </p:extLst>
+            </p:nvPr>
+          </p:nvCxnSpPr>
+          <p:spPr>
+            <a:xfrm>
+              <a:off x="0" y="5057645"/>
+              <a:ext cx="12192000" cy="0"/>
+            </a:xfrm>
+            <a:prstGeom prst="line">
+              <a:avLst/>
+            </a:prstGeom>
+            <a:ln w="12700">
+              <a:solidFill>
+                <a:srgbClr val="BCBCBC">
+                  <a:alpha val="29804"/>
+                </a:srgbClr>
+              </a:solidFill>
+              <a:prstDash val="sysDot"/>
+            </a:ln>
+          </p:spPr>
+          <p:style>
+            <a:lnRef idx="1">
+              <a:schemeClr val="accent1"/>
+            </a:lnRef>
+            <a:fillRef idx="0">
+              <a:schemeClr val="accent1"/>
+            </a:fillRef>
+            <a:effectRef idx="0">
+              <a:schemeClr val="accent1"/>
+            </a:effectRef>
+            <a:fontRef idx="minor">
+              <a:schemeClr val="tx1"/>
+            </a:fontRef>
+          </p:style>
+        </p:cxnSp>
+        <p:cxnSp>
+          <p:nvCxnSpPr>
+            <p:cNvPr id="144" name="Straight Connector 143">
+              <a:extLst>
+                <a:ext uri="{FF2B5EF4-FFF2-40B4-BE49-F238E27FC236}">
+                  <a16:creationId xmlns:a16="http://schemas.microsoft.com/office/drawing/2014/main" id="{D32ED14D-1C00-41C8-849C-030A1434E466}"/>
+                </a:ext>
+                <a:ext uri="{C183D7F6-B498-43B3-948B-1728B52AA6E4}">
+                  <adec:decorative xmlns:adec="http://schemas.microsoft.com/office/drawing/2017/decorative" val="1"/>
+                </a:ext>
+              </a:extLst>
+            </p:cNvPr>
+            <p:cNvCxnSpPr>
+              <a:cxnSpLocks/>
+            </p:cNvCxnSpPr>
+            <p:nvPr>
+              <p:extLst>
+                <p:ext uri="{386F3935-93C4-4BCD-93E2-E3B085C9AB24}">
+                  <p16:designElem xmlns:p16="http://schemas.microsoft.com/office/powerpoint/2015/main" val="1"/>
+                </p:ext>
+              </p:extLst>
+            </p:nvPr>
+          </p:nvCxnSpPr>
+          <p:spPr>
+            <a:xfrm>
+              <a:off x="0" y="5600526"/>
+              <a:ext cx="12192000" cy="0"/>
+            </a:xfrm>
+            <a:prstGeom prst="line">
+              <a:avLst/>
+            </a:prstGeom>
+            <a:ln w="12700">
+              <a:solidFill>
+                <a:srgbClr val="BCBCBC">
+                  <a:alpha val="29804"/>
+                </a:srgbClr>
+              </a:solidFill>
+              <a:prstDash val="sysDot"/>
+            </a:ln>
+          </p:spPr>
+          <p:style>
+            <a:lnRef idx="1">
+              <a:schemeClr val="accent1"/>
+            </a:lnRef>
+            <a:fillRef idx="0">
+              <a:schemeClr val="accent1"/>
+            </a:fillRef>
+            <a:effectRef idx="0">
+              <a:schemeClr val="accent1"/>
+            </a:effectRef>
+            <a:fontRef idx="minor">
+              <a:schemeClr val="tx1"/>
+            </a:fontRef>
+          </p:style>
+        </p:cxnSp>
+        <p:cxnSp>
+          <p:nvCxnSpPr>
+            <p:cNvPr id="145" name="Straight Connector 144">
+              <a:extLst>
+                <a:ext uri="{FF2B5EF4-FFF2-40B4-BE49-F238E27FC236}">
+                  <a16:creationId xmlns:a16="http://schemas.microsoft.com/office/drawing/2014/main" id="{62F296F5-9867-45CA-BF0A-EF216F6A8083}"/>
+                </a:ext>
+                <a:ext uri="{C183D7F6-B498-43B3-948B-1728B52AA6E4}">
+                  <adec:decorative xmlns:adec="http://schemas.microsoft.com/office/drawing/2017/decorative" val="1"/>
+                </a:ext>
+              </a:extLst>
+            </p:cNvPr>
+            <p:cNvCxnSpPr>
+              <a:cxnSpLocks/>
+            </p:cNvCxnSpPr>
+            <p:nvPr>
+              <p:extLst>
+                <p:ext uri="{386F3935-93C4-4BCD-93E2-E3B085C9AB24}">
+                  <p16:designElem xmlns:p16="http://schemas.microsoft.com/office/powerpoint/2015/main" val="1"/>
+                </p:ext>
+              </p:extLst>
+            </p:nvPr>
+          </p:nvCxnSpPr>
+          <p:spPr>
+            <a:xfrm>
+              <a:off x="0" y="6857999"/>
+              <a:ext cx="12192000" cy="0"/>
+            </a:xfrm>
+            <a:prstGeom prst="line">
+              <a:avLst/>
+            </a:prstGeom>
+            <a:ln w="12700">
+              <a:solidFill>
+                <a:srgbClr val="BCBCBC">
+                  <a:alpha val="29804"/>
+                </a:srgbClr>
+              </a:solidFill>
+              <a:prstDash val="sysDot"/>
+            </a:ln>
+          </p:spPr>
+          <p:style>
+            <a:lnRef idx="1">
+              <a:schemeClr val="accent1"/>
+            </a:lnRef>
+            <a:fillRef idx="0">
+              <a:schemeClr val="accent1"/>
+            </a:fillRef>
+            <a:effectRef idx="0">
+              <a:schemeClr val="accent1"/>
+            </a:effectRef>
+            <a:fontRef idx="minor">
+              <a:schemeClr val="tx1"/>
+            </a:fontRef>
+          </p:style>
+        </p:cxnSp>
+        <p:cxnSp>
+          <p:nvCxnSpPr>
+            <p:cNvPr id="146" name="Straight Connector 145">
+              <a:extLst>
+                <a:ext uri="{FF2B5EF4-FFF2-40B4-BE49-F238E27FC236}">
+                  <a16:creationId xmlns:a16="http://schemas.microsoft.com/office/drawing/2014/main" id="{53B72471-9DB5-428B-AF52-E11E03B9FD05}"/>
+                </a:ext>
+                <a:ext uri="{C183D7F6-B498-43B3-948B-1728B52AA6E4}">
+                  <adec:decorative xmlns:adec="http://schemas.microsoft.com/office/drawing/2017/decorative" val="1"/>
+                </a:ext>
+              </a:extLst>
+            </p:cNvPr>
+            <p:cNvCxnSpPr>
+              <a:cxnSpLocks/>
+            </p:cNvCxnSpPr>
+            <p:nvPr>
+              <p:extLst>
+                <p:ext uri="{386F3935-93C4-4BCD-93E2-E3B085C9AB24}">
+                  <p16:designElem xmlns:p16="http://schemas.microsoft.com/office/powerpoint/2015/main" val="1"/>
+                </p:ext>
+              </p:extLst>
+            </p:nvPr>
+          </p:nvCxnSpPr>
+          <p:spPr>
+            <a:xfrm>
+              <a:off x="16613" y="6143407"/>
+              <a:ext cx="12192000" cy="0"/>
+            </a:xfrm>
+            <a:prstGeom prst="line">
+              <a:avLst/>
+            </a:prstGeom>
+            <a:ln w="12700">
+              <a:solidFill>
+                <a:srgbClr val="BCBCBC">
+                  <a:alpha val="29804"/>
+                </a:srgbClr>
+              </a:solidFill>
+              <a:prstDash val="sysDot"/>
+            </a:ln>
+          </p:spPr>
+          <p:style>
+            <a:lnRef idx="1">
+              <a:schemeClr val="accent1"/>
+            </a:lnRef>
+            <a:fillRef idx="0">
+              <a:schemeClr val="accent1"/>
+            </a:fillRef>
+            <a:effectRef idx="0">
+              <a:schemeClr val="accent1"/>
+            </a:effectRef>
+            <a:fontRef idx="minor">
+              <a:schemeClr val="tx1"/>
+            </a:fontRef>
+          </p:style>
+        </p:cxnSp>
+        <p:cxnSp>
+          <p:nvCxnSpPr>
+            <p:cNvPr id="147" name="Straight Connector 146">
+              <a:extLst>
+                <a:ext uri="{FF2B5EF4-FFF2-40B4-BE49-F238E27FC236}">
+                  <a16:creationId xmlns:a16="http://schemas.microsoft.com/office/drawing/2014/main" id="{B8656B49-5277-4610-BD7B-F5D98170B5A7}"/>
+                </a:ext>
+                <a:ext uri="{C183D7F6-B498-43B3-948B-1728B52AA6E4}">
+                  <adec:decorative xmlns:adec="http://schemas.microsoft.com/office/drawing/2017/decorative" val="1"/>
+                </a:ext>
+              </a:extLst>
+            </p:cNvPr>
+            <p:cNvCxnSpPr>
+              <a:cxnSpLocks/>
+            </p:cNvCxnSpPr>
+            <p:nvPr>
+              <p:extLst>
+                <p:ext uri="{386F3935-93C4-4BCD-93E2-E3B085C9AB24}">
+                  <p16:designElem xmlns:p16="http://schemas.microsoft.com/office/powerpoint/2015/main" val="1"/>
+                </p:ext>
+              </p:extLst>
+            </p:nvPr>
+          </p:nvCxnSpPr>
+          <p:spPr>
+            <a:xfrm>
+              <a:off x="684225" y="171716"/>
+              <a:ext cx="0" cy="6511464"/>
+            </a:xfrm>
+            <a:prstGeom prst="line">
+              <a:avLst/>
+            </a:prstGeom>
+            <a:ln w="12700">
+              <a:solidFill>
+                <a:srgbClr val="BCBCBC">
+                  <a:alpha val="29804"/>
+                </a:srgbClr>
+              </a:solidFill>
+              <a:prstDash val="sysDot"/>
+            </a:ln>
+          </p:spPr>
+          <p:style>
+            <a:lnRef idx="1">
+              <a:schemeClr val="accent1"/>
+            </a:lnRef>
+            <a:fillRef idx="0">
+              <a:schemeClr val="accent1"/>
+            </a:fillRef>
+            <a:effectRef idx="0">
+              <a:schemeClr val="accent1"/>
+            </a:effectRef>
+            <a:fontRef idx="minor">
+              <a:schemeClr val="tx1"/>
+            </a:fontRef>
+          </p:style>
+        </p:cxnSp>
+        <p:cxnSp>
+          <p:nvCxnSpPr>
+            <p:cNvPr id="148" name="Straight Connector 147">
+              <a:extLst>
+                <a:ext uri="{FF2B5EF4-FFF2-40B4-BE49-F238E27FC236}">
+                  <a16:creationId xmlns:a16="http://schemas.microsoft.com/office/drawing/2014/main" id="{F1A47399-8F78-4DB1-BD21-1166BCB267CF}"/>
+                </a:ext>
+                <a:ext uri="{C183D7F6-B498-43B3-948B-1728B52AA6E4}">
+                  <adec:decorative xmlns:adec="http://schemas.microsoft.com/office/drawing/2017/decorative" val="1"/>
+                </a:ext>
+              </a:extLst>
+            </p:cNvPr>
+            <p:cNvCxnSpPr>
+              <a:cxnSpLocks/>
+            </p:cNvCxnSpPr>
+            <p:nvPr>
+              <p:extLst>
+                <p:ext uri="{386F3935-93C4-4BCD-93E2-E3B085C9AB24}">
+                  <p16:designElem xmlns:p16="http://schemas.microsoft.com/office/powerpoint/2015/main" val="1"/>
+                </p:ext>
+              </p:extLst>
+            </p:nvPr>
+          </p:nvCxnSpPr>
+          <p:spPr>
+            <a:xfrm>
+              <a:off x="11508412" y="173267"/>
+              <a:ext cx="0" cy="6511464"/>
+            </a:xfrm>
+            <a:prstGeom prst="line">
+              <a:avLst/>
+            </a:prstGeom>
+            <a:ln w="12700">
+              <a:solidFill>
+                <a:srgbClr val="BCBCBC">
+                  <a:alpha val="29804"/>
+                </a:srgbClr>
+              </a:solidFill>
+              <a:prstDash val="sysDot"/>
+            </a:ln>
+          </p:spPr>
+          <p:style>
+            <a:lnRef idx="1">
+              <a:schemeClr val="accent1"/>
+            </a:lnRef>
+            <a:fillRef idx="0">
+              <a:schemeClr val="accent1"/>
+            </a:fillRef>
+            <a:effectRef idx="0">
+              <a:schemeClr val="accent1"/>
+            </a:effectRef>
+            <a:fontRef idx="minor">
+              <a:schemeClr val="tx1"/>
+            </a:fontRef>
+          </p:style>
+        </p:cxnSp>
+      </p:grpSp>
+      <p:sp>
+        <p:nvSpPr>
+          <p:cNvPr id="150" name="Right Triangle 149">
+            <a:extLst>
+              <a:ext uri="{FF2B5EF4-FFF2-40B4-BE49-F238E27FC236}">
+                <a16:creationId xmlns:a16="http://schemas.microsoft.com/office/drawing/2014/main" id="{F952A221-69C2-46B3-890D-354CA5961656}"/>
+              </a:ext>
+              <a:ext uri="{C183D7F6-B498-43B3-948B-1728B52AA6E4}">
+                <adec:decorative xmlns:adec="http://schemas.microsoft.com/office/drawing/2017/decorative" val="1"/>
+              </a:ext>
+            </a:extLst>
+          </p:cNvPr>
+          <p:cNvSpPr>
+            <a:spLocks noGrp="1" noRot="1" noChangeAspect="1" noMove="1" noResize="1" noEditPoints="1" noAdjustHandles="1" noChangeArrowheads="1" noChangeShapeType="1" noTextEdit="1"/>
+          </p:cNvSpPr>
+          <p:nvPr>
+            <p:extLst>
+              <p:ext uri="{386F3935-93C4-4BCD-93E2-E3B085C9AB24}">
+                <p16:designElem xmlns:p16="http://schemas.microsoft.com/office/powerpoint/2015/main" val="1"/>
+              </p:ext>
+            </p:extLst>
+          </p:nvPr>
+        </p:nvSpPr>
+        <p:spPr>
+          <a:xfrm rot="18900000">
+            <a:off x="5810332" y="-286720"/>
+            <a:ext cx="568289" cy="568289"/>
+          </a:xfrm>
+          <a:prstGeom prst="rtTriangle">
+            <a:avLst/>
+          </a:prstGeom>
+          <a:solidFill>
+            <a:schemeClr val="accent1">
+              <a:alpha val="50000"/>
+            </a:schemeClr>
+          </a:solidFill>
+          <a:ln>
+            <a:noFill/>
+          </a:ln>
+        </p:spPr>
+        <p:style>
+          <a:lnRef idx="2">
+            <a:schemeClr val="accent1">
+              <a:shade val="50000"/>
+            </a:schemeClr>
+          </a:lnRef>
+          <a:fillRef idx="1">
+            <a:schemeClr val="accent1"/>
+          </a:fillRef>
+          <a:effectRef idx="0">
+            <a:schemeClr val="accent1"/>
+          </a:effectRef>
+          <a:fontRef idx="minor">
+            <a:schemeClr val="lt1"/>
+          </a:fontRef>
+        </p:style>
+        <p:txBody>
+          <a:bodyPr rtlCol="0" anchor="ctr"/>
+          <a:lstStyle/>
+          <a:p>
+            <a:pPr algn="ctr"/>
+            <a:endParaRPr lang="en-US">
+              <a:solidFill>
+                <a:schemeClr val="tx1"/>
+              </a:solidFill>
+            </a:endParaRPr>
+          </a:p>
+        </p:txBody>
+      </p:sp>
+      <p:pic>
+        <p:nvPicPr>
           <p:cNvPr id="5" name="Picture 5">
             <a:extLst>
               <a:ext uri="{FF2B5EF4-FFF2-40B4-BE49-F238E27FC236}">
@@ -21966,7 +25711,7 @@
               </a:lnSpc>
             </a:pPr>
             <a:r>
-              <a:rPr lang="en-US" sz="1700" dirty="0"/>
+              <a:rPr lang="en-US" sz="1800" dirty="0"/>
               <a:t>Neural Style Transfer is one of the beauties of Neural Networks which lets us to apply the style used in a painting to another picture</a:t>
             </a:r>
           </a:p>
@@ -21980,7 +25725,7 @@
               </a:buClr>
             </a:pPr>
             <a:r>
-              <a:rPr lang="en-US" sz="1700" dirty="0"/>
+              <a:rPr lang="en-US" sz="1800" dirty="0"/>
               <a:t>Helps in creating artificial artworks from paintings</a:t>
             </a:r>
           </a:p>
@@ -21994,7 +25739,7 @@
               </a:buClr>
             </a:pPr>
             <a:r>
-              <a:rPr lang="en-US" sz="1700" dirty="0"/>
+              <a:rPr lang="en-US" sz="1800" dirty="0"/>
               <a:t>Data augmentation is a critical use-case*</a:t>
             </a:r>
           </a:p>
@@ -22008,7 +25753,7 @@
               </a:buClr>
             </a:pPr>
             <a:r>
-              <a:rPr lang="en-US" sz="1700" dirty="0"/>
+              <a:rPr lang="en-US" sz="1800" dirty="0"/>
               <a:t>Entertainment and social communication*</a:t>
             </a:r>
           </a:p>
@@ -22021,7 +25766,7 @@
                 <a:srgbClr val="B6887B"/>
               </a:buClr>
             </a:pPr>
-            <a:endParaRPr lang="en-US" sz="1700" dirty="0"/>
+            <a:endParaRPr lang="en-US" sz="1800" dirty="0"/>
           </a:p>
         </p:txBody>
       </p:sp>
@@ -22116,7 +25861,7 @@
           <a:p>
             <a:r>
               <a:rPr lang="en-US" dirty="0"/>
-              <a:t>The VGG 16 Architecture</a:t>
+              <a:t>The VGG 19 Architecture</a:t>
             </a:r>
           </a:p>
         </p:txBody>
@@ -22264,7 +26009,18 @@
             </a:r>
             <a:r>
               <a:rPr lang="en-US" dirty="0"/>
-              <a:t> = J(C,G) = ΣΣ(</a:t>
+              <a:t> = J(C,G) = Σ</a:t>
+            </a:r>
+            <a:r>
+              <a:rPr lang="en-US" dirty="0">
+                <a:ea typeface="+mn-lt"/>
+                <a:cs typeface="+mn-lt"/>
+              </a:rPr>
+              <a:t>ΣΣ</a:t>
+            </a:r>
+            <a:r>
+              <a:rPr lang="en-US" dirty="0"/>
+              <a:t>(</a:t>
             </a:r>
             <a:r>
               <a:rPr lang="en-US" dirty="0" err="1"/>
@@ -22272,7 +26028,7 @@
             </a:r>
             <a:r>
               <a:rPr lang="en-US" baseline="-25000" dirty="0" err="1"/>
-              <a:t>ij</a:t>
+              <a:t>ijk</a:t>
             </a:r>
             <a:r>
               <a:rPr lang="en-US" baseline="30000" dirty="0"/>
@@ -22288,7 +26044,7 @@
             </a:r>
             <a:r>
               <a:rPr lang="en-US" baseline="-25000" dirty="0" err="1"/>
-              <a:t>ij</a:t>
+              <a:t>ijk</a:t>
             </a:r>
             <a:r>
               <a:rPr lang="en-US" baseline="30000" dirty="0"/>
@@ -22711,6 +26467,7 @@
               <a:rPr lang="en-US" dirty="0" err="1"/>
               <a:t>dG</a:t>
             </a:r>
+            <a:endParaRPr lang="en-US"/>
           </a:p>
         </p:txBody>
       </p:sp>
@@ -22784,195 +26541,6 @@
 </file>
 
 <file path=ppt/slides/slide5.xml><?xml version="1.0" encoding="utf-8"?>
-<p:sld xmlns:a="http://schemas.openxmlformats.org/drawingml/2006/main" xmlns:r="http://schemas.openxmlformats.org/officeDocument/2006/relationships" xmlns:p="http://schemas.openxmlformats.org/presentationml/2006/main">
-  <p:cSld>
-    <p:spTree>
-      <p:nvGrpSpPr>
-        <p:cNvPr id="1" name=""/>
-        <p:cNvGrpSpPr/>
-        <p:nvPr/>
-      </p:nvGrpSpPr>
-      <p:grpSpPr>
-        <a:xfrm>
-          <a:off x="0" y="0"/>
-          <a:ext cx="0" cy="0"/>
-          <a:chOff x="0" y="0"/>
-          <a:chExt cx="0" cy="0"/>
-        </a:xfrm>
-      </p:grpSpPr>
-      <p:sp>
-        <p:nvSpPr>
-          <p:cNvPr id="2" name="Title 1">
-            <a:extLst>
-              <a:ext uri="{FF2B5EF4-FFF2-40B4-BE49-F238E27FC236}">
-                <a16:creationId xmlns:a16="http://schemas.microsoft.com/office/drawing/2014/main" id="{2CE890BC-D147-0DE0-6076-9930E2D00DE5}"/>
-              </a:ext>
-            </a:extLst>
-          </p:cNvPr>
-          <p:cNvSpPr>
-            <a:spLocks noGrp="1"/>
-          </p:cNvSpPr>
-          <p:nvPr>
-            <p:ph type="title"/>
-          </p:nvPr>
-        </p:nvSpPr>
-        <p:spPr/>
-        <p:txBody>
-          <a:bodyPr/>
-          <a:lstStyle/>
-          <a:p>
-            <a:r>
-              <a:rPr lang="en-US" dirty="0"/>
-              <a:t>How to generate the image</a:t>
-            </a:r>
-          </a:p>
-        </p:txBody>
-      </p:sp>
-      <p:sp>
-        <p:nvSpPr>
-          <p:cNvPr id="3" name="Content Placeholder 2">
-            <a:extLst>
-              <a:ext uri="{FF2B5EF4-FFF2-40B4-BE49-F238E27FC236}">
-                <a16:creationId xmlns:a16="http://schemas.microsoft.com/office/drawing/2014/main" id="{2456AB48-545D-E706-0BEE-65F6E7291F61}"/>
-              </a:ext>
-            </a:extLst>
-          </p:cNvPr>
-          <p:cNvSpPr>
-            <a:spLocks noGrp="1"/>
-          </p:cNvSpPr>
-          <p:nvPr>
-            <p:ph idx="1"/>
-          </p:nvPr>
-        </p:nvSpPr>
-        <p:spPr/>
-        <p:txBody>
-          <a:bodyPr vert="horz" lIns="91440" tIns="45720" rIns="91440" bIns="45720" rtlCol="0" anchor="t">
-            <a:normAutofit/>
-          </a:bodyPr>
-          <a:lstStyle/>
-          <a:p>
-            <a:r>
-              <a:rPr lang="en-US"/>
-              <a:t>Initiate the generated image with random values</a:t>
-            </a:r>
-          </a:p>
-          <a:p>
-            <a:pPr>
-              <a:buClr>
-                <a:srgbClr val="B6887B"/>
-              </a:buClr>
-            </a:pPr>
-            <a:r>
-              <a:rPr lang="en-US" dirty="0"/>
-              <a:t>Pick a layer (preferably middle) from the VGG model to find the activations</a:t>
-            </a:r>
-          </a:p>
-          <a:p>
-            <a:pPr>
-              <a:buClr>
-                <a:srgbClr val="B6887B"/>
-              </a:buClr>
-            </a:pPr>
-            <a:r>
-              <a:rPr lang="en-US" dirty="0"/>
-              <a:t>Calculate content and style costs</a:t>
-            </a:r>
-          </a:p>
-          <a:p>
-            <a:pPr>
-              <a:buClr>
-                <a:srgbClr val="B6887B"/>
-              </a:buClr>
-            </a:pPr>
-            <a:r>
-              <a:rPr lang="en-US" dirty="0"/>
-              <a:t>Tune the parameters α and β to obtain required results</a:t>
-            </a:r>
-          </a:p>
-          <a:p>
-            <a:pPr>
-              <a:buClr>
-                <a:srgbClr val="B6887B"/>
-              </a:buClr>
-            </a:pPr>
-            <a:r>
-              <a:rPr lang="en-US" dirty="0"/>
-              <a:t>Run the gradient descent over Generated image, unlike on the weights as in a NN</a:t>
-            </a:r>
-            <a:br>
-              <a:rPr lang="en-US" dirty="0"/>
-            </a:br>
-            <a:r>
-              <a:rPr lang="en-US" dirty="0"/>
-              <a:t>G = G - </a:t>
-            </a:r>
-            <a:r>
-              <a:rPr lang="en-US" dirty="0">
-                <a:ea typeface="+mn-lt"/>
-                <a:cs typeface="+mn-lt"/>
-              </a:rPr>
-              <a:t>α * </a:t>
-            </a:r>
-            <a:r>
-              <a:rPr lang="en-US">
-                <a:ea typeface="+mn-lt"/>
-                <a:cs typeface="+mn-lt"/>
-              </a:rPr>
-              <a:t>dJ(G)/dG</a:t>
-            </a:r>
-            <a:endParaRPr lang="en-US"/>
-          </a:p>
-          <a:p>
-            <a:pPr>
-              <a:buClr>
-                <a:srgbClr val="B6887B"/>
-              </a:buClr>
-            </a:pPr>
-            <a:r>
-              <a:rPr lang="en-US" dirty="0"/>
-              <a:t>Try choosing a different layer and repeat these steps until we get a satisfactory result</a:t>
-            </a:r>
-          </a:p>
-          <a:p>
-            <a:pPr>
-              <a:buClr>
-                <a:srgbClr val="B6887B"/>
-              </a:buClr>
-            </a:pPr>
-            <a:endParaRPr lang="en-US" dirty="0"/>
-          </a:p>
-          <a:p>
-            <a:pPr>
-              <a:buClr>
-                <a:srgbClr val="B6887B"/>
-              </a:buClr>
-            </a:pPr>
-            <a:endParaRPr lang="en-US" dirty="0"/>
-          </a:p>
-          <a:p>
-            <a:pPr>
-              <a:buClr>
-                <a:srgbClr val="B6887B"/>
-              </a:buClr>
-            </a:pPr>
-            <a:endParaRPr lang="en-US" dirty="0"/>
-          </a:p>
-        </p:txBody>
-      </p:sp>
-    </p:spTree>
-    <p:extLst>
-      <p:ext uri="{BB962C8B-B14F-4D97-AF65-F5344CB8AC3E}">
-        <p14:creationId xmlns:p14="http://schemas.microsoft.com/office/powerpoint/2010/main" val="1885911968"/>
-      </p:ext>
-    </p:extLst>
-  </p:cSld>
-  <p:clrMapOvr>
-    <a:masterClrMapping/>
-  </p:clrMapOvr>
-</p:sld>
-</file>
-
-<file path=ppt/slides/slide6.xml><?xml version="1.0" encoding="utf-8"?>
 <p:sld xmlns:a="http://schemas.openxmlformats.org/drawingml/2006/main" xmlns:r="http://schemas.openxmlformats.org/officeDocument/2006/relationships" xmlns:p="http://schemas.openxmlformats.org/presentationml/2006/main">
   <p:cSld>
     <p:bg>
@@ -25077,8 +28645,8 @@
           <a:lstStyle/>
           <a:p>
             <a:r>
-              <a:rPr lang="en-US" dirty="0"/>
-              <a:t>The gram matrix is a square matrix that contains a dot of each vectorized filter in layer 'l'.</a:t>
+              <a:rPr lang="en-US" sz="1800" dirty="0"/>
+              <a:t>The gram matrix is a square matrix that contains a dot product of each vectorized filter in layer 'l'</a:t>
             </a:r>
           </a:p>
           <a:p>
@@ -25087,7 +28655,18 @@
                 <a:srgbClr val="B6887B"/>
               </a:buClr>
             </a:pPr>
-            <a:endParaRPr lang="en-US" dirty="0"/>
+            <a:r>
+              <a:rPr lang="en-US" sz="1800" dirty="0"/>
+              <a:t>It compares how similar the tensors are. If they are highly similar, we get a higher resultant value</a:t>
+            </a:r>
+          </a:p>
+          <a:p>
+            <a:pPr>
+              <a:buClr>
+                <a:srgbClr val="B6887B"/>
+              </a:buClr>
+            </a:pPr>
+            <a:endParaRPr lang="en-US" sz="1800" dirty="0"/>
           </a:p>
         </p:txBody>
       </p:sp>
@@ -25121,6 +28700,44 @@
           </a:prstGeom>
         </p:spPr>
       </p:pic>
+      <p:sp>
+        <p:nvSpPr>
+          <p:cNvPr id="2" name="TextBox 1">
+            <a:extLst>
+              <a:ext uri="{FF2B5EF4-FFF2-40B4-BE49-F238E27FC236}">
+                <a16:creationId xmlns:a16="http://schemas.microsoft.com/office/drawing/2014/main" id="{C6858DBA-62C7-0FE8-DCB2-50E92FFFF435}"/>
+              </a:ext>
+            </a:extLst>
+          </p:cNvPr>
+          <p:cNvSpPr txBox="1"/>
+          <p:nvPr/>
+        </p:nvSpPr>
+        <p:spPr>
+          <a:xfrm>
+            <a:off x="693822" y="6328609"/>
+            <a:ext cx="11034963" cy="369332"/>
+          </a:xfrm>
+          <a:prstGeom prst="rect">
+            <a:avLst/>
+          </a:prstGeom>
+          <a:noFill/>
+        </p:spPr>
+        <p:txBody>
+          <a:bodyPr rot="0" spcFirstLastPara="0" vertOverflow="overflow" horzOverflow="overflow" vert="horz" wrap="square" lIns="91440" tIns="45720" rIns="91440" bIns="45720" numCol="1" spcCol="0" rtlCol="0" fromWordArt="0" anchor="t" anchorCtr="0" forceAA="0" compatLnSpc="1">
+            <a:prstTxWarp prst="textNoShape">
+              <a:avLst/>
+            </a:prstTxWarp>
+            <a:spAutoFit/>
+          </a:bodyPr>
+          <a:lstStyle/>
+          <a:p>
+            <a:r>
+              <a:rPr lang="en-US" dirty="0"/>
+              <a:t>We can understand Gram matrix as a mathematical entity used to compare style and generated images</a:t>
+            </a:r>
+          </a:p>
+        </p:txBody>
+      </p:sp>
     </p:spTree>
     <p:extLst>
       <p:ext uri="{BB962C8B-B14F-4D97-AF65-F5344CB8AC3E}">
@@ -25134,17 +28751,9 @@
 </p:sld>
 </file>
 
-<file path=ppt/slides/slide7.xml><?xml version="1.0" encoding="utf-8"?>
+<file path=ppt/slides/slide6.xml><?xml version="1.0" encoding="utf-8"?>
 <p:sld xmlns:a="http://schemas.openxmlformats.org/drawingml/2006/main" xmlns:r="http://schemas.openxmlformats.org/officeDocument/2006/relationships" xmlns:p="http://schemas.openxmlformats.org/presentationml/2006/main">
   <p:cSld>
-    <p:bg>
-      <p:bgPr>
-        <a:solidFill>
-          <a:schemeClr val="bg1"/>
-        </a:solidFill>
-        <a:effectLst/>
-      </p:bgPr>
-    </p:bg>
     <p:spTree>
       <p:nvGrpSpPr>
         <p:cNvPr id="1" name=""/>
@@ -25159,3715 +28768,432 @@
           <a:chExt cx="0" cy="0"/>
         </a:xfrm>
       </p:grpSpPr>
-      <p:grpSp>
-        <p:nvGrpSpPr>
-          <p:cNvPr id="80" name="Group 79">
+      <p:sp>
+        <p:nvSpPr>
+          <p:cNvPr id="2" name="Title 1">
             <a:extLst>
               <a:ext uri="{FF2B5EF4-FFF2-40B4-BE49-F238E27FC236}">
-                <a16:creationId xmlns:a16="http://schemas.microsoft.com/office/drawing/2014/main" id="{748618E9-EE2D-4864-9EEE-58939BD4FBBA}"/>
-              </a:ext>
-              <a:ext uri="{C183D7F6-B498-43B3-948B-1728B52AA6E4}">
-                <adec:decorative xmlns:adec="http://schemas.microsoft.com/office/drawing/2017/decorative" val="1"/>
-              </a:ext>
-            </a:extLst>
-          </p:cNvPr>
-          <p:cNvGrpSpPr>
-            <a:grpSpLocks noGrp="1" noUngrp="1" noRot="1" noChangeAspect="1" noMove="1" noResize="1"/>
-          </p:cNvGrpSpPr>
-          <p:nvPr>
-            <p:extLst>
-              <p:ext uri="{386F3935-93C4-4BCD-93E2-E3B085C9AB24}">
-                <p16:designElem xmlns:p16="http://schemas.microsoft.com/office/powerpoint/2015/main" val="1"/>
-              </p:ext>
-            </p:extLst>
-          </p:nvPr>
-        </p:nvGrpSpPr>
-        <p:grpSpPr>
-          <a:xfrm>
-            <a:off x="-6214" y="-1"/>
-            <a:ext cx="12214827" cy="6858000"/>
-            <a:chOff x="-6214" y="-1"/>
-            <a:chExt cx="12214827" cy="6858000"/>
-          </a:xfrm>
-        </p:grpSpPr>
-        <p:cxnSp>
-          <p:nvCxnSpPr>
-            <p:cNvPr id="81" name="Straight Connector 80">
-              <a:extLst>
-                <a:ext uri="{FF2B5EF4-FFF2-40B4-BE49-F238E27FC236}">
-                  <a16:creationId xmlns:a16="http://schemas.microsoft.com/office/drawing/2014/main" id="{317D1EC0-23FF-4FC8-B22D-E34878EAA4CC}"/>
-                </a:ext>
-                <a:ext uri="{C183D7F6-B498-43B3-948B-1728B52AA6E4}">
-                  <adec:decorative xmlns:adec="http://schemas.microsoft.com/office/drawing/2017/decorative" val="1"/>
-                </a:ext>
-              </a:extLst>
-            </p:cNvPr>
-            <p:cNvCxnSpPr>
-              <a:cxnSpLocks/>
-            </p:cNvCxnSpPr>
-            <p:nvPr>
-              <p:extLst>
-                <p:ext uri="{386F3935-93C4-4BCD-93E2-E3B085C9AB24}">
-                  <p16:designElem xmlns:p16="http://schemas.microsoft.com/office/powerpoint/2015/main" val="1"/>
-                </p:ext>
-              </p:extLst>
-            </p:nvPr>
-          </p:nvCxnSpPr>
-          <p:spPr>
-            <a:xfrm>
-              <a:off x="-6214" y="6686283"/>
-              <a:ext cx="12192000" cy="0"/>
-            </a:xfrm>
-            <a:prstGeom prst="line">
-              <a:avLst/>
-            </a:prstGeom>
-            <a:ln w="12700">
-              <a:solidFill>
-                <a:srgbClr val="BCBCBC">
-                  <a:alpha val="29804"/>
-                </a:srgbClr>
-              </a:solidFill>
-              <a:prstDash val="sysDot"/>
-            </a:ln>
-          </p:spPr>
-          <p:style>
-            <a:lnRef idx="1">
-              <a:schemeClr val="accent1"/>
-            </a:lnRef>
-            <a:fillRef idx="0">
-              <a:schemeClr val="accent1"/>
-            </a:fillRef>
-            <a:effectRef idx="0">
-              <a:schemeClr val="accent1"/>
-            </a:effectRef>
-            <a:fontRef idx="minor">
-              <a:schemeClr val="tx1"/>
-            </a:fontRef>
-          </p:style>
-        </p:cxnSp>
-        <p:cxnSp>
-          <p:nvCxnSpPr>
-            <p:cNvPr id="82" name="Straight Connector 81">
-              <a:extLst>
-                <a:ext uri="{FF2B5EF4-FFF2-40B4-BE49-F238E27FC236}">
-                  <a16:creationId xmlns:a16="http://schemas.microsoft.com/office/drawing/2014/main" id="{5AB929A7-258C-4469-AAB4-A67D713F7A80}"/>
-                </a:ext>
-                <a:ext uri="{C183D7F6-B498-43B3-948B-1728B52AA6E4}">
-                  <adec:decorative xmlns:adec="http://schemas.microsoft.com/office/drawing/2017/decorative" val="1"/>
-                </a:ext>
-              </a:extLst>
-            </p:cNvPr>
-            <p:cNvCxnSpPr>
-              <a:cxnSpLocks/>
-            </p:cNvCxnSpPr>
-            <p:nvPr>
-              <p:extLst>
-                <p:ext uri="{386F3935-93C4-4BCD-93E2-E3B085C9AB24}">
-                  <p16:designElem xmlns:p16="http://schemas.microsoft.com/office/powerpoint/2015/main" val="1"/>
-                </p:ext>
-              </p:extLst>
-            </p:nvPr>
-          </p:nvCxnSpPr>
-          <p:spPr>
-            <a:xfrm>
-              <a:off x="0" y="-1"/>
-              <a:ext cx="0" cy="6858000"/>
-            </a:xfrm>
-            <a:prstGeom prst="line">
-              <a:avLst/>
-            </a:prstGeom>
-            <a:ln w="12700">
-              <a:solidFill>
-                <a:srgbClr val="BCBCBC">
-                  <a:alpha val="29804"/>
-                </a:srgbClr>
-              </a:solidFill>
-              <a:prstDash val="sysDot"/>
-            </a:ln>
-          </p:spPr>
-          <p:style>
-            <a:lnRef idx="1">
-              <a:schemeClr val="accent1"/>
-            </a:lnRef>
-            <a:fillRef idx="0">
-              <a:schemeClr val="accent1"/>
-            </a:fillRef>
-            <a:effectRef idx="0">
-              <a:schemeClr val="accent1"/>
-            </a:effectRef>
-            <a:fontRef idx="minor">
-              <a:schemeClr val="tx1"/>
-            </a:fontRef>
-          </p:style>
-        </p:cxnSp>
-        <p:cxnSp>
-          <p:nvCxnSpPr>
-            <p:cNvPr id="83" name="Straight Connector 82">
-              <a:extLst>
-                <a:ext uri="{FF2B5EF4-FFF2-40B4-BE49-F238E27FC236}">
-                  <a16:creationId xmlns:a16="http://schemas.microsoft.com/office/drawing/2014/main" id="{DA635CDB-2D00-49D5-B26E-0694A25000C7}"/>
-                </a:ext>
-                <a:ext uri="{C183D7F6-B498-43B3-948B-1728B52AA6E4}">
-                  <adec:decorative xmlns:adec="http://schemas.microsoft.com/office/drawing/2017/decorative" val="1"/>
-                </a:ext>
-              </a:extLst>
-            </p:cNvPr>
-            <p:cNvCxnSpPr>
-              <a:cxnSpLocks/>
-            </p:cNvCxnSpPr>
-            <p:nvPr>
-              <p:extLst>
-                <p:ext uri="{386F3935-93C4-4BCD-93E2-E3B085C9AB24}">
-                  <p16:designElem xmlns:p16="http://schemas.microsoft.com/office/powerpoint/2015/main" val="1"/>
-                </p:ext>
-              </p:extLst>
-            </p:nvPr>
-          </p:nvCxnSpPr>
-          <p:spPr>
-            <a:xfrm>
-              <a:off x="11993258" y="-1"/>
-              <a:ext cx="0" cy="6858000"/>
-            </a:xfrm>
-            <a:prstGeom prst="line">
-              <a:avLst/>
-            </a:prstGeom>
-            <a:ln w="12700">
-              <a:solidFill>
-                <a:srgbClr val="BCBCBC">
-                  <a:alpha val="29804"/>
-                </a:srgbClr>
-              </a:solidFill>
-              <a:prstDash val="sysDot"/>
-            </a:ln>
-          </p:spPr>
-          <p:style>
-            <a:lnRef idx="1">
-              <a:schemeClr val="accent1"/>
-            </a:lnRef>
-            <a:fillRef idx="0">
-              <a:schemeClr val="accent1"/>
-            </a:fillRef>
-            <a:effectRef idx="0">
-              <a:schemeClr val="accent1"/>
-            </a:effectRef>
-            <a:fontRef idx="minor">
-              <a:schemeClr val="tx1"/>
-            </a:fontRef>
-          </p:style>
-        </p:cxnSp>
-        <p:cxnSp>
-          <p:nvCxnSpPr>
-            <p:cNvPr id="84" name="Straight Connector 83">
-              <a:extLst>
-                <a:ext uri="{FF2B5EF4-FFF2-40B4-BE49-F238E27FC236}">
-                  <a16:creationId xmlns:a16="http://schemas.microsoft.com/office/drawing/2014/main" id="{B4288D7A-F857-418D-92F2-368E841B9F27}"/>
-                </a:ext>
-                <a:ext uri="{C183D7F6-B498-43B3-948B-1728B52AA6E4}">
-                  <adec:decorative xmlns:adec="http://schemas.microsoft.com/office/drawing/2017/decorative" val="1"/>
-                </a:ext>
-              </a:extLst>
-            </p:cNvPr>
-            <p:cNvCxnSpPr>
-              <a:cxnSpLocks/>
-            </p:cNvCxnSpPr>
-            <p:nvPr>
-              <p:extLst>
-                <p:ext uri="{386F3935-93C4-4BCD-93E2-E3B085C9AB24}">
-                  <p16:designElem xmlns:p16="http://schemas.microsoft.com/office/powerpoint/2015/main" val="1"/>
-                </p:ext>
-              </p:extLst>
-            </p:nvPr>
-          </p:nvCxnSpPr>
-          <p:spPr>
-            <a:xfrm>
-              <a:off x="192528" y="-1"/>
-              <a:ext cx="0" cy="6858000"/>
-            </a:xfrm>
-            <a:prstGeom prst="line">
-              <a:avLst/>
-            </a:prstGeom>
-            <a:ln w="12700">
-              <a:solidFill>
-                <a:srgbClr val="BCBCBC">
-                  <a:alpha val="29804"/>
-                </a:srgbClr>
-              </a:solidFill>
-              <a:prstDash val="sysDot"/>
-            </a:ln>
-          </p:spPr>
-          <p:style>
-            <a:lnRef idx="1">
-              <a:schemeClr val="accent1"/>
-            </a:lnRef>
-            <a:fillRef idx="0">
-              <a:schemeClr val="accent1"/>
-            </a:fillRef>
-            <a:effectRef idx="0">
-              <a:schemeClr val="accent1"/>
-            </a:effectRef>
-            <a:fontRef idx="minor">
-              <a:schemeClr val="tx1"/>
-            </a:fontRef>
-          </p:style>
-        </p:cxnSp>
-        <p:cxnSp>
-          <p:nvCxnSpPr>
-            <p:cNvPr id="85" name="Straight Connector 84">
-              <a:extLst>
-                <a:ext uri="{FF2B5EF4-FFF2-40B4-BE49-F238E27FC236}">
-                  <a16:creationId xmlns:a16="http://schemas.microsoft.com/office/drawing/2014/main" id="{F1084F50-7F3C-4A4A-877E-FFD9EC7CD88B}"/>
-                </a:ext>
-                <a:ext uri="{C183D7F6-B498-43B3-948B-1728B52AA6E4}">
-                  <adec:decorative xmlns:adec="http://schemas.microsoft.com/office/drawing/2017/decorative" val="1"/>
-                </a:ext>
-              </a:extLst>
-            </p:cNvPr>
-            <p:cNvCxnSpPr>
-              <a:cxnSpLocks/>
-            </p:cNvCxnSpPr>
-            <p:nvPr>
-              <p:extLst>
-                <p:ext uri="{386F3935-93C4-4BCD-93E2-E3B085C9AB24}">
-                  <p16:designElem xmlns:p16="http://schemas.microsoft.com/office/powerpoint/2015/main" val="1"/>
-                </p:ext>
-              </p:extLst>
-            </p:nvPr>
-          </p:nvCxnSpPr>
-          <p:spPr>
-            <a:xfrm>
-              <a:off x="1175922" y="-1"/>
-              <a:ext cx="0" cy="6858000"/>
-            </a:xfrm>
-            <a:prstGeom prst="line">
-              <a:avLst/>
-            </a:prstGeom>
-            <a:ln w="12700">
-              <a:solidFill>
-                <a:srgbClr val="BCBCBC">
-                  <a:alpha val="29804"/>
-                </a:srgbClr>
-              </a:solidFill>
-              <a:prstDash val="sysDot"/>
-            </a:ln>
-          </p:spPr>
-          <p:style>
-            <a:lnRef idx="1">
-              <a:schemeClr val="accent1"/>
-            </a:lnRef>
-            <a:fillRef idx="0">
-              <a:schemeClr val="accent1"/>
-            </a:fillRef>
-            <a:effectRef idx="0">
-              <a:schemeClr val="accent1"/>
-            </a:effectRef>
-            <a:fontRef idx="minor">
-              <a:schemeClr val="tx1"/>
-            </a:fontRef>
-          </p:style>
-        </p:cxnSp>
-        <p:cxnSp>
-          <p:nvCxnSpPr>
-            <p:cNvPr id="86" name="Straight Connector 85">
-              <a:extLst>
-                <a:ext uri="{FF2B5EF4-FFF2-40B4-BE49-F238E27FC236}">
-                  <a16:creationId xmlns:a16="http://schemas.microsoft.com/office/drawing/2014/main" id="{331E64C1-F4C0-4A94-B319-BB1A0A2450B5}"/>
-                </a:ext>
-                <a:ext uri="{C183D7F6-B498-43B3-948B-1728B52AA6E4}">
-                  <adec:decorative xmlns:adec="http://schemas.microsoft.com/office/drawing/2017/decorative" val="1"/>
-                </a:ext>
-              </a:extLst>
-            </p:cNvPr>
-            <p:cNvCxnSpPr>
-              <a:cxnSpLocks/>
-            </p:cNvCxnSpPr>
-            <p:nvPr>
-              <p:extLst>
-                <p:ext uri="{386F3935-93C4-4BCD-93E2-E3B085C9AB24}">
-                  <p16:designElem xmlns:p16="http://schemas.microsoft.com/office/powerpoint/2015/main" val="1"/>
-                </p:ext>
-              </p:extLst>
-            </p:nvPr>
-          </p:nvCxnSpPr>
-          <p:spPr>
-            <a:xfrm>
-              <a:off x="2159316" y="-1"/>
-              <a:ext cx="0" cy="6858000"/>
-            </a:xfrm>
-            <a:prstGeom prst="line">
-              <a:avLst/>
-            </a:prstGeom>
-            <a:ln w="12700">
-              <a:solidFill>
-                <a:srgbClr val="BCBCBC">
-                  <a:alpha val="29804"/>
-                </a:srgbClr>
-              </a:solidFill>
-              <a:prstDash val="sysDot"/>
-            </a:ln>
-          </p:spPr>
-          <p:style>
-            <a:lnRef idx="1">
-              <a:schemeClr val="accent1"/>
-            </a:lnRef>
-            <a:fillRef idx="0">
-              <a:schemeClr val="accent1"/>
-            </a:fillRef>
-            <a:effectRef idx="0">
-              <a:schemeClr val="accent1"/>
-            </a:effectRef>
-            <a:fontRef idx="minor">
-              <a:schemeClr val="tx1"/>
-            </a:fontRef>
-          </p:style>
-        </p:cxnSp>
-        <p:cxnSp>
-          <p:nvCxnSpPr>
-            <p:cNvPr id="87" name="Straight Connector 86">
-              <a:extLst>
-                <a:ext uri="{FF2B5EF4-FFF2-40B4-BE49-F238E27FC236}">
-                  <a16:creationId xmlns:a16="http://schemas.microsoft.com/office/drawing/2014/main" id="{363D8374-8052-417F-AB69-B97EAC43D513}"/>
-                </a:ext>
-                <a:ext uri="{C183D7F6-B498-43B3-948B-1728B52AA6E4}">
-                  <adec:decorative xmlns:adec="http://schemas.microsoft.com/office/drawing/2017/decorative" val="1"/>
-                </a:ext>
-              </a:extLst>
-            </p:cNvPr>
-            <p:cNvCxnSpPr>
-              <a:cxnSpLocks/>
-            </p:cNvCxnSpPr>
-            <p:nvPr>
-              <p:extLst>
-                <p:ext uri="{386F3935-93C4-4BCD-93E2-E3B085C9AB24}">
-                  <p16:designElem xmlns:p16="http://schemas.microsoft.com/office/powerpoint/2015/main" val="1"/>
-                </p:ext>
-              </p:extLst>
-            </p:nvPr>
-          </p:nvCxnSpPr>
-          <p:spPr>
-            <a:xfrm>
-              <a:off x="3142710" y="-1"/>
-              <a:ext cx="0" cy="6858000"/>
-            </a:xfrm>
-            <a:prstGeom prst="line">
-              <a:avLst/>
-            </a:prstGeom>
-            <a:ln w="12700">
-              <a:solidFill>
-                <a:srgbClr val="BCBCBC">
-                  <a:alpha val="29804"/>
-                </a:srgbClr>
-              </a:solidFill>
-              <a:prstDash val="sysDot"/>
-            </a:ln>
-          </p:spPr>
-          <p:style>
-            <a:lnRef idx="1">
-              <a:schemeClr val="accent1"/>
-            </a:lnRef>
-            <a:fillRef idx="0">
-              <a:schemeClr val="accent1"/>
-            </a:fillRef>
-            <a:effectRef idx="0">
-              <a:schemeClr val="accent1"/>
-            </a:effectRef>
-            <a:fontRef idx="minor">
-              <a:schemeClr val="tx1"/>
-            </a:fontRef>
-          </p:style>
-        </p:cxnSp>
-        <p:cxnSp>
-          <p:nvCxnSpPr>
-            <p:cNvPr id="88" name="Straight Connector 87">
-              <a:extLst>
-                <a:ext uri="{FF2B5EF4-FFF2-40B4-BE49-F238E27FC236}">
-                  <a16:creationId xmlns:a16="http://schemas.microsoft.com/office/drawing/2014/main" id="{C7750734-4D51-4019-A003-38A3DE49B434}"/>
-                </a:ext>
-                <a:ext uri="{C183D7F6-B498-43B3-948B-1728B52AA6E4}">
-                  <adec:decorative xmlns:adec="http://schemas.microsoft.com/office/drawing/2017/decorative" val="1"/>
-                </a:ext>
-              </a:extLst>
-            </p:cNvPr>
-            <p:cNvCxnSpPr>
-              <a:cxnSpLocks/>
-            </p:cNvCxnSpPr>
-            <p:nvPr>
-              <p:extLst>
-                <p:ext uri="{386F3935-93C4-4BCD-93E2-E3B085C9AB24}">
-                  <p16:designElem xmlns:p16="http://schemas.microsoft.com/office/powerpoint/2015/main" val="1"/>
-                </p:ext>
-              </p:extLst>
-            </p:nvPr>
-          </p:nvCxnSpPr>
-          <p:spPr>
-            <a:xfrm>
-              <a:off x="4126104" y="-1"/>
-              <a:ext cx="0" cy="6858000"/>
-            </a:xfrm>
-            <a:prstGeom prst="line">
-              <a:avLst/>
-            </a:prstGeom>
-            <a:ln w="12700">
-              <a:solidFill>
-                <a:srgbClr val="BCBCBC">
-                  <a:alpha val="29804"/>
-                </a:srgbClr>
-              </a:solidFill>
-              <a:prstDash val="sysDot"/>
-            </a:ln>
-          </p:spPr>
-          <p:style>
-            <a:lnRef idx="1">
-              <a:schemeClr val="accent1"/>
-            </a:lnRef>
-            <a:fillRef idx="0">
-              <a:schemeClr val="accent1"/>
-            </a:fillRef>
-            <a:effectRef idx="0">
-              <a:schemeClr val="accent1"/>
-            </a:effectRef>
-            <a:fontRef idx="minor">
-              <a:schemeClr val="tx1"/>
-            </a:fontRef>
-          </p:style>
-        </p:cxnSp>
-        <p:cxnSp>
-          <p:nvCxnSpPr>
-            <p:cNvPr id="89" name="Straight Connector 88">
-              <a:extLst>
-                <a:ext uri="{FF2B5EF4-FFF2-40B4-BE49-F238E27FC236}">
-                  <a16:creationId xmlns:a16="http://schemas.microsoft.com/office/drawing/2014/main" id="{71B693D1-DBA2-4D3B-9B37-D9EE8C4112F4}"/>
-                </a:ext>
-                <a:ext uri="{C183D7F6-B498-43B3-948B-1728B52AA6E4}">
-                  <adec:decorative xmlns:adec="http://schemas.microsoft.com/office/drawing/2017/decorative" val="1"/>
-                </a:ext>
-              </a:extLst>
-            </p:cNvPr>
-            <p:cNvCxnSpPr>
-              <a:cxnSpLocks/>
-            </p:cNvCxnSpPr>
-            <p:nvPr>
-              <p:extLst>
-                <p:ext uri="{386F3935-93C4-4BCD-93E2-E3B085C9AB24}">
-                  <p16:designElem xmlns:p16="http://schemas.microsoft.com/office/powerpoint/2015/main" val="1"/>
-                </p:ext>
-              </p:extLst>
-            </p:nvPr>
-          </p:nvCxnSpPr>
-          <p:spPr>
-            <a:xfrm>
-              <a:off x="5109498" y="-1"/>
-              <a:ext cx="0" cy="6858000"/>
-            </a:xfrm>
-            <a:prstGeom prst="line">
-              <a:avLst/>
-            </a:prstGeom>
-            <a:ln w="12700">
-              <a:solidFill>
-                <a:srgbClr val="BCBCBC">
-                  <a:alpha val="29804"/>
-                </a:srgbClr>
-              </a:solidFill>
-              <a:prstDash val="sysDot"/>
-            </a:ln>
-          </p:spPr>
-          <p:style>
-            <a:lnRef idx="1">
-              <a:schemeClr val="accent1"/>
-            </a:lnRef>
-            <a:fillRef idx="0">
-              <a:schemeClr val="accent1"/>
-            </a:fillRef>
-            <a:effectRef idx="0">
-              <a:schemeClr val="accent1"/>
-            </a:effectRef>
-            <a:fontRef idx="minor">
-              <a:schemeClr val="tx1"/>
-            </a:fontRef>
-          </p:style>
-        </p:cxnSp>
-        <p:cxnSp>
-          <p:nvCxnSpPr>
-            <p:cNvPr id="90" name="Straight Connector 89">
-              <a:extLst>
-                <a:ext uri="{FF2B5EF4-FFF2-40B4-BE49-F238E27FC236}">
-                  <a16:creationId xmlns:a16="http://schemas.microsoft.com/office/drawing/2014/main" id="{1BCD3EA8-E4C0-4AF6-817F-F9F29157A499}"/>
-                </a:ext>
-                <a:ext uri="{C183D7F6-B498-43B3-948B-1728B52AA6E4}">
-                  <adec:decorative xmlns:adec="http://schemas.microsoft.com/office/drawing/2017/decorative" val="1"/>
-                </a:ext>
-              </a:extLst>
-            </p:cNvPr>
-            <p:cNvCxnSpPr>
-              <a:cxnSpLocks/>
-            </p:cNvCxnSpPr>
-            <p:nvPr>
-              <p:extLst>
-                <p:ext uri="{386F3935-93C4-4BCD-93E2-E3B085C9AB24}">
-                  <p16:designElem xmlns:p16="http://schemas.microsoft.com/office/powerpoint/2015/main" val="1"/>
-                </p:ext>
-              </p:extLst>
-            </p:nvPr>
-          </p:nvCxnSpPr>
-          <p:spPr>
-            <a:xfrm>
-              <a:off x="6092892" y="-1"/>
-              <a:ext cx="0" cy="6858000"/>
-            </a:xfrm>
-            <a:prstGeom prst="line">
-              <a:avLst/>
-            </a:prstGeom>
-            <a:ln w="12700">
-              <a:solidFill>
-                <a:srgbClr val="BCBCBC">
-                  <a:alpha val="29804"/>
-                </a:srgbClr>
-              </a:solidFill>
-              <a:prstDash val="sysDot"/>
-            </a:ln>
-          </p:spPr>
-          <p:style>
-            <a:lnRef idx="1">
-              <a:schemeClr val="accent1"/>
-            </a:lnRef>
-            <a:fillRef idx="0">
-              <a:schemeClr val="accent1"/>
-            </a:fillRef>
-            <a:effectRef idx="0">
-              <a:schemeClr val="accent1"/>
-            </a:effectRef>
-            <a:fontRef idx="minor">
-              <a:schemeClr val="tx1"/>
-            </a:fontRef>
-          </p:style>
-        </p:cxnSp>
-        <p:cxnSp>
-          <p:nvCxnSpPr>
-            <p:cNvPr id="91" name="Straight Connector 90">
-              <a:extLst>
-                <a:ext uri="{FF2B5EF4-FFF2-40B4-BE49-F238E27FC236}">
-                  <a16:creationId xmlns:a16="http://schemas.microsoft.com/office/drawing/2014/main" id="{7A170FB3-B397-4AC9-85FD-65388F26D90A}"/>
-                </a:ext>
-                <a:ext uri="{C183D7F6-B498-43B3-948B-1728B52AA6E4}">
-                  <adec:decorative xmlns:adec="http://schemas.microsoft.com/office/drawing/2017/decorative" val="1"/>
-                </a:ext>
-              </a:extLst>
-            </p:cNvPr>
-            <p:cNvCxnSpPr>
-              <a:cxnSpLocks/>
-            </p:cNvCxnSpPr>
-            <p:nvPr>
-              <p:extLst>
-                <p:ext uri="{386F3935-93C4-4BCD-93E2-E3B085C9AB24}">
-                  <p16:designElem xmlns:p16="http://schemas.microsoft.com/office/powerpoint/2015/main" val="1"/>
-                </p:ext>
-              </p:extLst>
-            </p:nvPr>
-          </p:nvCxnSpPr>
-          <p:spPr>
-            <a:xfrm>
-              <a:off x="7076286" y="-1"/>
-              <a:ext cx="0" cy="6858000"/>
-            </a:xfrm>
-            <a:prstGeom prst="line">
-              <a:avLst/>
-            </a:prstGeom>
-            <a:ln w="12700">
-              <a:solidFill>
-                <a:srgbClr val="BCBCBC">
-                  <a:alpha val="29804"/>
-                </a:srgbClr>
-              </a:solidFill>
-              <a:prstDash val="sysDot"/>
-            </a:ln>
-          </p:spPr>
-          <p:style>
-            <a:lnRef idx="1">
-              <a:schemeClr val="accent1"/>
-            </a:lnRef>
-            <a:fillRef idx="0">
-              <a:schemeClr val="accent1"/>
-            </a:fillRef>
-            <a:effectRef idx="0">
-              <a:schemeClr val="accent1"/>
-            </a:effectRef>
-            <a:fontRef idx="minor">
-              <a:schemeClr val="tx1"/>
-            </a:fontRef>
-          </p:style>
-        </p:cxnSp>
-        <p:cxnSp>
-          <p:nvCxnSpPr>
-            <p:cNvPr id="92" name="Straight Connector 91">
-              <a:extLst>
-                <a:ext uri="{FF2B5EF4-FFF2-40B4-BE49-F238E27FC236}">
-                  <a16:creationId xmlns:a16="http://schemas.microsoft.com/office/drawing/2014/main" id="{BE5EC0B9-49C7-4777-AEC5-B5EF8DE40498}"/>
-                </a:ext>
-                <a:ext uri="{C183D7F6-B498-43B3-948B-1728B52AA6E4}">
-                  <adec:decorative xmlns:adec="http://schemas.microsoft.com/office/drawing/2017/decorative" val="1"/>
-                </a:ext>
-              </a:extLst>
-            </p:cNvPr>
-            <p:cNvCxnSpPr>
-              <a:cxnSpLocks/>
-            </p:cNvCxnSpPr>
-            <p:nvPr>
-              <p:extLst>
-                <p:ext uri="{386F3935-93C4-4BCD-93E2-E3B085C9AB24}">
-                  <p16:designElem xmlns:p16="http://schemas.microsoft.com/office/powerpoint/2015/main" val="1"/>
-                </p:ext>
-              </p:extLst>
-            </p:nvPr>
-          </p:nvCxnSpPr>
-          <p:spPr>
-            <a:xfrm>
-              <a:off x="8059680" y="-1"/>
-              <a:ext cx="0" cy="6858000"/>
-            </a:xfrm>
-            <a:prstGeom prst="line">
-              <a:avLst/>
-            </a:prstGeom>
-            <a:ln w="12700">
-              <a:solidFill>
-                <a:srgbClr val="BCBCBC">
-                  <a:alpha val="29804"/>
-                </a:srgbClr>
-              </a:solidFill>
-              <a:prstDash val="sysDot"/>
-            </a:ln>
-          </p:spPr>
-          <p:style>
-            <a:lnRef idx="1">
-              <a:schemeClr val="accent1"/>
-            </a:lnRef>
-            <a:fillRef idx="0">
-              <a:schemeClr val="accent1"/>
-            </a:fillRef>
-            <a:effectRef idx="0">
-              <a:schemeClr val="accent1"/>
-            </a:effectRef>
-            <a:fontRef idx="minor">
-              <a:schemeClr val="tx1"/>
-            </a:fontRef>
-          </p:style>
-        </p:cxnSp>
-        <p:cxnSp>
-          <p:nvCxnSpPr>
-            <p:cNvPr id="93" name="Straight Connector 92">
-              <a:extLst>
-                <a:ext uri="{FF2B5EF4-FFF2-40B4-BE49-F238E27FC236}">
-                  <a16:creationId xmlns:a16="http://schemas.microsoft.com/office/drawing/2014/main" id="{7902048B-30F7-4434-87A5-140F9BB4BEB1}"/>
-                </a:ext>
-                <a:ext uri="{C183D7F6-B498-43B3-948B-1728B52AA6E4}">
-                  <adec:decorative xmlns:adec="http://schemas.microsoft.com/office/drawing/2017/decorative" val="1"/>
-                </a:ext>
-              </a:extLst>
-            </p:cNvPr>
-            <p:cNvCxnSpPr>
-              <a:cxnSpLocks/>
-            </p:cNvCxnSpPr>
-            <p:nvPr>
-              <p:extLst>
-                <p:ext uri="{386F3935-93C4-4BCD-93E2-E3B085C9AB24}">
-                  <p16:designElem xmlns:p16="http://schemas.microsoft.com/office/powerpoint/2015/main" val="1"/>
-                </p:ext>
-              </p:extLst>
-            </p:nvPr>
-          </p:nvCxnSpPr>
-          <p:spPr>
-            <a:xfrm>
-              <a:off x="9043074" y="-1"/>
-              <a:ext cx="0" cy="6858000"/>
-            </a:xfrm>
-            <a:prstGeom prst="line">
-              <a:avLst/>
-            </a:prstGeom>
-            <a:ln w="12700">
-              <a:solidFill>
-                <a:srgbClr val="BCBCBC">
-                  <a:alpha val="29804"/>
-                </a:srgbClr>
-              </a:solidFill>
-              <a:prstDash val="sysDot"/>
-            </a:ln>
-          </p:spPr>
-          <p:style>
-            <a:lnRef idx="1">
-              <a:schemeClr val="accent1"/>
-            </a:lnRef>
-            <a:fillRef idx="0">
-              <a:schemeClr val="accent1"/>
-            </a:fillRef>
-            <a:effectRef idx="0">
-              <a:schemeClr val="accent1"/>
-            </a:effectRef>
-            <a:fontRef idx="minor">
-              <a:schemeClr val="tx1"/>
-            </a:fontRef>
-          </p:style>
-        </p:cxnSp>
-        <p:cxnSp>
-          <p:nvCxnSpPr>
-            <p:cNvPr id="94" name="Straight Connector 93">
-              <a:extLst>
-                <a:ext uri="{FF2B5EF4-FFF2-40B4-BE49-F238E27FC236}">
-                  <a16:creationId xmlns:a16="http://schemas.microsoft.com/office/drawing/2014/main" id="{0500A6E2-A41C-4751-8A4E-9A0C5718D930}"/>
-                </a:ext>
-                <a:ext uri="{C183D7F6-B498-43B3-948B-1728B52AA6E4}">
-                  <adec:decorative xmlns:adec="http://schemas.microsoft.com/office/drawing/2017/decorative" val="1"/>
-                </a:ext>
-              </a:extLst>
-            </p:cNvPr>
-            <p:cNvCxnSpPr>
-              <a:cxnSpLocks/>
-            </p:cNvCxnSpPr>
-            <p:nvPr>
-              <p:extLst>
-                <p:ext uri="{386F3935-93C4-4BCD-93E2-E3B085C9AB24}">
-                  <p16:designElem xmlns:p16="http://schemas.microsoft.com/office/powerpoint/2015/main" val="1"/>
-                </p:ext>
-              </p:extLst>
-            </p:nvPr>
-          </p:nvCxnSpPr>
-          <p:spPr>
-            <a:xfrm>
-              <a:off x="10026468" y="-1"/>
-              <a:ext cx="0" cy="6858000"/>
-            </a:xfrm>
-            <a:prstGeom prst="line">
-              <a:avLst/>
-            </a:prstGeom>
-            <a:ln w="12700">
-              <a:solidFill>
-                <a:srgbClr val="BCBCBC">
-                  <a:alpha val="29804"/>
-                </a:srgbClr>
-              </a:solidFill>
-              <a:prstDash val="sysDot"/>
-            </a:ln>
-          </p:spPr>
-          <p:style>
-            <a:lnRef idx="1">
-              <a:schemeClr val="accent1"/>
-            </a:lnRef>
-            <a:fillRef idx="0">
-              <a:schemeClr val="accent1"/>
-            </a:fillRef>
-            <a:effectRef idx="0">
-              <a:schemeClr val="accent1"/>
-            </a:effectRef>
-            <a:fontRef idx="minor">
-              <a:schemeClr val="tx1"/>
-            </a:fontRef>
-          </p:style>
-        </p:cxnSp>
-        <p:cxnSp>
-          <p:nvCxnSpPr>
-            <p:cNvPr id="95" name="Straight Connector 94">
-              <a:extLst>
-                <a:ext uri="{FF2B5EF4-FFF2-40B4-BE49-F238E27FC236}">
-                  <a16:creationId xmlns:a16="http://schemas.microsoft.com/office/drawing/2014/main" id="{FC259517-7BE7-45F9-81C0-3A6362BF143C}"/>
-                </a:ext>
-                <a:ext uri="{C183D7F6-B498-43B3-948B-1728B52AA6E4}">
-                  <adec:decorative xmlns:adec="http://schemas.microsoft.com/office/drawing/2017/decorative" val="1"/>
-                </a:ext>
-              </a:extLst>
-            </p:cNvPr>
-            <p:cNvCxnSpPr>
-              <a:cxnSpLocks/>
-            </p:cNvCxnSpPr>
-            <p:nvPr>
-              <p:extLst>
-                <p:ext uri="{386F3935-93C4-4BCD-93E2-E3B085C9AB24}">
-                  <p16:designElem xmlns:p16="http://schemas.microsoft.com/office/powerpoint/2015/main" val="1"/>
-                </p:ext>
-              </p:extLst>
-            </p:nvPr>
-          </p:nvCxnSpPr>
-          <p:spPr>
-            <a:xfrm>
-              <a:off x="11009862" y="-1"/>
-              <a:ext cx="0" cy="6858000"/>
-            </a:xfrm>
-            <a:prstGeom prst="line">
-              <a:avLst/>
-            </a:prstGeom>
-            <a:ln w="12700">
-              <a:solidFill>
-                <a:srgbClr val="BCBCBC">
-                  <a:alpha val="29804"/>
-                </a:srgbClr>
-              </a:solidFill>
-              <a:prstDash val="sysDot"/>
-            </a:ln>
-          </p:spPr>
-          <p:style>
-            <a:lnRef idx="1">
-              <a:schemeClr val="accent1"/>
-            </a:lnRef>
-            <a:fillRef idx="0">
-              <a:schemeClr val="accent1"/>
-            </a:fillRef>
-            <a:effectRef idx="0">
-              <a:schemeClr val="accent1"/>
-            </a:effectRef>
-            <a:fontRef idx="minor">
-              <a:schemeClr val="tx1"/>
-            </a:fontRef>
-          </p:style>
-        </p:cxnSp>
-        <p:cxnSp>
-          <p:nvCxnSpPr>
-            <p:cNvPr id="96" name="Straight Connector 95">
-              <a:extLst>
-                <a:ext uri="{FF2B5EF4-FFF2-40B4-BE49-F238E27FC236}">
-                  <a16:creationId xmlns:a16="http://schemas.microsoft.com/office/drawing/2014/main" id="{90652F56-7B71-42B2-AB68-22204A6DF177}"/>
-                </a:ext>
-                <a:ext uri="{C183D7F6-B498-43B3-948B-1728B52AA6E4}">
-                  <adec:decorative xmlns:adec="http://schemas.microsoft.com/office/drawing/2017/decorative" val="1"/>
-                </a:ext>
-              </a:extLst>
-            </p:cNvPr>
-            <p:cNvCxnSpPr>
-              <a:cxnSpLocks/>
-            </p:cNvCxnSpPr>
-            <p:nvPr>
-              <p:extLst>
-                <p:ext uri="{386F3935-93C4-4BCD-93E2-E3B085C9AB24}">
-                  <p16:designElem xmlns:p16="http://schemas.microsoft.com/office/powerpoint/2015/main" val="1"/>
-                </p:ext>
-              </p:extLst>
-            </p:nvPr>
-          </p:nvCxnSpPr>
-          <p:spPr>
-            <a:xfrm>
-              <a:off x="12185786" y="-1"/>
-              <a:ext cx="0" cy="6858000"/>
-            </a:xfrm>
-            <a:prstGeom prst="line">
-              <a:avLst/>
-            </a:prstGeom>
-            <a:ln w="12700">
-              <a:solidFill>
-                <a:srgbClr val="BCBCBC">
-                  <a:alpha val="29804"/>
-                </a:srgbClr>
-              </a:solidFill>
-              <a:prstDash val="sysDot"/>
-            </a:ln>
-          </p:spPr>
-          <p:style>
-            <a:lnRef idx="1">
-              <a:schemeClr val="accent1"/>
-            </a:lnRef>
-            <a:fillRef idx="0">
-              <a:schemeClr val="accent1"/>
-            </a:fillRef>
-            <a:effectRef idx="0">
-              <a:schemeClr val="accent1"/>
-            </a:effectRef>
-            <a:fontRef idx="minor">
-              <a:schemeClr val="tx1"/>
-            </a:fontRef>
-          </p:style>
-        </p:cxnSp>
-        <p:cxnSp>
-          <p:nvCxnSpPr>
-            <p:cNvPr id="97" name="Straight Connector 96">
-              <a:extLst>
-                <a:ext uri="{FF2B5EF4-FFF2-40B4-BE49-F238E27FC236}">
-                  <a16:creationId xmlns:a16="http://schemas.microsoft.com/office/drawing/2014/main" id="{1059830E-1C3D-4D42-8789-524971CB4657}"/>
-                </a:ext>
-                <a:ext uri="{C183D7F6-B498-43B3-948B-1728B52AA6E4}">
-                  <adec:decorative xmlns:adec="http://schemas.microsoft.com/office/drawing/2017/decorative" val="1"/>
-                </a:ext>
-              </a:extLst>
-            </p:cNvPr>
-            <p:cNvCxnSpPr>
-              <a:cxnSpLocks/>
-            </p:cNvCxnSpPr>
-            <p:nvPr>
-              <p:extLst>
-                <p:ext uri="{386F3935-93C4-4BCD-93E2-E3B085C9AB24}">
-                  <p16:designElem xmlns:p16="http://schemas.microsoft.com/office/powerpoint/2015/main" val="1"/>
-                </p:ext>
-              </p:extLst>
-            </p:nvPr>
-          </p:nvCxnSpPr>
-          <p:spPr>
-            <a:xfrm>
-              <a:off x="0" y="171716"/>
-              <a:ext cx="12192000" cy="0"/>
-            </a:xfrm>
-            <a:prstGeom prst="line">
-              <a:avLst/>
-            </a:prstGeom>
-            <a:ln w="12700">
-              <a:solidFill>
-                <a:srgbClr val="BCBCBC">
-                  <a:alpha val="29804"/>
-                </a:srgbClr>
-              </a:solidFill>
-              <a:prstDash val="sysDot"/>
-            </a:ln>
-          </p:spPr>
-          <p:style>
-            <a:lnRef idx="1">
-              <a:schemeClr val="accent1"/>
-            </a:lnRef>
-            <a:fillRef idx="0">
-              <a:schemeClr val="accent1"/>
-            </a:fillRef>
-            <a:effectRef idx="0">
-              <a:schemeClr val="accent1"/>
-            </a:effectRef>
-            <a:fontRef idx="minor">
-              <a:schemeClr val="tx1"/>
-            </a:fontRef>
-          </p:style>
-        </p:cxnSp>
-        <p:cxnSp>
-          <p:nvCxnSpPr>
-            <p:cNvPr id="98" name="Straight Connector 97">
-              <a:extLst>
-                <a:ext uri="{FF2B5EF4-FFF2-40B4-BE49-F238E27FC236}">
-                  <a16:creationId xmlns:a16="http://schemas.microsoft.com/office/drawing/2014/main" id="{B53325A7-86D3-4B52-A7E3-ADDF408B4067}"/>
-                </a:ext>
-                <a:ext uri="{C183D7F6-B498-43B3-948B-1728B52AA6E4}">
-                  <adec:decorative xmlns:adec="http://schemas.microsoft.com/office/drawing/2017/decorative" val="1"/>
-                </a:ext>
-              </a:extLst>
-            </p:cNvPr>
-            <p:cNvCxnSpPr>
-              <a:cxnSpLocks/>
-            </p:cNvCxnSpPr>
-            <p:nvPr>
-              <p:extLst>
-                <p:ext uri="{386F3935-93C4-4BCD-93E2-E3B085C9AB24}">
-                  <p16:designElem xmlns:p16="http://schemas.microsoft.com/office/powerpoint/2015/main" val="1"/>
-                </p:ext>
-              </p:extLst>
-            </p:nvPr>
-          </p:nvCxnSpPr>
-          <p:spPr>
-            <a:xfrm>
-              <a:off x="0" y="714597"/>
-              <a:ext cx="12192000" cy="0"/>
-            </a:xfrm>
-            <a:prstGeom prst="line">
-              <a:avLst/>
-            </a:prstGeom>
-            <a:ln w="12700">
-              <a:solidFill>
-                <a:srgbClr val="BCBCBC">
-                  <a:alpha val="29804"/>
-                </a:srgbClr>
-              </a:solidFill>
-              <a:prstDash val="sysDot"/>
-            </a:ln>
-          </p:spPr>
-          <p:style>
-            <a:lnRef idx="1">
-              <a:schemeClr val="accent1"/>
-            </a:lnRef>
-            <a:fillRef idx="0">
-              <a:schemeClr val="accent1"/>
-            </a:fillRef>
-            <a:effectRef idx="0">
-              <a:schemeClr val="accent1"/>
-            </a:effectRef>
-            <a:fontRef idx="minor">
-              <a:schemeClr val="tx1"/>
-            </a:fontRef>
-          </p:style>
-        </p:cxnSp>
-        <p:cxnSp>
-          <p:nvCxnSpPr>
-            <p:cNvPr id="99" name="Straight Connector 98">
-              <a:extLst>
-                <a:ext uri="{FF2B5EF4-FFF2-40B4-BE49-F238E27FC236}">
-                  <a16:creationId xmlns:a16="http://schemas.microsoft.com/office/drawing/2014/main" id="{6D53F46F-EC12-484C-A4E7-791E57687AC1}"/>
-                </a:ext>
-                <a:ext uri="{C183D7F6-B498-43B3-948B-1728B52AA6E4}">
-                  <adec:decorative xmlns:adec="http://schemas.microsoft.com/office/drawing/2017/decorative" val="1"/>
-                </a:ext>
-              </a:extLst>
-            </p:cNvPr>
-            <p:cNvCxnSpPr>
-              <a:cxnSpLocks/>
-            </p:cNvCxnSpPr>
-            <p:nvPr>
-              <p:extLst>
-                <p:ext uri="{386F3935-93C4-4BCD-93E2-E3B085C9AB24}">
-                  <p16:designElem xmlns:p16="http://schemas.microsoft.com/office/powerpoint/2015/main" val="1"/>
-                </p:ext>
-              </p:extLst>
-            </p:nvPr>
-          </p:nvCxnSpPr>
-          <p:spPr>
-            <a:xfrm>
-              <a:off x="0" y="1257478"/>
-              <a:ext cx="12192000" cy="0"/>
-            </a:xfrm>
-            <a:prstGeom prst="line">
-              <a:avLst/>
-            </a:prstGeom>
-            <a:ln w="12700">
-              <a:solidFill>
-                <a:srgbClr val="BCBCBC">
-                  <a:alpha val="29804"/>
-                </a:srgbClr>
-              </a:solidFill>
-              <a:prstDash val="sysDot"/>
-            </a:ln>
-          </p:spPr>
-          <p:style>
-            <a:lnRef idx="1">
-              <a:schemeClr val="accent1"/>
-            </a:lnRef>
-            <a:fillRef idx="0">
-              <a:schemeClr val="accent1"/>
-            </a:fillRef>
-            <a:effectRef idx="0">
-              <a:schemeClr val="accent1"/>
-            </a:effectRef>
-            <a:fontRef idx="minor">
-              <a:schemeClr val="tx1"/>
-            </a:fontRef>
-          </p:style>
-        </p:cxnSp>
-        <p:cxnSp>
-          <p:nvCxnSpPr>
-            <p:cNvPr id="100" name="Straight Connector 99">
-              <a:extLst>
-                <a:ext uri="{FF2B5EF4-FFF2-40B4-BE49-F238E27FC236}">
-                  <a16:creationId xmlns:a16="http://schemas.microsoft.com/office/drawing/2014/main" id="{464ED9CA-8950-47B8-A9ED-22B45CE15FBC}"/>
-                </a:ext>
-                <a:ext uri="{C183D7F6-B498-43B3-948B-1728B52AA6E4}">
-                  <adec:decorative xmlns:adec="http://schemas.microsoft.com/office/drawing/2017/decorative" val="1"/>
-                </a:ext>
-              </a:extLst>
-            </p:cNvPr>
-            <p:cNvCxnSpPr>
-              <a:cxnSpLocks/>
-            </p:cNvCxnSpPr>
-            <p:nvPr>
-              <p:extLst>
-                <p:ext uri="{386F3935-93C4-4BCD-93E2-E3B085C9AB24}">
-                  <p16:designElem xmlns:p16="http://schemas.microsoft.com/office/powerpoint/2015/main" val="1"/>
-                </p:ext>
-              </p:extLst>
-            </p:nvPr>
-          </p:nvCxnSpPr>
-          <p:spPr>
-            <a:xfrm>
-              <a:off x="0" y="1800359"/>
-              <a:ext cx="12192000" cy="0"/>
-            </a:xfrm>
-            <a:prstGeom prst="line">
-              <a:avLst/>
-            </a:prstGeom>
-            <a:ln w="12700">
-              <a:solidFill>
-                <a:srgbClr val="BCBCBC">
-                  <a:alpha val="29804"/>
-                </a:srgbClr>
-              </a:solidFill>
-              <a:prstDash val="sysDot"/>
-            </a:ln>
-          </p:spPr>
-          <p:style>
-            <a:lnRef idx="1">
-              <a:schemeClr val="accent1"/>
-            </a:lnRef>
-            <a:fillRef idx="0">
-              <a:schemeClr val="accent1"/>
-            </a:fillRef>
-            <a:effectRef idx="0">
-              <a:schemeClr val="accent1"/>
-            </a:effectRef>
-            <a:fontRef idx="minor">
-              <a:schemeClr val="tx1"/>
-            </a:fontRef>
-          </p:style>
-        </p:cxnSp>
-        <p:cxnSp>
-          <p:nvCxnSpPr>
-            <p:cNvPr id="101" name="Straight Connector 100">
-              <a:extLst>
-                <a:ext uri="{FF2B5EF4-FFF2-40B4-BE49-F238E27FC236}">
-                  <a16:creationId xmlns:a16="http://schemas.microsoft.com/office/drawing/2014/main" id="{E4429F7B-9FD7-438F-8ECA-3FCAD0061805}"/>
-                </a:ext>
-                <a:ext uri="{C183D7F6-B498-43B3-948B-1728B52AA6E4}">
-                  <adec:decorative xmlns:adec="http://schemas.microsoft.com/office/drawing/2017/decorative" val="1"/>
-                </a:ext>
-              </a:extLst>
-            </p:cNvPr>
-            <p:cNvCxnSpPr>
-              <a:cxnSpLocks/>
-            </p:cNvCxnSpPr>
-            <p:nvPr>
-              <p:extLst>
-                <p:ext uri="{386F3935-93C4-4BCD-93E2-E3B085C9AB24}">
-                  <p16:designElem xmlns:p16="http://schemas.microsoft.com/office/powerpoint/2015/main" val="1"/>
-                </p:ext>
-              </p:extLst>
-            </p:nvPr>
-          </p:nvCxnSpPr>
-          <p:spPr>
-            <a:xfrm>
-              <a:off x="0" y="2343240"/>
-              <a:ext cx="12192000" cy="0"/>
-            </a:xfrm>
-            <a:prstGeom prst="line">
-              <a:avLst/>
-            </a:prstGeom>
-            <a:ln w="12700">
-              <a:solidFill>
-                <a:srgbClr val="BCBCBC">
-                  <a:alpha val="29804"/>
-                </a:srgbClr>
-              </a:solidFill>
-              <a:prstDash val="sysDot"/>
-            </a:ln>
-          </p:spPr>
-          <p:style>
-            <a:lnRef idx="1">
-              <a:schemeClr val="accent1"/>
-            </a:lnRef>
-            <a:fillRef idx="0">
-              <a:schemeClr val="accent1"/>
-            </a:fillRef>
-            <a:effectRef idx="0">
-              <a:schemeClr val="accent1"/>
-            </a:effectRef>
-            <a:fontRef idx="minor">
-              <a:schemeClr val="tx1"/>
-            </a:fontRef>
-          </p:style>
-        </p:cxnSp>
-        <p:cxnSp>
-          <p:nvCxnSpPr>
-            <p:cNvPr id="102" name="Straight Connector 101">
-              <a:extLst>
-                <a:ext uri="{FF2B5EF4-FFF2-40B4-BE49-F238E27FC236}">
-                  <a16:creationId xmlns:a16="http://schemas.microsoft.com/office/drawing/2014/main" id="{0C558100-D455-4B41-890C-BCC898B2D165}"/>
-                </a:ext>
-                <a:ext uri="{C183D7F6-B498-43B3-948B-1728B52AA6E4}">
-                  <adec:decorative xmlns:adec="http://schemas.microsoft.com/office/drawing/2017/decorative" val="1"/>
-                </a:ext>
-              </a:extLst>
-            </p:cNvPr>
-            <p:cNvCxnSpPr>
-              <a:cxnSpLocks/>
-            </p:cNvCxnSpPr>
-            <p:nvPr>
-              <p:extLst>
-                <p:ext uri="{386F3935-93C4-4BCD-93E2-E3B085C9AB24}">
-                  <p16:designElem xmlns:p16="http://schemas.microsoft.com/office/powerpoint/2015/main" val="1"/>
-                </p:ext>
-              </p:extLst>
-            </p:nvPr>
-          </p:nvCxnSpPr>
-          <p:spPr>
-            <a:xfrm>
-              <a:off x="0" y="2886121"/>
-              <a:ext cx="12192000" cy="0"/>
-            </a:xfrm>
-            <a:prstGeom prst="line">
-              <a:avLst/>
-            </a:prstGeom>
-            <a:ln w="12700">
-              <a:solidFill>
-                <a:srgbClr val="BCBCBC">
-                  <a:alpha val="29804"/>
-                </a:srgbClr>
-              </a:solidFill>
-              <a:prstDash val="sysDot"/>
-            </a:ln>
-          </p:spPr>
-          <p:style>
-            <a:lnRef idx="1">
-              <a:schemeClr val="accent1"/>
-            </a:lnRef>
-            <a:fillRef idx="0">
-              <a:schemeClr val="accent1"/>
-            </a:fillRef>
-            <a:effectRef idx="0">
-              <a:schemeClr val="accent1"/>
-            </a:effectRef>
-            <a:fontRef idx="minor">
-              <a:schemeClr val="tx1"/>
-            </a:fontRef>
-          </p:style>
-        </p:cxnSp>
-        <p:cxnSp>
-          <p:nvCxnSpPr>
-            <p:cNvPr id="103" name="Straight Connector 102">
-              <a:extLst>
-                <a:ext uri="{FF2B5EF4-FFF2-40B4-BE49-F238E27FC236}">
-                  <a16:creationId xmlns:a16="http://schemas.microsoft.com/office/drawing/2014/main" id="{F2886397-398A-4318-BE16-2CBAC1902F9E}"/>
-                </a:ext>
-                <a:ext uri="{C183D7F6-B498-43B3-948B-1728B52AA6E4}">
-                  <adec:decorative xmlns:adec="http://schemas.microsoft.com/office/drawing/2017/decorative" val="1"/>
-                </a:ext>
-              </a:extLst>
-            </p:cNvPr>
-            <p:cNvCxnSpPr>
-              <a:cxnSpLocks/>
-            </p:cNvCxnSpPr>
-            <p:nvPr>
-              <p:extLst>
-                <p:ext uri="{386F3935-93C4-4BCD-93E2-E3B085C9AB24}">
-                  <p16:designElem xmlns:p16="http://schemas.microsoft.com/office/powerpoint/2015/main" val="1"/>
-                </p:ext>
-              </p:extLst>
-            </p:nvPr>
-          </p:nvCxnSpPr>
-          <p:spPr>
-            <a:xfrm>
-              <a:off x="0" y="3429002"/>
-              <a:ext cx="12192000" cy="0"/>
-            </a:xfrm>
-            <a:prstGeom prst="line">
-              <a:avLst/>
-            </a:prstGeom>
-            <a:ln w="12700">
-              <a:solidFill>
-                <a:srgbClr val="BCBCBC">
-                  <a:alpha val="29804"/>
-                </a:srgbClr>
-              </a:solidFill>
-              <a:prstDash val="sysDot"/>
-            </a:ln>
-          </p:spPr>
-          <p:style>
-            <a:lnRef idx="1">
-              <a:schemeClr val="accent1"/>
-            </a:lnRef>
-            <a:fillRef idx="0">
-              <a:schemeClr val="accent1"/>
-            </a:fillRef>
-            <a:effectRef idx="0">
-              <a:schemeClr val="accent1"/>
-            </a:effectRef>
-            <a:fontRef idx="minor">
-              <a:schemeClr val="tx1"/>
-            </a:fontRef>
-          </p:style>
-        </p:cxnSp>
-        <p:cxnSp>
-          <p:nvCxnSpPr>
-            <p:cNvPr id="104" name="Straight Connector 103">
-              <a:extLst>
-                <a:ext uri="{FF2B5EF4-FFF2-40B4-BE49-F238E27FC236}">
-                  <a16:creationId xmlns:a16="http://schemas.microsoft.com/office/drawing/2014/main" id="{7D32A3A6-CE6E-4ABD-8522-2C8DC88C070E}"/>
-                </a:ext>
-                <a:ext uri="{C183D7F6-B498-43B3-948B-1728B52AA6E4}">
-                  <adec:decorative xmlns:adec="http://schemas.microsoft.com/office/drawing/2017/decorative" val="1"/>
-                </a:ext>
-              </a:extLst>
-            </p:cNvPr>
-            <p:cNvCxnSpPr>
-              <a:cxnSpLocks/>
-            </p:cNvCxnSpPr>
-            <p:nvPr>
-              <p:extLst>
-                <p:ext uri="{386F3935-93C4-4BCD-93E2-E3B085C9AB24}">
-                  <p16:designElem xmlns:p16="http://schemas.microsoft.com/office/powerpoint/2015/main" val="1"/>
-                </p:ext>
-              </p:extLst>
-            </p:nvPr>
-          </p:nvCxnSpPr>
-          <p:spPr>
-            <a:xfrm>
-              <a:off x="0" y="3971883"/>
-              <a:ext cx="12192000" cy="0"/>
-            </a:xfrm>
-            <a:prstGeom prst="line">
-              <a:avLst/>
-            </a:prstGeom>
-            <a:ln w="12700">
-              <a:solidFill>
-                <a:srgbClr val="BCBCBC">
-                  <a:alpha val="29804"/>
-                </a:srgbClr>
-              </a:solidFill>
-              <a:prstDash val="sysDot"/>
-            </a:ln>
-          </p:spPr>
-          <p:style>
-            <a:lnRef idx="1">
-              <a:schemeClr val="accent1"/>
-            </a:lnRef>
-            <a:fillRef idx="0">
-              <a:schemeClr val="accent1"/>
-            </a:fillRef>
-            <a:effectRef idx="0">
-              <a:schemeClr val="accent1"/>
-            </a:effectRef>
-            <a:fontRef idx="minor">
-              <a:schemeClr val="tx1"/>
-            </a:fontRef>
-          </p:style>
-        </p:cxnSp>
-        <p:cxnSp>
-          <p:nvCxnSpPr>
-            <p:cNvPr id="105" name="Straight Connector 104">
-              <a:extLst>
-                <a:ext uri="{FF2B5EF4-FFF2-40B4-BE49-F238E27FC236}">
-                  <a16:creationId xmlns:a16="http://schemas.microsoft.com/office/drawing/2014/main" id="{F9014C09-5B84-4798-8BDE-C80D76E67B8E}"/>
-                </a:ext>
-                <a:ext uri="{C183D7F6-B498-43B3-948B-1728B52AA6E4}">
-                  <adec:decorative xmlns:adec="http://schemas.microsoft.com/office/drawing/2017/decorative" val="1"/>
-                </a:ext>
-              </a:extLst>
-            </p:cNvPr>
-            <p:cNvCxnSpPr>
-              <a:cxnSpLocks/>
-            </p:cNvCxnSpPr>
-            <p:nvPr>
-              <p:extLst>
-                <p:ext uri="{386F3935-93C4-4BCD-93E2-E3B085C9AB24}">
-                  <p16:designElem xmlns:p16="http://schemas.microsoft.com/office/powerpoint/2015/main" val="1"/>
-                </p:ext>
-              </p:extLst>
-            </p:nvPr>
-          </p:nvCxnSpPr>
-          <p:spPr>
-            <a:xfrm>
-              <a:off x="0" y="4514764"/>
-              <a:ext cx="12192000" cy="0"/>
-            </a:xfrm>
-            <a:prstGeom prst="line">
-              <a:avLst/>
-            </a:prstGeom>
-            <a:ln w="12700">
-              <a:solidFill>
-                <a:srgbClr val="BCBCBC">
-                  <a:alpha val="29804"/>
-                </a:srgbClr>
-              </a:solidFill>
-              <a:prstDash val="sysDot"/>
-            </a:ln>
-          </p:spPr>
-          <p:style>
-            <a:lnRef idx="1">
-              <a:schemeClr val="accent1"/>
-            </a:lnRef>
-            <a:fillRef idx="0">
-              <a:schemeClr val="accent1"/>
-            </a:fillRef>
-            <a:effectRef idx="0">
-              <a:schemeClr val="accent1"/>
-            </a:effectRef>
-            <a:fontRef idx="minor">
-              <a:schemeClr val="tx1"/>
-            </a:fontRef>
-          </p:style>
-        </p:cxnSp>
-        <p:cxnSp>
-          <p:nvCxnSpPr>
-            <p:cNvPr id="106" name="Straight Connector 105">
-              <a:extLst>
-                <a:ext uri="{FF2B5EF4-FFF2-40B4-BE49-F238E27FC236}">
-                  <a16:creationId xmlns:a16="http://schemas.microsoft.com/office/drawing/2014/main" id="{2A29EB9E-ED9D-4C69-8A26-9A7A0A830569}"/>
-                </a:ext>
-                <a:ext uri="{C183D7F6-B498-43B3-948B-1728B52AA6E4}">
-                  <adec:decorative xmlns:adec="http://schemas.microsoft.com/office/drawing/2017/decorative" val="1"/>
-                </a:ext>
-              </a:extLst>
-            </p:cNvPr>
-            <p:cNvCxnSpPr>
-              <a:cxnSpLocks/>
-            </p:cNvCxnSpPr>
-            <p:nvPr>
-              <p:extLst>
-                <p:ext uri="{386F3935-93C4-4BCD-93E2-E3B085C9AB24}">
-                  <p16:designElem xmlns:p16="http://schemas.microsoft.com/office/powerpoint/2015/main" val="1"/>
-                </p:ext>
-              </p:extLst>
-            </p:nvPr>
-          </p:nvCxnSpPr>
-          <p:spPr>
-            <a:xfrm>
-              <a:off x="0" y="5057645"/>
-              <a:ext cx="12192000" cy="0"/>
-            </a:xfrm>
-            <a:prstGeom prst="line">
-              <a:avLst/>
-            </a:prstGeom>
-            <a:ln w="12700">
-              <a:solidFill>
-                <a:srgbClr val="BCBCBC">
-                  <a:alpha val="29804"/>
-                </a:srgbClr>
-              </a:solidFill>
-              <a:prstDash val="sysDot"/>
-            </a:ln>
-          </p:spPr>
-          <p:style>
-            <a:lnRef idx="1">
-              <a:schemeClr val="accent1"/>
-            </a:lnRef>
-            <a:fillRef idx="0">
-              <a:schemeClr val="accent1"/>
-            </a:fillRef>
-            <a:effectRef idx="0">
-              <a:schemeClr val="accent1"/>
-            </a:effectRef>
-            <a:fontRef idx="minor">
-              <a:schemeClr val="tx1"/>
-            </a:fontRef>
-          </p:style>
-        </p:cxnSp>
-        <p:cxnSp>
-          <p:nvCxnSpPr>
-            <p:cNvPr id="107" name="Straight Connector 106">
-              <a:extLst>
-                <a:ext uri="{FF2B5EF4-FFF2-40B4-BE49-F238E27FC236}">
-                  <a16:creationId xmlns:a16="http://schemas.microsoft.com/office/drawing/2014/main" id="{AA2899F9-1795-416F-8F3D-26EEB684DB6A}"/>
-                </a:ext>
-                <a:ext uri="{C183D7F6-B498-43B3-948B-1728B52AA6E4}">
-                  <adec:decorative xmlns:adec="http://schemas.microsoft.com/office/drawing/2017/decorative" val="1"/>
-                </a:ext>
-              </a:extLst>
-            </p:cNvPr>
-            <p:cNvCxnSpPr>
-              <a:cxnSpLocks/>
-            </p:cNvCxnSpPr>
-            <p:nvPr>
-              <p:extLst>
-                <p:ext uri="{386F3935-93C4-4BCD-93E2-E3B085C9AB24}">
-                  <p16:designElem xmlns:p16="http://schemas.microsoft.com/office/powerpoint/2015/main" val="1"/>
-                </p:ext>
-              </p:extLst>
-            </p:nvPr>
-          </p:nvCxnSpPr>
-          <p:spPr>
-            <a:xfrm>
-              <a:off x="0" y="5600526"/>
-              <a:ext cx="12192000" cy="0"/>
-            </a:xfrm>
-            <a:prstGeom prst="line">
-              <a:avLst/>
-            </a:prstGeom>
-            <a:ln w="12700">
-              <a:solidFill>
-                <a:srgbClr val="BCBCBC">
-                  <a:alpha val="29804"/>
-                </a:srgbClr>
-              </a:solidFill>
-              <a:prstDash val="sysDot"/>
-            </a:ln>
-          </p:spPr>
-          <p:style>
-            <a:lnRef idx="1">
-              <a:schemeClr val="accent1"/>
-            </a:lnRef>
-            <a:fillRef idx="0">
-              <a:schemeClr val="accent1"/>
-            </a:fillRef>
-            <a:effectRef idx="0">
-              <a:schemeClr val="accent1"/>
-            </a:effectRef>
-            <a:fontRef idx="minor">
-              <a:schemeClr val="tx1"/>
-            </a:fontRef>
-          </p:style>
-        </p:cxnSp>
-        <p:cxnSp>
-          <p:nvCxnSpPr>
-            <p:cNvPr id="108" name="Straight Connector 107">
-              <a:extLst>
-                <a:ext uri="{FF2B5EF4-FFF2-40B4-BE49-F238E27FC236}">
-                  <a16:creationId xmlns:a16="http://schemas.microsoft.com/office/drawing/2014/main" id="{E3043474-8625-495C-BD06-3627FD286C55}"/>
-                </a:ext>
-                <a:ext uri="{C183D7F6-B498-43B3-948B-1728B52AA6E4}">
-                  <adec:decorative xmlns:adec="http://schemas.microsoft.com/office/drawing/2017/decorative" val="1"/>
-                </a:ext>
-              </a:extLst>
-            </p:cNvPr>
-            <p:cNvCxnSpPr>
-              <a:cxnSpLocks/>
-            </p:cNvCxnSpPr>
-            <p:nvPr>
-              <p:extLst>
-                <p:ext uri="{386F3935-93C4-4BCD-93E2-E3B085C9AB24}">
-                  <p16:designElem xmlns:p16="http://schemas.microsoft.com/office/powerpoint/2015/main" val="1"/>
-                </p:ext>
-              </p:extLst>
-            </p:nvPr>
-          </p:nvCxnSpPr>
-          <p:spPr>
-            <a:xfrm>
-              <a:off x="0" y="6857999"/>
-              <a:ext cx="12192000" cy="0"/>
-            </a:xfrm>
-            <a:prstGeom prst="line">
-              <a:avLst/>
-            </a:prstGeom>
-            <a:ln w="12700">
-              <a:solidFill>
-                <a:srgbClr val="BCBCBC">
-                  <a:alpha val="29804"/>
-                </a:srgbClr>
-              </a:solidFill>
-              <a:prstDash val="sysDot"/>
-            </a:ln>
-          </p:spPr>
-          <p:style>
-            <a:lnRef idx="1">
-              <a:schemeClr val="accent1"/>
-            </a:lnRef>
-            <a:fillRef idx="0">
-              <a:schemeClr val="accent1"/>
-            </a:fillRef>
-            <a:effectRef idx="0">
-              <a:schemeClr val="accent1"/>
-            </a:effectRef>
-            <a:fontRef idx="minor">
-              <a:schemeClr val="tx1"/>
-            </a:fontRef>
-          </p:style>
-        </p:cxnSp>
-        <p:cxnSp>
-          <p:nvCxnSpPr>
-            <p:cNvPr id="109" name="Straight Connector 108">
-              <a:extLst>
-                <a:ext uri="{FF2B5EF4-FFF2-40B4-BE49-F238E27FC236}">
-                  <a16:creationId xmlns:a16="http://schemas.microsoft.com/office/drawing/2014/main" id="{D432CE47-7631-408E-8DDC-79EE378B707B}"/>
-                </a:ext>
-                <a:ext uri="{C183D7F6-B498-43B3-948B-1728B52AA6E4}">
-                  <adec:decorative xmlns:adec="http://schemas.microsoft.com/office/drawing/2017/decorative" val="1"/>
-                </a:ext>
-              </a:extLst>
-            </p:cNvPr>
-            <p:cNvCxnSpPr>
-              <a:cxnSpLocks/>
-            </p:cNvCxnSpPr>
-            <p:nvPr>
-              <p:extLst>
-                <p:ext uri="{386F3935-93C4-4BCD-93E2-E3B085C9AB24}">
-                  <p16:designElem xmlns:p16="http://schemas.microsoft.com/office/powerpoint/2015/main" val="1"/>
-                </p:ext>
-              </p:extLst>
-            </p:nvPr>
-          </p:nvCxnSpPr>
-          <p:spPr>
-            <a:xfrm>
-              <a:off x="16613" y="6143407"/>
-              <a:ext cx="12192000" cy="0"/>
-            </a:xfrm>
-            <a:prstGeom prst="line">
-              <a:avLst/>
-            </a:prstGeom>
-            <a:ln w="12700">
-              <a:solidFill>
-                <a:srgbClr val="BCBCBC">
-                  <a:alpha val="29804"/>
-                </a:srgbClr>
-              </a:solidFill>
-              <a:prstDash val="sysDot"/>
-            </a:ln>
-          </p:spPr>
-          <p:style>
-            <a:lnRef idx="1">
-              <a:schemeClr val="accent1"/>
-            </a:lnRef>
-            <a:fillRef idx="0">
-              <a:schemeClr val="accent1"/>
-            </a:fillRef>
-            <a:effectRef idx="0">
-              <a:schemeClr val="accent1"/>
-            </a:effectRef>
-            <a:fontRef idx="minor">
-              <a:schemeClr val="tx1"/>
-            </a:fontRef>
-          </p:style>
-        </p:cxnSp>
-        <p:cxnSp>
-          <p:nvCxnSpPr>
-            <p:cNvPr id="110" name="Straight Connector 109">
-              <a:extLst>
-                <a:ext uri="{FF2B5EF4-FFF2-40B4-BE49-F238E27FC236}">
-                  <a16:creationId xmlns:a16="http://schemas.microsoft.com/office/drawing/2014/main" id="{B2C8832D-8B8D-4036-B913-2D363143274B}"/>
-                </a:ext>
-                <a:ext uri="{C183D7F6-B498-43B3-948B-1728B52AA6E4}">
-                  <adec:decorative xmlns:adec="http://schemas.microsoft.com/office/drawing/2017/decorative" val="1"/>
-                </a:ext>
-              </a:extLst>
-            </p:cNvPr>
-            <p:cNvCxnSpPr>
-              <a:cxnSpLocks/>
-            </p:cNvCxnSpPr>
-            <p:nvPr>
-              <p:extLst>
-                <p:ext uri="{386F3935-93C4-4BCD-93E2-E3B085C9AB24}">
-                  <p16:designElem xmlns:p16="http://schemas.microsoft.com/office/powerpoint/2015/main" val="1"/>
-                </p:ext>
-              </p:extLst>
-            </p:nvPr>
-          </p:nvCxnSpPr>
-          <p:spPr>
-            <a:xfrm>
-              <a:off x="684225" y="171716"/>
-              <a:ext cx="0" cy="6511464"/>
-            </a:xfrm>
-            <a:prstGeom prst="line">
-              <a:avLst/>
-            </a:prstGeom>
-            <a:ln w="12700">
-              <a:solidFill>
-                <a:srgbClr val="BCBCBC">
-                  <a:alpha val="29804"/>
-                </a:srgbClr>
-              </a:solidFill>
-              <a:prstDash val="sysDot"/>
-            </a:ln>
-          </p:spPr>
-          <p:style>
-            <a:lnRef idx="1">
-              <a:schemeClr val="accent1"/>
-            </a:lnRef>
-            <a:fillRef idx="0">
-              <a:schemeClr val="accent1"/>
-            </a:fillRef>
-            <a:effectRef idx="0">
-              <a:schemeClr val="accent1"/>
-            </a:effectRef>
-            <a:fontRef idx="minor">
-              <a:schemeClr val="tx1"/>
-            </a:fontRef>
-          </p:style>
-        </p:cxnSp>
-        <p:cxnSp>
-          <p:nvCxnSpPr>
-            <p:cNvPr id="111" name="Straight Connector 110">
-              <a:extLst>
-                <a:ext uri="{FF2B5EF4-FFF2-40B4-BE49-F238E27FC236}">
-                  <a16:creationId xmlns:a16="http://schemas.microsoft.com/office/drawing/2014/main" id="{1CCEFEAF-E87B-4FF2-A947-94CABAA0610D}"/>
-                </a:ext>
-                <a:ext uri="{C183D7F6-B498-43B3-948B-1728B52AA6E4}">
-                  <adec:decorative xmlns:adec="http://schemas.microsoft.com/office/drawing/2017/decorative" val="1"/>
-                </a:ext>
-              </a:extLst>
-            </p:cNvPr>
-            <p:cNvCxnSpPr>
-              <a:cxnSpLocks/>
-            </p:cNvCxnSpPr>
-            <p:nvPr>
-              <p:extLst>
-                <p:ext uri="{386F3935-93C4-4BCD-93E2-E3B085C9AB24}">
-                  <p16:designElem xmlns:p16="http://schemas.microsoft.com/office/powerpoint/2015/main" val="1"/>
-                </p:ext>
-              </p:extLst>
-            </p:nvPr>
-          </p:nvCxnSpPr>
-          <p:spPr>
-            <a:xfrm>
-              <a:off x="11508412" y="173267"/>
-              <a:ext cx="0" cy="6511464"/>
-            </a:xfrm>
-            <a:prstGeom prst="line">
-              <a:avLst/>
-            </a:prstGeom>
-            <a:ln w="12700">
-              <a:solidFill>
-                <a:srgbClr val="BCBCBC">
-                  <a:alpha val="29804"/>
-                </a:srgbClr>
-              </a:solidFill>
-              <a:prstDash val="sysDot"/>
-            </a:ln>
-          </p:spPr>
-          <p:style>
-            <a:lnRef idx="1">
-              <a:schemeClr val="accent1"/>
-            </a:lnRef>
-            <a:fillRef idx="0">
-              <a:schemeClr val="accent1"/>
-            </a:fillRef>
-            <a:effectRef idx="0">
-              <a:schemeClr val="accent1"/>
-            </a:effectRef>
-            <a:fontRef idx="minor">
-              <a:schemeClr val="tx1"/>
-            </a:fontRef>
-          </p:style>
-        </p:cxnSp>
-      </p:grpSp>
-      <p:sp>
-        <p:nvSpPr>
-          <p:cNvPr id="113" name="Right Triangle 112">
-            <a:extLst>
-              <a:ext uri="{FF2B5EF4-FFF2-40B4-BE49-F238E27FC236}">
-                <a16:creationId xmlns:a16="http://schemas.microsoft.com/office/drawing/2014/main" id="{2437C4A8-8E3A-4ADA-93B9-64737CE1ABB1}"/>
-              </a:ext>
-              <a:ext uri="{C183D7F6-B498-43B3-948B-1728B52AA6E4}">
-                <adec:decorative xmlns:adec="http://schemas.microsoft.com/office/drawing/2017/decorative" val="1"/>
+                <a16:creationId xmlns:a16="http://schemas.microsoft.com/office/drawing/2014/main" id="{2CE890BC-D147-0DE0-6076-9930E2D00DE5}"/>
               </a:ext>
             </a:extLst>
           </p:cNvPr>
           <p:cNvSpPr>
-            <a:spLocks noGrp="1" noRot="1" noChangeAspect="1" noMove="1" noResize="1" noEditPoints="1" noAdjustHandles="1" noChangeArrowheads="1" noChangeShapeType="1" noTextEdit="1"/>
+            <a:spLocks noGrp="1"/>
           </p:cNvSpPr>
           <p:nvPr>
-            <p:extLst>
-              <p:ext uri="{386F3935-93C4-4BCD-93E2-E3B085C9AB24}">
-                <p16:designElem xmlns:p16="http://schemas.microsoft.com/office/powerpoint/2015/main" val="1"/>
-              </p:ext>
-            </p:extLst>
+            <p:ph type="title"/>
           </p:nvPr>
         </p:nvSpPr>
-        <p:spPr>
-          <a:xfrm rot="13500000">
-            <a:off x="-281093" y="2607907"/>
-            <a:ext cx="568289" cy="568289"/>
-          </a:xfrm>
-          <a:prstGeom prst="rtTriangle">
-            <a:avLst/>
-          </a:prstGeom>
-          <a:solidFill>
-            <a:schemeClr val="accent1">
-              <a:alpha val="50000"/>
-            </a:schemeClr>
-          </a:solidFill>
-          <a:ln>
-            <a:noFill/>
-          </a:ln>
-        </p:spPr>
-        <p:style>
-          <a:lnRef idx="2">
-            <a:schemeClr val="accent1">
-              <a:shade val="50000"/>
-            </a:schemeClr>
-          </a:lnRef>
-          <a:fillRef idx="1">
-            <a:schemeClr val="accent1"/>
-          </a:fillRef>
-          <a:effectRef idx="0">
-            <a:schemeClr val="accent1"/>
-          </a:effectRef>
-          <a:fontRef idx="minor">
-            <a:schemeClr val="lt1"/>
-          </a:fontRef>
-        </p:style>
+        <p:spPr/>
         <p:txBody>
-          <a:bodyPr rtlCol="0" anchor="ctr"/>
+          <a:bodyPr/>
           <a:lstStyle/>
           <a:p>
-            <a:pPr algn="ctr"/>
-            <a:endParaRPr lang="en-US">
-              <a:solidFill>
-                <a:schemeClr val="tx1"/>
-              </a:solidFill>
+            <a:r>
+              <a:rPr lang="en-US" dirty="0"/>
+              <a:t>How to generate the image</a:t>
+            </a:r>
+          </a:p>
+        </p:txBody>
+      </p:sp>
+      <p:sp>
+        <p:nvSpPr>
+          <p:cNvPr id="3" name="Content Placeholder 2">
+            <a:extLst>
+              <a:ext uri="{FF2B5EF4-FFF2-40B4-BE49-F238E27FC236}">
+                <a16:creationId xmlns:a16="http://schemas.microsoft.com/office/drawing/2014/main" id="{2456AB48-545D-E706-0BEE-65F6E7291F61}"/>
+              </a:ext>
+            </a:extLst>
+          </p:cNvPr>
+          <p:cNvSpPr>
+            <a:spLocks noGrp="1"/>
+          </p:cNvSpPr>
+          <p:nvPr>
+            <p:ph idx="1"/>
+          </p:nvPr>
+        </p:nvSpPr>
+        <p:spPr/>
+        <p:txBody>
+          <a:bodyPr vert="horz" lIns="91440" tIns="45720" rIns="91440" bIns="45720" rtlCol="0" anchor="t">
+            <a:normAutofit/>
+          </a:bodyPr>
+          <a:lstStyle/>
+          <a:p>
+            <a:r>
+              <a:rPr lang="en-US" dirty="0"/>
+              <a:t>Initiate the generated image with random values</a:t>
+            </a:r>
+          </a:p>
+          <a:p>
+            <a:pPr>
+              <a:buClr>
+                <a:srgbClr val="B6887B"/>
+              </a:buClr>
+            </a:pPr>
+            <a:r>
+              <a:rPr lang="en-US" dirty="0"/>
+              <a:t>Pick a layer (preferably middle) from the VGG model to find the activations</a:t>
+            </a:r>
+          </a:p>
+          <a:p>
+            <a:pPr>
+              <a:buClr>
+                <a:srgbClr val="B6887B"/>
+              </a:buClr>
+            </a:pPr>
+            <a:r>
+              <a:rPr lang="en-US" dirty="0"/>
+              <a:t>Calculate content and style costs</a:t>
+            </a:r>
+          </a:p>
+          <a:p>
+            <a:pPr>
+              <a:buClr>
+                <a:srgbClr val="B6887B"/>
+              </a:buClr>
+            </a:pPr>
+            <a:r>
+              <a:rPr lang="en-US" dirty="0"/>
+              <a:t>Tune the parameters α and β to obtain required results</a:t>
+            </a:r>
+          </a:p>
+          <a:p>
+            <a:pPr>
+              <a:buClr>
+                <a:srgbClr val="B6887B"/>
+              </a:buClr>
+            </a:pPr>
+            <a:r>
+              <a:rPr lang="en-US" dirty="0"/>
+              <a:t>Run the gradient descent over Generated image, unlike on the weights as in a NN</a:t>
+            </a:r>
+            <a:br>
+              <a:rPr lang="en-US" dirty="0"/>
+            </a:br>
+            <a:r>
+              <a:rPr lang="en-US" dirty="0"/>
+              <a:t>G = G - </a:t>
+            </a:r>
+            <a:r>
+              <a:rPr lang="en-US" dirty="0">
+                <a:ea typeface="+mn-lt"/>
+                <a:cs typeface="+mn-lt"/>
+              </a:rPr>
+              <a:t>α * </a:t>
+            </a:r>
+            <a:r>
+              <a:rPr lang="en-US" dirty="0" err="1">
+                <a:ea typeface="+mn-lt"/>
+                <a:cs typeface="+mn-lt"/>
+              </a:rPr>
+              <a:t>dJ</a:t>
+            </a:r>
+            <a:r>
+              <a:rPr lang="en-US" dirty="0">
+                <a:ea typeface="+mn-lt"/>
+                <a:cs typeface="+mn-lt"/>
+              </a:rPr>
+              <a:t>(G)/</a:t>
+            </a:r>
+            <a:r>
+              <a:rPr lang="en-US" dirty="0" err="1">
+                <a:ea typeface="+mn-lt"/>
+                <a:cs typeface="+mn-lt"/>
+              </a:rPr>
+              <a:t>dG</a:t>
+            </a:r>
+            <a:endParaRPr lang="en-US" dirty="0" err="1"/>
+          </a:p>
+          <a:p>
+            <a:pPr>
+              <a:buClr>
+                <a:srgbClr val="B6887B"/>
+              </a:buClr>
+            </a:pPr>
+            <a:r>
+              <a:rPr lang="en-US" dirty="0"/>
+              <a:t>Try choosing a different layer and repeat these steps until we get a satisfactory result</a:t>
+            </a:r>
+          </a:p>
+          <a:p>
+            <a:pPr>
+              <a:buClr>
+                <a:srgbClr val="B6887B"/>
+              </a:buClr>
+            </a:pPr>
+            <a:endParaRPr lang="en-US" dirty="0"/>
+          </a:p>
+          <a:p>
+            <a:pPr>
+              <a:buClr>
+                <a:srgbClr val="B6887B"/>
+              </a:buClr>
+            </a:pPr>
+            <a:endParaRPr lang="en-US" dirty="0"/>
+          </a:p>
+          <a:p>
+            <a:pPr>
+              <a:buClr>
+                <a:srgbClr val="B6887B"/>
+              </a:buClr>
+            </a:pPr>
+            <a:endParaRPr lang="en-US" dirty="0"/>
+          </a:p>
+        </p:txBody>
+      </p:sp>
+    </p:spTree>
+    <p:extLst>
+      <p:ext uri="{BB962C8B-B14F-4D97-AF65-F5344CB8AC3E}">
+        <p14:creationId xmlns:p14="http://schemas.microsoft.com/office/powerpoint/2010/main" val="1885911968"/>
+      </p:ext>
+    </p:extLst>
+  </p:cSld>
+  <p:clrMapOvr>
+    <a:masterClrMapping/>
+  </p:clrMapOvr>
+</p:sld>
+</file>
+
+<file path=ppt/slides/slide7.xml><?xml version="1.0" encoding="utf-8"?>
+<p:sld xmlns:a="http://schemas.openxmlformats.org/drawingml/2006/main" xmlns:r="http://schemas.openxmlformats.org/officeDocument/2006/relationships" xmlns:p="http://schemas.openxmlformats.org/presentationml/2006/main">
+  <p:cSld>
+    <p:spTree>
+      <p:nvGrpSpPr>
+        <p:cNvPr id="1" name=""/>
+        <p:cNvGrpSpPr/>
+        <p:nvPr/>
+      </p:nvGrpSpPr>
+      <p:grpSpPr>
+        <a:xfrm>
+          <a:off x="0" y="0"/>
+          <a:ext cx="0" cy="0"/>
+          <a:chOff x="0" y="0"/>
+          <a:chExt cx="0" cy="0"/>
+        </a:xfrm>
+      </p:grpSpPr>
+      <p:sp>
+        <p:nvSpPr>
+          <p:cNvPr id="2" name="Title 1">
+            <a:extLst>
+              <a:ext uri="{FF2B5EF4-FFF2-40B4-BE49-F238E27FC236}">
+                <a16:creationId xmlns:a16="http://schemas.microsoft.com/office/drawing/2014/main" id="{2E8BD317-A389-C7B0-C3B9-36A95D7F8A03}"/>
+              </a:ext>
+            </a:extLst>
+          </p:cNvPr>
+          <p:cNvSpPr>
+            <a:spLocks noGrp="1"/>
+          </p:cNvSpPr>
+          <p:nvPr>
+            <p:ph type="title"/>
+          </p:nvPr>
+        </p:nvSpPr>
+        <p:spPr/>
+        <p:txBody>
+          <a:bodyPr/>
+          <a:lstStyle/>
+          <a:p>
+            <a:r>
+              <a:rPr lang="en-US" dirty="0"/>
+              <a:t>More about the algorithm</a:t>
+            </a:r>
+          </a:p>
+        </p:txBody>
+      </p:sp>
+      <p:sp>
+        <p:nvSpPr>
+          <p:cNvPr id="3" name="Content Placeholder 2">
+            <a:extLst>
+              <a:ext uri="{FF2B5EF4-FFF2-40B4-BE49-F238E27FC236}">
+                <a16:creationId xmlns:a16="http://schemas.microsoft.com/office/drawing/2014/main" id="{68EDB244-62D7-90C4-5D1F-C1854F34D99F}"/>
+              </a:ext>
+            </a:extLst>
+          </p:cNvPr>
+          <p:cNvSpPr>
+            <a:spLocks noGrp="1"/>
+          </p:cNvSpPr>
+          <p:nvPr>
+            <p:ph idx="1"/>
+          </p:nvPr>
+        </p:nvSpPr>
+        <p:spPr/>
+        <p:txBody>
+          <a:bodyPr vert="horz" lIns="91440" tIns="45720" rIns="91440" bIns="45720" rtlCol="0" anchor="t">
+            <a:normAutofit/>
+          </a:bodyPr>
+          <a:lstStyle/>
+          <a:p>
+            <a:r>
+              <a:rPr lang="en-US" dirty="0"/>
+              <a:t>The paper "</a:t>
+            </a:r>
+            <a:r>
+              <a:rPr lang="en-US" dirty="0">
+                <a:ea typeface="+mn-lt"/>
+                <a:cs typeface="+mn-lt"/>
+              </a:rPr>
+              <a:t>Visualizing and Understanding Convolutional Networks" explains how Convolutional Networks work</a:t>
+            </a:r>
+          </a:p>
+          <a:p>
+            <a:pPr>
+              <a:buClr>
+                <a:srgbClr val="B6887B"/>
+              </a:buClr>
+            </a:pPr>
+            <a:r>
+              <a:rPr lang="en-US" dirty="0"/>
+              <a:t>The neurons of shallow layers are triggered by smaller image patches, and the deeper neurons are triggered for larger image patches, say a part of a car or flower</a:t>
+            </a:r>
+          </a:p>
+          <a:p>
+            <a:pPr>
+              <a:buClr>
+                <a:srgbClr val="B6887B"/>
+              </a:buClr>
+            </a:pPr>
+            <a:r>
+              <a:rPr lang="en-US" dirty="0"/>
+              <a:t>Extending this, as described in the paper "</a:t>
+            </a:r>
+            <a:r>
+              <a:rPr lang="en-US" dirty="0">
+                <a:ea typeface="+mn-lt"/>
+                <a:cs typeface="+mn-lt"/>
+              </a:rPr>
+              <a:t>A Neural Algorithm of Artistic Style", we can choose a set of layers to calculate the </a:t>
+            </a:r>
+            <a:r>
+              <a:rPr lang="en-US" dirty="0" err="1">
+                <a:ea typeface="+mn-lt"/>
+                <a:cs typeface="+mn-lt"/>
+              </a:rPr>
+              <a:t>J</a:t>
+            </a:r>
+            <a:r>
+              <a:rPr lang="en-US" baseline="-25000" dirty="0" err="1">
+                <a:ea typeface="+mn-lt"/>
+                <a:cs typeface="+mn-lt"/>
+              </a:rPr>
+              <a:t>style</a:t>
+            </a:r>
+            <a:r>
+              <a:rPr lang="en-US" dirty="0">
+                <a:ea typeface="+mn-lt"/>
+                <a:cs typeface="+mn-lt"/>
+              </a:rPr>
+              <a:t> </a:t>
+            </a:r>
+            <a:endParaRPr lang="en-US"/>
+          </a:p>
+          <a:p>
+            <a:pPr>
+              <a:buClr>
+                <a:srgbClr val="B6887B"/>
+              </a:buClr>
+            </a:pPr>
+            <a:r>
+              <a:rPr lang="en-US" dirty="0">
+                <a:ea typeface="+mn-lt"/>
+                <a:cs typeface="+mn-lt"/>
+              </a:rPr>
+              <a:t>This gives a better result as here we consider shallow and deeper layers, giving them weights to find the style loss</a:t>
+            </a:r>
+          </a:p>
+          <a:p>
+            <a:pPr>
+              <a:buClr>
+                <a:srgbClr val="B6887B"/>
+              </a:buClr>
+            </a:pPr>
+            <a:endParaRPr lang="en-US" dirty="0">
+              <a:ea typeface="+mn-lt"/>
+              <a:cs typeface="+mn-lt"/>
+            </a:endParaRPr>
+          </a:p>
+          <a:p>
+            <a:pPr>
+              <a:buClr>
+                <a:srgbClr val="B6887B"/>
+              </a:buClr>
+            </a:pPr>
+            <a:endParaRPr lang="en-US" dirty="0">
+              <a:ea typeface="+mn-lt"/>
+              <a:cs typeface="+mn-lt"/>
             </a:endParaRPr>
           </a:p>
         </p:txBody>
       </p:sp>
-      <p:sp useBgFill="1">
+      <p:sp>
         <p:nvSpPr>
-          <p:cNvPr id="115" name="Rectangle 114">
+          <p:cNvPr id="5" name="TextBox 4">
             <a:extLst>
               <a:ext uri="{FF2B5EF4-FFF2-40B4-BE49-F238E27FC236}">
-                <a16:creationId xmlns:a16="http://schemas.microsoft.com/office/drawing/2014/main" id="{A173122F-D466-4F08-90FA-0038F7AC214A}"/>
-              </a:ext>
-              <a:ext uri="{C183D7F6-B498-43B3-948B-1728B52AA6E4}">
-                <adec:decorative xmlns:adec="http://schemas.microsoft.com/office/drawing/2017/decorative" val="1"/>
+                <a16:creationId xmlns:a16="http://schemas.microsoft.com/office/drawing/2014/main" id="{DCC89394-3333-CA0E-8344-691184D6EA24}"/>
               </a:ext>
             </a:extLst>
           </p:cNvPr>
-          <p:cNvSpPr>
-            <a:spLocks noGrp="1" noRot="1" noChangeAspect="1" noMove="1" noResize="1" noEditPoints="1" noAdjustHandles="1" noChangeArrowheads="1" noChangeShapeType="1" noTextEdit="1"/>
-          </p:cNvSpPr>
-          <p:nvPr>
-            <p:extLst>
-              <p:ext uri="{386F3935-93C4-4BCD-93E2-E3B085C9AB24}">
-                <p16:designElem xmlns:p16="http://schemas.microsoft.com/office/powerpoint/2015/main" val="1"/>
-              </p:ext>
-            </p:extLst>
-          </p:nvPr>
+          <p:cNvSpPr txBox="1"/>
+          <p:nvPr/>
         </p:nvSpPr>
         <p:spPr>
           <a:xfrm>
-            <a:off x="0" y="0"/>
-            <a:ext cx="12188952" cy="6858000"/>
+            <a:off x="686301" y="6371222"/>
+            <a:ext cx="11716752" cy="307777"/>
           </a:xfrm>
           <a:prstGeom prst="rect">
             <a:avLst/>
           </a:prstGeom>
-          <a:ln>
-            <a:noFill/>
-          </a:ln>
+          <a:noFill/>
         </p:spPr>
-        <p:style>
-          <a:lnRef idx="2">
-            <a:schemeClr val="accent1">
-              <a:shade val="50000"/>
-            </a:schemeClr>
-          </a:lnRef>
-          <a:fillRef idx="1">
-            <a:schemeClr val="accent1"/>
-          </a:fillRef>
-          <a:effectRef idx="0">
-            <a:schemeClr val="accent1"/>
-          </a:effectRef>
-          <a:fontRef idx="minor">
-            <a:schemeClr val="lt1"/>
-          </a:fontRef>
-        </p:style>
         <p:txBody>
-          <a:bodyPr rtlCol="0" anchor="ctr"/>
+          <a:bodyPr rot="0" spcFirstLastPara="0" vertOverflow="overflow" horzOverflow="overflow" vert="horz" wrap="square" lIns="91440" tIns="45720" rIns="91440" bIns="45720" numCol="1" spcCol="0" rtlCol="0" fromWordArt="0" anchor="t" anchorCtr="0" forceAA="0" compatLnSpc="1">
+            <a:prstTxWarp prst="textNoShape">
+              <a:avLst/>
+            </a:prstTxWarp>
+            <a:spAutoFit/>
+          </a:bodyPr>
           <a:lstStyle/>
           <a:p>
-            <a:pPr algn="ctr"/>
-            <a:endParaRPr lang="en-US">
-              <a:solidFill>
-                <a:schemeClr val="bg1"/>
-              </a:solidFill>
-            </a:endParaRPr>
+            <a:r>
+              <a:rPr lang="en-US" sz="1400" dirty="0"/>
+              <a:t>[</a:t>
+            </a:r>
+            <a:r>
+              <a:rPr lang="en-US" sz="1400" dirty="0" err="1">
+                <a:ea typeface="+mn-lt"/>
+                <a:cs typeface="+mn-lt"/>
+              </a:rPr>
+              <a:t>Gatys</a:t>
+            </a:r>
+            <a:r>
+              <a:rPr lang="en-US" sz="1400" dirty="0">
+                <a:ea typeface="+mn-lt"/>
+                <a:cs typeface="+mn-lt"/>
+              </a:rPr>
+              <a:t> et al., 2015. A neural algorithm of artistic style</a:t>
+            </a:r>
+            <a:r>
+              <a:rPr lang="en-US" sz="1400" dirty="0"/>
+              <a:t> and </a:t>
+            </a:r>
+            <a:r>
+              <a:rPr lang="en-US" sz="1400" dirty="0">
+                <a:ea typeface="+mn-lt"/>
+                <a:cs typeface="+mn-lt"/>
+              </a:rPr>
+              <a:t>Zeiler and Fergus., 2013, Visualizing and understanding convolutional networks</a:t>
+            </a:r>
+            <a:r>
+              <a:rPr lang="en-US" sz="1400" dirty="0"/>
+              <a:t>]</a:t>
+            </a:r>
           </a:p>
         </p:txBody>
       </p:sp>
-      <p:grpSp>
-        <p:nvGrpSpPr>
-          <p:cNvPr id="117" name="Group 116">
-            <a:extLst>
-              <a:ext uri="{FF2B5EF4-FFF2-40B4-BE49-F238E27FC236}">
-                <a16:creationId xmlns:a16="http://schemas.microsoft.com/office/drawing/2014/main" id="{B19EC7B8-C390-4F1B-8960-E6D32451033C}"/>
-              </a:ext>
-              <a:ext uri="{C183D7F6-B498-43B3-948B-1728B52AA6E4}">
-                <adec:decorative xmlns:adec="http://schemas.microsoft.com/office/drawing/2017/decorative" val="1"/>
-              </a:ext>
-            </a:extLst>
-          </p:cNvPr>
-          <p:cNvGrpSpPr>
-            <a:grpSpLocks noGrp="1" noUngrp="1" noRot="1" noChangeAspect="1" noMove="1" noResize="1"/>
-          </p:cNvGrpSpPr>
-          <p:nvPr>
-            <p:extLst>
-              <p:ext uri="{386F3935-93C4-4BCD-93E2-E3B085C9AB24}">
-                <p16:designElem xmlns:p16="http://schemas.microsoft.com/office/powerpoint/2015/main" val="1"/>
-              </p:ext>
-            </p:extLst>
-          </p:nvPr>
-        </p:nvGrpSpPr>
-        <p:grpSpPr>
-          <a:xfrm>
-            <a:off x="-6214" y="-1"/>
-            <a:ext cx="12214827" cy="6858000"/>
-            <a:chOff x="-6214" y="-1"/>
-            <a:chExt cx="12214827" cy="6858000"/>
-          </a:xfrm>
-        </p:grpSpPr>
-        <p:cxnSp>
-          <p:nvCxnSpPr>
-            <p:cNvPr id="118" name="Straight Connector 117">
-              <a:extLst>
-                <a:ext uri="{FF2B5EF4-FFF2-40B4-BE49-F238E27FC236}">
-                  <a16:creationId xmlns:a16="http://schemas.microsoft.com/office/drawing/2014/main" id="{7CEE1CC1-2CD0-4957-8A12-48FA80C0CC28}"/>
-                </a:ext>
-                <a:ext uri="{C183D7F6-B498-43B3-948B-1728B52AA6E4}">
-                  <adec:decorative xmlns:adec="http://schemas.microsoft.com/office/drawing/2017/decorative" val="1"/>
-                </a:ext>
-              </a:extLst>
-            </p:cNvPr>
-            <p:cNvCxnSpPr>
-              <a:cxnSpLocks/>
-            </p:cNvCxnSpPr>
-            <p:nvPr>
-              <p:extLst>
-                <p:ext uri="{386F3935-93C4-4BCD-93E2-E3B085C9AB24}">
-                  <p16:designElem xmlns:p16="http://schemas.microsoft.com/office/powerpoint/2015/main" val="1"/>
-                </p:ext>
-              </p:extLst>
-            </p:nvPr>
-          </p:nvCxnSpPr>
-          <p:spPr>
-            <a:xfrm>
-              <a:off x="-6214" y="6686283"/>
-              <a:ext cx="12192000" cy="0"/>
-            </a:xfrm>
-            <a:prstGeom prst="line">
-              <a:avLst/>
-            </a:prstGeom>
-            <a:ln w="12700">
-              <a:solidFill>
-                <a:srgbClr val="BCBCBC">
-                  <a:alpha val="29804"/>
-                </a:srgbClr>
-              </a:solidFill>
-              <a:prstDash val="sysDot"/>
-            </a:ln>
-          </p:spPr>
-          <p:style>
-            <a:lnRef idx="1">
-              <a:schemeClr val="accent1"/>
-            </a:lnRef>
-            <a:fillRef idx="0">
-              <a:schemeClr val="accent1"/>
-            </a:fillRef>
-            <a:effectRef idx="0">
-              <a:schemeClr val="accent1"/>
-            </a:effectRef>
-            <a:fontRef idx="minor">
-              <a:schemeClr val="tx1"/>
-            </a:fontRef>
-          </p:style>
-        </p:cxnSp>
-        <p:cxnSp>
-          <p:nvCxnSpPr>
-            <p:cNvPr id="119" name="Straight Connector 118">
-              <a:extLst>
-                <a:ext uri="{FF2B5EF4-FFF2-40B4-BE49-F238E27FC236}">
-                  <a16:creationId xmlns:a16="http://schemas.microsoft.com/office/drawing/2014/main" id="{34901FEB-A7C2-457B-A124-AD433B04174F}"/>
-                </a:ext>
-                <a:ext uri="{C183D7F6-B498-43B3-948B-1728B52AA6E4}">
-                  <adec:decorative xmlns:adec="http://schemas.microsoft.com/office/drawing/2017/decorative" val="1"/>
-                </a:ext>
-              </a:extLst>
-            </p:cNvPr>
-            <p:cNvCxnSpPr>
-              <a:cxnSpLocks/>
-            </p:cNvCxnSpPr>
-            <p:nvPr>
-              <p:extLst>
-                <p:ext uri="{386F3935-93C4-4BCD-93E2-E3B085C9AB24}">
-                  <p16:designElem xmlns:p16="http://schemas.microsoft.com/office/powerpoint/2015/main" val="1"/>
-                </p:ext>
-              </p:extLst>
-            </p:nvPr>
-          </p:nvCxnSpPr>
-          <p:spPr>
-            <a:xfrm>
-              <a:off x="0" y="-1"/>
-              <a:ext cx="0" cy="6858000"/>
-            </a:xfrm>
-            <a:prstGeom prst="line">
-              <a:avLst/>
-            </a:prstGeom>
-            <a:ln w="12700">
-              <a:solidFill>
-                <a:srgbClr val="BCBCBC">
-                  <a:alpha val="29804"/>
-                </a:srgbClr>
-              </a:solidFill>
-              <a:prstDash val="sysDot"/>
-            </a:ln>
-          </p:spPr>
-          <p:style>
-            <a:lnRef idx="1">
-              <a:schemeClr val="accent1"/>
-            </a:lnRef>
-            <a:fillRef idx="0">
-              <a:schemeClr val="accent1"/>
-            </a:fillRef>
-            <a:effectRef idx="0">
-              <a:schemeClr val="accent1"/>
-            </a:effectRef>
-            <a:fontRef idx="minor">
-              <a:schemeClr val="tx1"/>
-            </a:fontRef>
-          </p:style>
-        </p:cxnSp>
-        <p:cxnSp>
-          <p:nvCxnSpPr>
-            <p:cNvPr id="120" name="Straight Connector 119">
-              <a:extLst>
-                <a:ext uri="{FF2B5EF4-FFF2-40B4-BE49-F238E27FC236}">
-                  <a16:creationId xmlns:a16="http://schemas.microsoft.com/office/drawing/2014/main" id="{C76048A8-79AA-454C-BD3E-3004F742681C}"/>
-                </a:ext>
-                <a:ext uri="{C183D7F6-B498-43B3-948B-1728B52AA6E4}">
-                  <adec:decorative xmlns:adec="http://schemas.microsoft.com/office/drawing/2017/decorative" val="1"/>
-                </a:ext>
-              </a:extLst>
-            </p:cNvPr>
-            <p:cNvCxnSpPr>
-              <a:cxnSpLocks/>
-            </p:cNvCxnSpPr>
-            <p:nvPr>
-              <p:extLst>
-                <p:ext uri="{386F3935-93C4-4BCD-93E2-E3B085C9AB24}">
-                  <p16:designElem xmlns:p16="http://schemas.microsoft.com/office/powerpoint/2015/main" val="1"/>
-                </p:ext>
-              </p:extLst>
-            </p:nvPr>
-          </p:nvCxnSpPr>
-          <p:spPr>
-            <a:xfrm>
-              <a:off x="11993258" y="-1"/>
-              <a:ext cx="0" cy="6858000"/>
-            </a:xfrm>
-            <a:prstGeom prst="line">
-              <a:avLst/>
-            </a:prstGeom>
-            <a:ln w="12700">
-              <a:solidFill>
-                <a:srgbClr val="BCBCBC">
-                  <a:alpha val="29804"/>
-                </a:srgbClr>
-              </a:solidFill>
-              <a:prstDash val="sysDot"/>
-            </a:ln>
-          </p:spPr>
-          <p:style>
-            <a:lnRef idx="1">
-              <a:schemeClr val="accent1"/>
-            </a:lnRef>
-            <a:fillRef idx="0">
-              <a:schemeClr val="accent1"/>
-            </a:fillRef>
-            <a:effectRef idx="0">
-              <a:schemeClr val="accent1"/>
-            </a:effectRef>
-            <a:fontRef idx="minor">
-              <a:schemeClr val="tx1"/>
-            </a:fontRef>
-          </p:style>
-        </p:cxnSp>
-        <p:cxnSp>
-          <p:nvCxnSpPr>
-            <p:cNvPr id="121" name="Straight Connector 120">
-              <a:extLst>
-                <a:ext uri="{FF2B5EF4-FFF2-40B4-BE49-F238E27FC236}">
-                  <a16:creationId xmlns:a16="http://schemas.microsoft.com/office/drawing/2014/main" id="{77B51975-25FE-4328-9815-2AA302F28ABA}"/>
-                </a:ext>
-                <a:ext uri="{C183D7F6-B498-43B3-948B-1728B52AA6E4}">
-                  <adec:decorative xmlns:adec="http://schemas.microsoft.com/office/drawing/2017/decorative" val="1"/>
-                </a:ext>
-              </a:extLst>
-            </p:cNvPr>
-            <p:cNvCxnSpPr>
-              <a:cxnSpLocks/>
-            </p:cNvCxnSpPr>
-            <p:nvPr>
-              <p:extLst>
-                <p:ext uri="{386F3935-93C4-4BCD-93E2-E3B085C9AB24}">
-                  <p16:designElem xmlns:p16="http://schemas.microsoft.com/office/powerpoint/2015/main" val="1"/>
-                </p:ext>
-              </p:extLst>
-            </p:nvPr>
-          </p:nvCxnSpPr>
-          <p:spPr>
-            <a:xfrm>
-              <a:off x="192528" y="-1"/>
-              <a:ext cx="0" cy="6858000"/>
-            </a:xfrm>
-            <a:prstGeom prst="line">
-              <a:avLst/>
-            </a:prstGeom>
-            <a:ln w="12700">
-              <a:solidFill>
-                <a:srgbClr val="BCBCBC">
-                  <a:alpha val="29804"/>
-                </a:srgbClr>
-              </a:solidFill>
-              <a:prstDash val="sysDot"/>
-            </a:ln>
-          </p:spPr>
-          <p:style>
-            <a:lnRef idx="1">
-              <a:schemeClr val="accent1"/>
-            </a:lnRef>
-            <a:fillRef idx="0">
-              <a:schemeClr val="accent1"/>
-            </a:fillRef>
-            <a:effectRef idx="0">
-              <a:schemeClr val="accent1"/>
-            </a:effectRef>
-            <a:fontRef idx="minor">
-              <a:schemeClr val="tx1"/>
-            </a:fontRef>
-          </p:style>
-        </p:cxnSp>
-        <p:cxnSp>
-          <p:nvCxnSpPr>
-            <p:cNvPr id="122" name="Straight Connector 121">
-              <a:extLst>
-                <a:ext uri="{FF2B5EF4-FFF2-40B4-BE49-F238E27FC236}">
-                  <a16:creationId xmlns:a16="http://schemas.microsoft.com/office/drawing/2014/main" id="{B440B47E-6D3E-4978-B887-B53DA0BFF556}"/>
-                </a:ext>
-                <a:ext uri="{C183D7F6-B498-43B3-948B-1728B52AA6E4}">
-                  <adec:decorative xmlns:adec="http://schemas.microsoft.com/office/drawing/2017/decorative" val="1"/>
-                </a:ext>
-              </a:extLst>
-            </p:cNvPr>
-            <p:cNvCxnSpPr>
-              <a:cxnSpLocks/>
-            </p:cNvCxnSpPr>
-            <p:nvPr>
-              <p:extLst>
-                <p:ext uri="{386F3935-93C4-4BCD-93E2-E3B085C9AB24}">
-                  <p16:designElem xmlns:p16="http://schemas.microsoft.com/office/powerpoint/2015/main" val="1"/>
-                </p:ext>
-              </p:extLst>
-            </p:nvPr>
-          </p:nvCxnSpPr>
-          <p:spPr>
-            <a:xfrm>
-              <a:off x="1175922" y="-1"/>
-              <a:ext cx="0" cy="6858000"/>
-            </a:xfrm>
-            <a:prstGeom prst="line">
-              <a:avLst/>
-            </a:prstGeom>
-            <a:ln w="12700">
-              <a:solidFill>
-                <a:srgbClr val="BCBCBC">
-                  <a:alpha val="29804"/>
-                </a:srgbClr>
-              </a:solidFill>
-              <a:prstDash val="sysDot"/>
-            </a:ln>
-          </p:spPr>
-          <p:style>
-            <a:lnRef idx="1">
-              <a:schemeClr val="accent1"/>
-            </a:lnRef>
-            <a:fillRef idx="0">
-              <a:schemeClr val="accent1"/>
-            </a:fillRef>
-            <a:effectRef idx="0">
-              <a:schemeClr val="accent1"/>
-            </a:effectRef>
-            <a:fontRef idx="minor">
-              <a:schemeClr val="tx1"/>
-            </a:fontRef>
-          </p:style>
-        </p:cxnSp>
-        <p:cxnSp>
-          <p:nvCxnSpPr>
-            <p:cNvPr id="123" name="Straight Connector 122">
-              <a:extLst>
-                <a:ext uri="{FF2B5EF4-FFF2-40B4-BE49-F238E27FC236}">
-                  <a16:creationId xmlns:a16="http://schemas.microsoft.com/office/drawing/2014/main" id="{FD94D0A1-D760-40DE-B758-008B93D588B5}"/>
-                </a:ext>
-                <a:ext uri="{C183D7F6-B498-43B3-948B-1728B52AA6E4}">
-                  <adec:decorative xmlns:adec="http://schemas.microsoft.com/office/drawing/2017/decorative" val="1"/>
-                </a:ext>
-              </a:extLst>
-            </p:cNvPr>
-            <p:cNvCxnSpPr>
-              <a:cxnSpLocks/>
-            </p:cNvCxnSpPr>
-            <p:nvPr>
-              <p:extLst>
-                <p:ext uri="{386F3935-93C4-4BCD-93E2-E3B085C9AB24}">
-                  <p16:designElem xmlns:p16="http://schemas.microsoft.com/office/powerpoint/2015/main" val="1"/>
-                </p:ext>
-              </p:extLst>
-            </p:nvPr>
-          </p:nvCxnSpPr>
-          <p:spPr>
-            <a:xfrm>
-              <a:off x="2159316" y="-1"/>
-              <a:ext cx="0" cy="6858000"/>
-            </a:xfrm>
-            <a:prstGeom prst="line">
-              <a:avLst/>
-            </a:prstGeom>
-            <a:ln w="12700">
-              <a:solidFill>
-                <a:srgbClr val="BCBCBC">
-                  <a:alpha val="29804"/>
-                </a:srgbClr>
-              </a:solidFill>
-              <a:prstDash val="sysDot"/>
-            </a:ln>
-          </p:spPr>
-          <p:style>
-            <a:lnRef idx="1">
-              <a:schemeClr val="accent1"/>
-            </a:lnRef>
-            <a:fillRef idx="0">
-              <a:schemeClr val="accent1"/>
-            </a:fillRef>
-            <a:effectRef idx="0">
-              <a:schemeClr val="accent1"/>
-            </a:effectRef>
-            <a:fontRef idx="minor">
-              <a:schemeClr val="tx1"/>
-            </a:fontRef>
-          </p:style>
-        </p:cxnSp>
-        <p:cxnSp>
-          <p:nvCxnSpPr>
-            <p:cNvPr id="124" name="Straight Connector 123">
-              <a:extLst>
-                <a:ext uri="{FF2B5EF4-FFF2-40B4-BE49-F238E27FC236}">
-                  <a16:creationId xmlns:a16="http://schemas.microsoft.com/office/drawing/2014/main" id="{F9E590CB-0538-40D7-9CAC-1BBD39CC278D}"/>
-                </a:ext>
-                <a:ext uri="{C183D7F6-B498-43B3-948B-1728B52AA6E4}">
-                  <adec:decorative xmlns:adec="http://schemas.microsoft.com/office/drawing/2017/decorative" val="1"/>
-                </a:ext>
-              </a:extLst>
-            </p:cNvPr>
-            <p:cNvCxnSpPr>
-              <a:cxnSpLocks/>
-            </p:cNvCxnSpPr>
-            <p:nvPr>
-              <p:extLst>
-                <p:ext uri="{386F3935-93C4-4BCD-93E2-E3B085C9AB24}">
-                  <p16:designElem xmlns:p16="http://schemas.microsoft.com/office/powerpoint/2015/main" val="1"/>
-                </p:ext>
-              </p:extLst>
-            </p:nvPr>
-          </p:nvCxnSpPr>
-          <p:spPr>
-            <a:xfrm>
-              <a:off x="3142710" y="-1"/>
-              <a:ext cx="0" cy="6858000"/>
-            </a:xfrm>
-            <a:prstGeom prst="line">
-              <a:avLst/>
-            </a:prstGeom>
-            <a:ln w="12700">
-              <a:solidFill>
-                <a:srgbClr val="BCBCBC">
-                  <a:alpha val="29804"/>
-                </a:srgbClr>
-              </a:solidFill>
-              <a:prstDash val="sysDot"/>
-            </a:ln>
-          </p:spPr>
-          <p:style>
-            <a:lnRef idx="1">
-              <a:schemeClr val="accent1"/>
-            </a:lnRef>
-            <a:fillRef idx="0">
-              <a:schemeClr val="accent1"/>
-            </a:fillRef>
-            <a:effectRef idx="0">
-              <a:schemeClr val="accent1"/>
-            </a:effectRef>
-            <a:fontRef idx="minor">
-              <a:schemeClr val="tx1"/>
-            </a:fontRef>
-          </p:style>
-        </p:cxnSp>
-        <p:cxnSp>
-          <p:nvCxnSpPr>
-            <p:cNvPr id="125" name="Straight Connector 124">
-              <a:extLst>
-                <a:ext uri="{FF2B5EF4-FFF2-40B4-BE49-F238E27FC236}">
-                  <a16:creationId xmlns:a16="http://schemas.microsoft.com/office/drawing/2014/main" id="{5D7C67DA-B2AA-46E2-8065-1F862A6F7233}"/>
-                </a:ext>
-                <a:ext uri="{C183D7F6-B498-43B3-948B-1728B52AA6E4}">
-                  <adec:decorative xmlns:adec="http://schemas.microsoft.com/office/drawing/2017/decorative" val="1"/>
-                </a:ext>
-              </a:extLst>
-            </p:cNvPr>
-            <p:cNvCxnSpPr>
-              <a:cxnSpLocks/>
-            </p:cNvCxnSpPr>
-            <p:nvPr>
-              <p:extLst>
-                <p:ext uri="{386F3935-93C4-4BCD-93E2-E3B085C9AB24}">
-                  <p16:designElem xmlns:p16="http://schemas.microsoft.com/office/powerpoint/2015/main" val="1"/>
-                </p:ext>
-              </p:extLst>
-            </p:nvPr>
-          </p:nvCxnSpPr>
-          <p:spPr>
-            <a:xfrm>
-              <a:off x="4126104" y="-1"/>
-              <a:ext cx="0" cy="6858000"/>
-            </a:xfrm>
-            <a:prstGeom prst="line">
-              <a:avLst/>
-            </a:prstGeom>
-            <a:ln w="12700">
-              <a:solidFill>
-                <a:srgbClr val="BCBCBC">
-                  <a:alpha val="29804"/>
-                </a:srgbClr>
-              </a:solidFill>
-              <a:prstDash val="sysDot"/>
-            </a:ln>
-          </p:spPr>
-          <p:style>
-            <a:lnRef idx="1">
-              <a:schemeClr val="accent1"/>
-            </a:lnRef>
-            <a:fillRef idx="0">
-              <a:schemeClr val="accent1"/>
-            </a:fillRef>
-            <a:effectRef idx="0">
-              <a:schemeClr val="accent1"/>
-            </a:effectRef>
-            <a:fontRef idx="minor">
-              <a:schemeClr val="tx1"/>
-            </a:fontRef>
-          </p:style>
-        </p:cxnSp>
-        <p:cxnSp>
-          <p:nvCxnSpPr>
-            <p:cNvPr id="126" name="Straight Connector 125">
-              <a:extLst>
-                <a:ext uri="{FF2B5EF4-FFF2-40B4-BE49-F238E27FC236}">
-                  <a16:creationId xmlns:a16="http://schemas.microsoft.com/office/drawing/2014/main" id="{C0C2ED54-1B65-4F4A-B14B-41FC05B372B2}"/>
-                </a:ext>
-                <a:ext uri="{C183D7F6-B498-43B3-948B-1728B52AA6E4}">
-                  <adec:decorative xmlns:adec="http://schemas.microsoft.com/office/drawing/2017/decorative" val="1"/>
-                </a:ext>
-              </a:extLst>
-            </p:cNvPr>
-            <p:cNvCxnSpPr>
-              <a:cxnSpLocks/>
-            </p:cNvCxnSpPr>
-            <p:nvPr>
-              <p:extLst>
-                <p:ext uri="{386F3935-93C4-4BCD-93E2-E3B085C9AB24}">
-                  <p16:designElem xmlns:p16="http://schemas.microsoft.com/office/powerpoint/2015/main" val="1"/>
-                </p:ext>
-              </p:extLst>
-            </p:nvPr>
-          </p:nvCxnSpPr>
-          <p:spPr>
-            <a:xfrm>
-              <a:off x="5109498" y="-1"/>
-              <a:ext cx="0" cy="6858000"/>
-            </a:xfrm>
-            <a:prstGeom prst="line">
-              <a:avLst/>
-            </a:prstGeom>
-            <a:ln w="12700">
-              <a:solidFill>
-                <a:srgbClr val="BCBCBC">
-                  <a:alpha val="29804"/>
-                </a:srgbClr>
-              </a:solidFill>
-              <a:prstDash val="sysDot"/>
-            </a:ln>
-          </p:spPr>
-          <p:style>
-            <a:lnRef idx="1">
-              <a:schemeClr val="accent1"/>
-            </a:lnRef>
-            <a:fillRef idx="0">
-              <a:schemeClr val="accent1"/>
-            </a:fillRef>
-            <a:effectRef idx="0">
-              <a:schemeClr val="accent1"/>
-            </a:effectRef>
-            <a:fontRef idx="minor">
-              <a:schemeClr val="tx1"/>
-            </a:fontRef>
-          </p:style>
-        </p:cxnSp>
-        <p:cxnSp>
-          <p:nvCxnSpPr>
-            <p:cNvPr id="127" name="Straight Connector 126">
-              <a:extLst>
-                <a:ext uri="{FF2B5EF4-FFF2-40B4-BE49-F238E27FC236}">
-                  <a16:creationId xmlns:a16="http://schemas.microsoft.com/office/drawing/2014/main" id="{EAE5BBBC-F576-4D54-BF67-C00BB1F4F98F}"/>
-                </a:ext>
-                <a:ext uri="{C183D7F6-B498-43B3-948B-1728B52AA6E4}">
-                  <adec:decorative xmlns:adec="http://schemas.microsoft.com/office/drawing/2017/decorative" val="1"/>
-                </a:ext>
-              </a:extLst>
-            </p:cNvPr>
-            <p:cNvCxnSpPr>
-              <a:cxnSpLocks/>
-            </p:cNvCxnSpPr>
-            <p:nvPr>
-              <p:extLst>
-                <p:ext uri="{386F3935-93C4-4BCD-93E2-E3B085C9AB24}">
-                  <p16:designElem xmlns:p16="http://schemas.microsoft.com/office/powerpoint/2015/main" val="1"/>
-                </p:ext>
-              </p:extLst>
-            </p:nvPr>
-          </p:nvCxnSpPr>
-          <p:spPr>
-            <a:xfrm>
-              <a:off x="6092892" y="-1"/>
-              <a:ext cx="0" cy="6858000"/>
-            </a:xfrm>
-            <a:prstGeom prst="line">
-              <a:avLst/>
-            </a:prstGeom>
-            <a:ln w="12700">
-              <a:solidFill>
-                <a:srgbClr val="BCBCBC">
-                  <a:alpha val="29804"/>
-                </a:srgbClr>
-              </a:solidFill>
-              <a:prstDash val="sysDot"/>
-            </a:ln>
-          </p:spPr>
-          <p:style>
-            <a:lnRef idx="1">
-              <a:schemeClr val="accent1"/>
-            </a:lnRef>
-            <a:fillRef idx="0">
-              <a:schemeClr val="accent1"/>
-            </a:fillRef>
-            <a:effectRef idx="0">
-              <a:schemeClr val="accent1"/>
-            </a:effectRef>
-            <a:fontRef idx="minor">
-              <a:schemeClr val="tx1"/>
-            </a:fontRef>
-          </p:style>
-        </p:cxnSp>
-        <p:cxnSp>
-          <p:nvCxnSpPr>
-            <p:cNvPr id="128" name="Straight Connector 127">
-              <a:extLst>
-                <a:ext uri="{FF2B5EF4-FFF2-40B4-BE49-F238E27FC236}">
-                  <a16:creationId xmlns:a16="http://schemas.microsoft.com/office/drawing/2014/main" id="{90D490E7-12F8-40DC-A9C1-D119667EEF41}"/>
-                </a:ext>
-                <a:ext uri="{C183D7F6-B498-43B3-948B-1728B52AA6E4}">
-                  <adec:decorative xmlns:adec="http://schemas.microsoft.com/office/drawing/2017/decorative" val="1"/>
-                </a:ext>
-              </a:extLst>
-            </p:cNvPr>
-            <p:cNvCxnSpPr>
-              <a:cxnSpLocks/>
-            </p:cNvCxnSpPr>
-            <p:nvPr>
-              <p:extLst>
-                <p:ext uri="{386F3935-93C4-4BCD-93E2-E3B085C9AB24}">
-                  <p16:designElem xmlns:p16="http://schemas.microsoft.com/office/powerpoint/2015/main" val="1"/>
-                </p:ext>
-              </p:extLst>
-            </p:nvPr>
-          </p:nvCxnSpPr>
-          <p:spPr>
-            <a:xfrm>
-              <a:off x="7076286" y="-1"/>
-              <a:ext cx="0" cy="6858000"/>
-            </a:xfrm>
-            <a:prstGeom prst="line">
-              <a:avLst/>
-            </a:prstGeom>
-            <a:ln w="12700">
-              <a:solidFill>
-                <a:srgbClr val="BCBCBC">
-                  <a:alpha val="29804"/>
-                </a:srgbClr>
-              </a:solidFill>
-              <a:prstDash val="sysDot"/>
-            </a:ln>
-          </p:spPr>
-          <p:style>
-            <a:lnRef idx="1">
-              <a:schemeClr val="accent1"/>
-            </a:lnRef>
-            <a:fillRef idx="0">
-              <a:schemeClr val="accent1"/>
-            </a:fillRef>
-            <a:effectRef idx="0">
-              <a:schemeClr val="accent1"/>
-            </a:effectRef>
-            <a:fontRef idx="minor">
-              <a:schemeClr val="tx1"/>
-            </a:fontRef>
-          </p:style>
-        </p:cxnSp>
-        <p:cxnSp>
-          <p:nvCxnSpPr>
-            <p:cNvPr id="129" name="Straight Connector 128">
-              <a:extLst>
-                <a:ext uri="{FF2B5EF4-FFF2-40B4-BE49-F238E27FC236}">
-                  <a16:creationId xmlns:a16="http://schemas.microsoft.com/office/drawing/2014/main" id="{6C855383-9F21-4BDA-8FCA-22AF3D69FFC3}"/>
-                </a:ext>
-                <a:ext uri="{C183D7F6-B498-43B3-948B-1728B52AA6E4}">
-                  <adec:decorative xmlns:adec="http://schemas.microsoft.com/office/drawing/2017/decorative" val="1"/>
-                </a:ext>
-              </a:extLst>
-            </p:cNvPr>
-            <p:cNvCxnSpPr>
-              <a:cxnSpLocks/>
-            </p:cNvCxnSpPr>
-            <p:nvPr>
-              <p:extLst>
-                <p:ext uri="{386F3935-93C4-4BCD-93E2-E3B085C9AB24}">
-                  <p16:designElem xmlns:p16="http://schemas.microsoft.com/office/powerpoint/2015/main" val="1"/>
-                </p:ext>
-              </p:extLst>
-            </p:nvPr>
-          </p:nvCxnSpPr>
-          <p:spPr>
-            <a:xfrm>
-              <a:off x="8059680" y="-1"/>
-              <a:ext cx="0" cy="6858000"/>
-            </a:xfrm>
-            <a:prstGeom prst="line">
-              <a:avLst/>
-            </a:prstGeom>
-            <a:ln w="12700">
-              <a:solidFill>
-                <a:srgbClr val="BCBCBC">
-                  <a:alpha val="29804"/>
-                </a:srgbClr>
-              </a:solidFill>
-              <a:prstDash val="sysDot"/>
-            </a:ln>
-          </p:spPr>
-          <p:style>
-            <a:lnRef idx="1">
-              <a:schemeClr val="accent1"/>
-            </a:lnRef>
-            <a:fillRef idx="0">
-              <a:schemeClr val="accent1"/>
-            </a:fillRef>
-            <a:effectRef idx="0">
-              <a:schemeClr val="accent1"/>
-            </a:effectRef>
-            <a:fontRef idx="minor">
-              <a:schemeClr val="tx1"/>
-            </a:fontRef>
-          </p:style>
-        </p:cxnSp>
-        <p:cxnSp>
-          <p:nvCxnSpPr>
-            <p:cNvPr id="130" name="Straight Connector 129">
-              <a:extLst>
-                <a:ext uri="{FF2B5EF4-FFF2-40B4-BE49-F238E27FC236}">
-                  <a16:creationId xmlns:a16="http://schemas.microsoft.com/office/drawing/2014/main" id="{FC3E600C-E08A-418E-B30E-2B0FC15DF960}"/>
-                </a:ext>
-                <a:ext uri="{C183D7F6-B498-43B3-948B-1728B52AA6E4}">
-                  <adec:decorative xmlns:adec="http://schemas.microsoft.com/office/drawing/2017/decorative" val="1"/>
-                </a:ext>
-              </a:extLst>
-            </p:cNvPr>
-            <p:cNvCxnSpPr>
-              <a:cxnSpLocks/>
-            </p:cNvCxnSpPr>
-            <p:nvPr>
-              <p:extLst>
-                <p:ext uri="{386F3935-93C4-4BCD-93E2-E3B085C9AB24}">
-                  <p16:designElem xmlns:p16="http://schemas.microsoft.com/office/powerpoint/2015/main" val="1"/>
-                </p:ext>
-              </p:extLst>
-            </p:nvPr>
-          </p:nvCxnSpPr>
-          <p:spPr>
-            <a:xfrm>
-              <a:off x="9043074" y="-1"/>
-              <a:ext cx="0" cy="6858000"/>
-            </a:xfrm>
-            <a:prstGeom prst="line">
-              <a:avLst/>
-            </a:prstGeom>
-            <a:ln w="12700">
-              <a:solidFill>
-                <a:srgbClr val="BCBCBC">
-                  <a:alpha val="29804"/>
-                </a:srgbClr>
-              </a:solidFill>
-              <a:prstDash val="sysDot"/>
-            </a:ln>
-          </p:spPr>
-          <p:style>
-            <a:lnRef idx="1">
-              <a:schemeClr val="accent1"/>
-            </a:lnRef>
-            <a:fillRef idx="0">
-              <a:schemeClr val="accent1"/>
-            </a:fillRef>
-            <a:effectRef idx="0">
-              <a:schemeClr val="accent1"/>
-            </a:effectRef>
-            <a:fontRef idx="minor">
-              <a:schemeClr val="tx1"/>
-            </a:fontRef>
-          </p:style>
-        </p:cxnSp>
-        <p:cxnSp>
-          <p:nvCxnSpPr>
-            <p:cNvPr id="131" name="Straight Connector 130">
-              <a:extLst>
-                <a:ext uri="{FF2B5EF4-FFF2-40B4-BE49-F238E27FC236}">
-                  <a16:creationId xmlns:a16="http://schemas.microsoft.com/office/drawing/2014/main" id="{E980D58F-BD3F-4B47-9BD2-888B0D9D1977}"/>
-                </a:ext>
-                <a:ext uri="{C183D7F6-B498-43B3-948B-1728B52AA6E4}">
-                  <adec:decorative xmlns:adec="http://schemas.microsoft.com/office/drawing/2017/decorative" val="1"/>
-                </a:ext>
-              </a:extLst>
-            </p:cNvPr>
-            <p:cNvCxnSpPr>
-              <a:cxnSpLocks/>
-            </p:cNvCxnSpPr>
-            <p:nvPr>
-              <p:extLst>
-                <p:ext uri="{386F3935-93C4-4BCD-93E2-E3B085C9AB24}">
-                  <p16:designElem xmlns:p16="http://schemas.microsoft.com/office/powerpoint/2015/main" val="1"/>
-                </p:ext>
-              </p:extLst>
-            </p:nvPr>
-          </p:nvCxnSpPr>
-          <p:spPr>
-            <a:xfrm>
-              <a:off x="10026468" y="-1"/>
-              <a:ext cx="0" cy="6858000"/>
-            </a:xfrm>
-            <a:prstGeom prst="line">
-              <a:avLst/>
-            </a:prstGeom>
-            <a:ln w="12700">
-              <a:solidFill>
-                <a:srgbClr val="BCBCBC">
-                  <a:alpha val="29804"/>
-                </a:srgbClr>
-              </a:solidFill>
-              <a:prstDash val="sysDot"/>
-            </a:ln>
-          </p:spPr>
-          <p:style>
-            <a:lnRef idx="1">
-              <a:schemeClr val="accent1"/>
-            </a:lnRef>
-            <a:fillRef idx="0">
-              <a:schemeClr val="accent1"/>
-            </a:fillRef>
-            <a:effectRef idx="0">
-              <a:schemeClr val="accent1"/>
-            </a:effectRef>
-            <a:fontRef idx="minor">
-              <a:schemeClr val="tx1"/>
-            </a:fontRef>
-          </p:style>
-        </p:cxnSp>
-        <p:cxnSp>
-          <p:nvCxnSpPr>
-            <p:cNvPr id="132" name="Straight Connector 131">
-              <a:extLst>
-                <a:ext uri="{FF2B5EF4-FFF2-40B4-BE49-F238E27FC236}">
-                  <a16:creationId xmlns:a16="http://schemas.microsoft.com/office/drawing/2014/main" id="{43544818-9B28-4A71-8D7B-80727A532626}"/>
-                </a:ext>
-                <a:ext uri="{C183D7F6-B498-43B3-948B-1728B52AA6E4}">
-                  <adec:decorative xmlns:adec="http://schemas.microsoft.com/office/drawing/2017/decorative" val="1"/>
-                </a:ext>
-              </a:extLst>
-            </p:cNvPr>
-            <p:cNvCxnSpPr>
-              <a:cxnSpLocks/>
-            </p:cNvCxnSpPr>
-            <p:nvPr>
-              <p:extLst>
-                <p:ext uri="{386F3935-93C4-4BCD-93E2-E3B085C9AB24}">
-                  <p16:designElem xmlns:p16="http://schemas.microsoft.com/office/powerpoint/2015/main" val="1"/>
-                </p:ext>
-              </p:extLst>
-            </p:nvPr>
-          </p:nvCxnSpPr>
-          <p:spPr>
-            <a:xfrm>
-              <a:off x="11009862" y="-1"/>
-              <a:ext cx="0" cy="6858000"/>
-            </a:xfrm>
-            <a:prstGeom prst="line">
-              <a:avLst/>
-            </a:prstGeom>
-            <a:ln w="12700">
-              <a:solidFill>
-                <a:srgbClr val="BCBCBC">
-                  <a:alpha val="29804"/>
-                </a:srgbClr>
-              </a:solidFill>
-              <a:prstDash val="sysDot"/>
-            </a:ln>
-          </p:spPr>
-          <p:style>
-            <a:lnRef idx="1">
-              <a:schemeClr val="accent1"/>
-            </a:lnRef>
-            <a:fillRef idx="0">
-              <a:schemeClr val="accent1"/>
-            </a:fillRef>
-            <a:effectRef idx="0">
-              <a:schemeClr val="accent1"/>
-            </a:effectRef>
-            <a:fontRef idx="minor">
-              <a:schemeClr val="tx1"/>
-            </a:fontRef>
-          </p:style>
-        </p:cxnSp>
-        <p:cxnSp>
-          <p:nvCxnSpPr>
-            <p:cNvPr id="133" name="Straight Connector 132">
-              <a:extLst>
-                <a:ext uri="{FF2B5EF4-FFF2-40B4-BE49-F238E27FC236}">
-                  <a16:creationId xmlns:a16="http://schemas.microsoft.com/office/drawing/2014/main" id="{101FFBC7-035F-48C5-91FA-4A4973FCD6E0}"/>
-                </a:ext>
-                <a:ext uri="{C183D7F6-B498-43B3-948B-1728B52AA6E4}">
-                  <adec:decorative xmlns:adec="http://schemas.microsoft.com/office/drawing/2017/decorative" val="1"/>
-                </a:ext>
-              </a:extLst>
-            </p:cNvPr>
-            <p:cNvCxnSpPr>
-              <a:cxnSpLocks/>
-            </p:cNvCxnSpPr>
-            <p:nvPr>
-              <p:extLst>
-                <p:ext uri="{386F3935-93C4-4BCD-93E2-E3B085C9AB24}">
-                  <p16:designElem xmlns:p16="http://schemas.microsoft.com/office/powerpoint/2015/main" val="1"/>
-                </p:ext>
-              </p:extLst>
-            </p:nvPr>
-          </p:nvCxnSpPr>
-          <p:spPr>
-            <a:xfrm>
-              <a:off x="12185786" y="-1"/>
-              <a:ext cx="0" cy="6858000"/>
-            </a:xfrm>
-            <a:prstGeom prst="line">
-              <a:avLst/>
-            </a:prstGeom>
-            <a:ln w="12700">
-              <a:solidFill>
-                <a:srgbClr val="BCBCBC">
-                  <a:alpha val="29804"/>
-                </a:srgbClr>
-              </a:solidFill>
-              <a:prstDash val="sysDot"/>
-            </a:ln>
-          </p:spPr>
-          <p:style>
-            <a:lnRef idx="1">
-              <a:schemeClr val="accent1"/>
-            </a:lnRef>
-            <a:fillRef idx="0">
-              <a:schemeClr val="accent1"/>
-            </a:fillRef>
-            <a:effectRef idx="0">
-              <a:schemeClr val="accent1"/>
-            </a:effectRef>
-            <a:fontRef idx="minor">
-              <a:schemeClr val="tx1"/>
-            </a:fontRef>
-          </p:style>
-        </p:cxnSp>
-        <p:cxnSp>
-          <p:nvCxnSpPr>
-            <p:cNvPr id="134" name="Straight Connector 133">
-              <a:extLst>
-                <a:ext uri="{FF2B5EF4-FFF2-40B4-BE49-F238E27FC236}">
-                  <a16:creationId xmlns:a16="http://schemas.microsoft.com/office/drawing/2014/main" id="{D6195BC5-BB4E-4F3F-8378-0B308B42523D}"/>
-                </a:ext>
-                <a:ext uri="{C183D7F6-B498-43B3-948B-1728B52AA6E4}">
-                  <adec:decorative xmlns:adec="http://schemas.microsoft.com/office/drawing/2017/decorative" val="1"/>
-                </a:ext>
-              </a:extLst>
-            </p:cNvPr>
-            <p:cNvCxnSpPr>
-              <a:cxnSpLocks/>
-            </p:cNvCxnSpPr>
-            <p:nvPr>
-              <p:extLst>
-                <p:ext uri="{386F3935-93C4-4BCD-93E2-E3B085C9AB24}">
-                  <p16:designElem xmlns:p16="http://schemas.microsoft.com/office/powerpoint/2015/main" val="1"/>
-                </p:ext>
-              </p:extLst>
-            </p:nvPr>
-          </p:nvCxnSpPr>
-          <p:spPr>
-            <a:xfrm>
-              <a:off x="0" y="171716"/>
-              <a:ext cx="12192000" cy="0"/>
-            </a:xfrm>
-            <a:prstGeom prst="line">
-              <a:avLst/>
-            </a:prstGeom>
-            <a:ln w="12700">
-              <a:solidFill>
-                <a:srgbClr val="BCBCBC">
-                  <a:alpha val="29804"/>
-                </a:srgbClr>
-              </a:solidFill>
-              <a:prstDash val="sysDot"/>
-            </a:ln>
-          </p:spPr>
-          <p:style>
-            <a:lnRef idx="1">
-              <a:schemeClr val="accent1"/>
-            </a:lnRef>
-            <a:fillRef idx="0">
-              <a:schemeClr val="accent1"/>
-            </a:fillRef>
-            <a:effectRef idx="0">
-              <a:schemeClr val="accent1"/>
-            </a:effectRef>
-            <a:fontRef idx="minor">
-              <a:schemeClr val="tx1"/>
-            </a:fontRef>
-          </p:style>
-        </p:cxnSp>
-        <p:cxnSp>
-          <p:nvCxnSpPr>
-            <p:cNvPr id="135" name="Straight Connector 134">
-              <a:extLst>
-                <a:ext uri="{FF2B5EF4-FFF2-40B4-BE49-F238E27FC236}">
-                  <a16:creationId xmlns:a16="http://schemas.microsoft.com/office/drawing/2014/main" id="{02404171-AF5C-4FA1-9D4E-DCF75562BD67}"/>
-                </a:ext>
-                <a:ext uri="{C183D7F6-B498-43B3-948B-1728B52AA6E4}">
-                  <adec:decorative xmlns:adec="http://schemas.microsoft.com/office/drawing/2017/decorative" val="1"/>
-                </a:ext>
-              </a:extLst>
-            </p:cNvPr>
-            <p:cNvCxnSpPr>
-              <a:cxnSpLocks/>
-            </p:cNvCxnSpPr>
-            <p:nvPr>
-              <p:extLst>
-                <p:ext uri="{386F3935-93C4-4BCD-93E2-E3B085C9AB24}">
-                  <p16:designElem xmlns:p16="http://schemas.microsoft.com/office/powerpoint/2015/main" val="1"/>
-                </p:ext>
-              </p:extLst>
-            </p:nvPr>
-          </p:nvCxnSpPr>
-          <p:spPr>
-            <a:xfrm>
-              <a:off x="0" y="714597"/>
-              <a:ext cx="12192000" cy="0"/>
-            </a:xfrm>
-            <a:prstGeom prst="line">
-              <a:avLst/>
-            </a:prstGeom>
-            <a:ln w="12700">
-              <a:solidFill>
-                <a:srgbClr val="BCBCBC">
-                  <a:alpha val="29804"/>
-                </a:srgbClr>
-              </a:solidFill>
-              <a:prstDash val="sysDot"/>
-            </a:ln>
-          </p:spPr>
-          <p:style>
-            <a:lnRef idx="1">
-              <a:schemeClr val="accent1"/>
-            </a:lnRef>
-            <a:fillRef idx="0">
-              <a:schemeClr val="accent1"/>
-            </a:fillRef>
-            <a:effectRef idx="0">
-              <a:schemeClr val="accent1"/>
-            </a:effectRef>
-            <a:fontRef idx="minor">
-              <a:schemeClr val="tx1"/>
-            </a:fontRef>
-          </p:style>
-        </p:cxnSp>
-        <p:cxnSp>
-          <p:nvCxnSpPr>
-            <p:cNvPr id="136" name="Straight Connector 135">
-              <a:extLst>
-                <a:ext uri="{FF2B5EF4-FFF2-40B4-BE49-F238E27FC236}">
-                  <a16:creationId xmlns:a16="http://schemas.microsoft.com/office/drawing/2014/main" id="{BAD45A86-9385-473D-9DBF-565E0A94AF1B}"/>
-                </a:ext>
-                <a:ext uri="{C183D7F6-B498-43B3-948B-1728B52AA6E4}">
-                  <adec:decorative xmlns:adec="http://schemas.microsoft.com/office/drawing/2017/decorative" val="1"/>
-                </a:ext>
-              </a:extLst>
-            </p:cNvPr>
-            <p:cNvCxnSpPr>
-              <a:cxnSpLocks/>
-            </p:cNvCxnSpPr>
-            <p:nvPr>
-              <p:extLst>
-                <p:ext uri="{386F3935-93C4-4BCD-93E2-E3B085C9AB24}">
-                  <p16:designElem xmlns:p16="http://schemas.microsoft.com/office/powerpoint/2015/main" val="1"/>
-                </p:ext>
-              </p:extLst>
-            </p:nvPr>
-          </p:nvCxnSpPr>
-          <p:spPr>
-            <a:xfrm>
-              <a:off x="0" y="1257478"/>
-              <a:ext cx="12192000" cy="0"/>
-            </a:xfrm>
-            <a:prstGeom prst="line">
-              <a:avLst/>
-            </a:prstGeom>
-            <a:ln w="12700">
-              <a:solidFill>
-                <a:srgbClr val="BCBCBC">
-                  <a:alpha val="29804"/>
-                </a:srgbClr>
-              </a:solidFill>
-              <a:prstDash val="sysDot"/>
-            </a:ln>
-          </p:spPr>
-          <p:style>
-            <a:lnRef idx="1">
-              <a:schemeClr val="accent1"/>
-            </a:lnRef>
-            <a:fillRef idx="0">
-              <a:schemeClr val="accent1"/>
-            </a:fillRef>
-            <a:effectRef idx="0">
-              <a:schemeClr val="accent1"/>
-            </a:effectRef>
-            <a:fontRef idx="minor">
-              <a:schemeClr val="tx1"/>
-            </a:fontRef>
-          </p:style>
-        </p:cxnSp>
-        <p:cxnSp>
-          <p:nvCxnSpPr>
-            <p:cNvPr id="137" name="Straight Connector 136">
-              <a:extLst>
-                <a:ext uri="{FF2B5EF4-FFF2-40B4-BE49-F238E27FC236}">
-                  <a16:creationId xmlns:a16="http://schemas.microsoft.com/office/drawing/2014/main" id="{DBA5A228-913F-4D4F-AB25-537293624649}"/>
-                </a:ext>
-                <a:ext uri="{C183D7F6-B498-43B3-948B-1728B52AA6E4}">
-                  <adec:decorative xmlns:adec="http://schemas.microsoft.com/office/drawing/2017/decorative" val="1"/>
-                </a:ext>
-              </a:extLst>
-            </p:cNvPr>
-            <p:cNvCxnSpPr>
-              <a:cxnSpLocks/>
-            </p:cNvCxnSpPr>
-            <p:nvPr>
-              <p:extLst>
-                <p:ext uri="{386F3935-93C4-4BCD-93E2-E3B085C9AB24}">
-                  <p16:designElem xmlns:p16="http://schemas.microsoft.com/office/powerpoint/2015/main" val="1"/>
-                </p:ext>
-              </p:extLst>
-            </p:nvPr>
-          </p:nvCxnSpPr>
-          <p:spPr>
-            <a:xfrm>
-              <a:off x="0" y="1800359"/>
-              <a:ext cx="12192000" cy="0"/>
-            </a:xfrm>
-            <a:prstGeom prst="line">
-              <a:avLst/>
-            </a:prstGeom>
-            <a:ln w="12700">
-              <a:solidFill>
-                <a:srgbClr val="BCBCBC">
-                  <a:alpha val="29804"/>
-                </a:srgbClr>
-              </a:solidFill>
-              <a:prstDash val="sysDot"/>
-            </a:ln>
-          </p:spPr>
-          <p:style>
-            <a:lnRef idx="1">
-              <a:schemeClr val="accent1"/>
-            </a:lnRef>
-            <a:fillRef idx="0">
-              <a:schemeClr val="accent1"/>
-            </a:fillRef>
-            <a:effectRef idx="0">
-              <a:schemeClr val="accent1"/>
-            </a:effectRef>
-            <a:fontRef idx="minor">
-              <a:schemeClr val="tx1"/>
-            </a:fontRef>
-          </p:style>
-        </p:cxnSp>
-        <p:cxnSp>
-          <p:nvCxnSpPr>
-            <p:cNvPr id="138" name="Straight Connector 137">
-              <a:extLst>
-                <a:ext uri="{FF2B5EF4-FFF2-40B4-BE49-F238E27FC236}">
-                  <a16:creationId xmlns:a16="http://schemas.microsoft.com/office/drawing/2014/main" id="{A87E8BFE-D92E-4EB3-ADD1-FB75CAA683BA}"/>
-                </a:ext>
-                <a:ext uri="{C183D7F6-B498-43B3-948B-1728B52AA6E4}">
-                  <adec:decorative xmlns:adec="http://schemas.microsoft.com/office/drawing/2017/decorative" val="1"/>
-                </a:ext>
-              </a:extLst>
-            </p:cNvPr>
-            <p:cNvCxnSpPr>
-              <a:cxnSpLocks/>
-            </p:cNvCxnSpPr>
-            <p:nvPr>
-              <p:extLst>
-                <p:ext uri="{386F3935-93C4-4BCD-93E2-E3B085C9AB24}">
-                  <p16:designElem xmlns:p16="http://schemas.microsoft.com/office/powerpoint/2015/main" val="1"/>
-                </p:ext>
-              </p:extLst>
-            </p:nvPr>
-          </p:nvCxnSpPr>
-          <p:spPr>
-            <a:xfrm>
-              <a:off x="0" y="2343240"/>
-              <a:ext cx="12192000" cy="0"/>
-            </a:xfrm>
-            <a:prstGeom prst="line">
-              <a:avLst/>
-            </a:prstGeom>
-            <a:ln w="12700">
-              <a:solidFill>
-                <a:srgbClr val="BCBCBC">
-                  <a:alpha val="29804"/>
-                </a:srgbClr>
-              </a:solidFill>
-              <a:prstDash val="sysDot"/>
-            </a:ln>
-          </p:spPr>
-          <p:style>
-            <a:lnRef idx="1">
-              <a:schemeClr val="accent1"/>
-            </a:lnRef>
-            <a:fillRef idx="0">
-              <a:schemeClr val="accent1"/>
-            </a:fillRef>
-            <a:effectRef idx="0">
-              <a:schemeClr val="accent1"/>
-            </a:effectRef>
-            <a:fontRef idx="minor">
-              <a:schemeClr val="tx1"/>
-            </a:fontRef>
-          </p:style>
-        </p:cxnSp>
-        <p:cxnSp>
-          <p:nvCxnSpPr>
-            <p:cNvPr id="139" name="Straight Connector 138">
-              <a:extLst>
-                <a:ext uri="{FF2B5EF4-FFF2-40B4-BE49-F238E27FC236}">
-                  <a16:creationId xmlns:a16="http://schemas.microsoft.com/office/drawing/2014/main" id="{08756FCD-8335-4089-B4EE-13D629E53E62}"/>
-                </a:ext>
-                <a:ext uri="{C183D7F6-B498-43B3-948B-1728B52AA6E4}">
-                  <adec:decorative xmlns:adec="http://schemas.microsoft.com/office/drawing/2017/decorative" val="1"/>
-                </a:ext>
-              </a:extLst>
-            </p:cNvPr>
-            <p:cNvCxnSpPr>
-              <a:cxnSpLocks/>
-            </p:cNvCxnSpPr>
-            <p:nvPr>
-              <p:extLst>
-                <p:ext uri="{386F3935-93C4-4BCD-93E2-E3B085C9AB24}">
-                  <p16:designElem xmlns:p16="http://schemas.microsoft.com/office/powerpoint/2015/main" val="1"/>
-                </p:ext>
-              </p:extLst>
-            </p:nvPr>
-          </p:nvCxnSpPr>
-          <p:spPr>
-            <a:xfrm>
-              <a:off x="0" y="2886121"/>
-              <a:ext cx="12192000" cy="0"/>
-            </a:xfrm>
-            <a:prstGeom prst="line">
-              <a:avLst/>
-            </a:prstGeom>
-            <a:ln w="12700">
-              <a:solidFill>
-                <a:srgbClr val="BCBCBC">
-                  <a:alpha val="29804"/>
-                </a:srgbClr>
-              </a:solidFill>
-              <a:prstDash val="sysDot"/>
-            </a:ln>
-          </p:spPr>
-          <p:style>
-            <a:lnRef idx="1">
-              <a:schemeClr val="accent1"/>
-            </a:lnRef>
-            <a:fillRef idx="0">
-              <a:schemeClr val="accent1"/>
-            </a:fillRef>
-            <a:effectRef idx="0">
-              <a:schemeClr val="accent1"/>
-            </a:effectRef>
-            <a:fontRef idx="minor">
-              <a:schemeClr val="tx1"/>
-            </a:fontRef>
-          </p:style>
-        </p:cxnSp>
-        <p:cxnSp>
-          <p:nvCxnSpPr>
-            <p:cNvPr id="140" name="Straight Connector 139">
-              <a:extLst>
-                <a:ext uri="{FF2B5EF4-FFF2-40B4-BE49-F238E27FC236}">
-                  <a16:creationId xmlns:a16="http://schemas.microsoft.com/office/drawing/2014/main" id="{A9707D7B-937E-4DC3-87BA-B7B70426821E}"/>
-                </a:ext>
-                <a:ext uri="{C183D7F6-B498-43B3-948B-1728B52AA6E4}">
-                  <adec:decorative xmlns:adec="http://schemas.microsoft.com/office/drawing/2017/decorative" val="1"/>
-                </a:ext>
-              </a:extLst>
-            </p:cNvPr>
-            <p:cNvCxnSpPr>
-              <a:cxnSpLocks/>
-            </p:cNvCxnSpPr>
-            <p:nvPr>
-              <p:extLst>
-                <p:ext uri="{386F3935-93C4-4BCD-93E2-E3B085C9AB24}">
-                  <p16:designElem xmlns:p16="http://schemas.microsoft.com/office/powerpoint/2015/main" val="1"/>
-                </p:ext>
-              </p:extLst>
-            </p:nvPr>
-          </p:nvCxnSpPr>
-          <p:spPr>
-            <a:xfrm>
-              <a:off x="0" y="3429002"/>
-              <a:ext cx="12192000" cy="0"/>
-            </a:xfrm>
-            <a:prstGeom prst="line">
-              <a:avLst/>
-            </a:prstGeom>
-            <a:ln w="12700">
-              <a:solidFill>
-                <a:srgbClr val="BCBCBC">
-                  <a:alpha val="29804"/>
-                </a:srgbClr>
-              </a:solidFill>
-              <a:prstDash val="sysDot"/>
-            </a:ln>
-          </p:spPr>
-          <p:style>
-            <a:lnRef idx="1">
-              <a:schemeClr val="accent1"/>
-            </a:lnRef>
-            <a:fillRef idx="0">
-              <a:schemeClr val="accent1"/>
-            </a:fillRef>
-            <a:effectRef idx="0">
-              <a:schemeClr val="accent1"/>
-            </a:effectRef>
-            <a:fontRef idx="minor">
-              <a:schemeClr val="tx1"/>
-            </a:fontRef>
-          </p:style>
-        </p:cxnSp>
-        <p:cxnSp>
-          <p:nvCxnSpPr>
-            <p:cNvPr id="141" name="Straight Connector 140">
-              <a:extLst>
-                <a:ext uri="{FF2B5EF4-FFF2-40B4-BE49-F238E27FC236}">
-                  <a16:creationId xmlns:a16="http://schemas.microsoft.com/office/drawing/2014/main" id="{AB1A72DC-3F29-4488-9051-C21E1CBB7E58}"/>
-                </a:ext>
-                <a:ext uri="{C183D7F6-B498-43B3-948B-1728B52AA6E4}">
-                  <adec:decorative xmlns:adec="http://schemas.microsoft.com/office/drawing/2017/decorative" val="1"/>
-                </a:ext>
-              </a:extLst>
-            </p:cNvPr>
-            <p:cNvCxnSpPr>
-              <a:cxnSpLocks/>
-            </p:cNvCxnSpPr>
-            <p:nvPr>
-              <p:extLst>
-                <p:ext uri="{386F3935-93C4-4BCD-93E2-E3B085C9AB24}">
-                  <p16:designElem xmlns:p16="http://schemas.microsoft.com/office/powerpoint/2015/main" val="1"/>
-                </p:ext>
-              </p:extLst>
-            </p:nvPr>
-          </p:nvCxnSpPr>
-          <p:spPr>
-            <a:xfrm>
-              <a:off x="0" y="3971883"/>
-              <a:ext cx="12192000" cy="0"/>
-            </a:xfrm>
-            <a:prstGeom prst="line">
-              <a:avLst/>
-            </a:prstGeom>
-            <a:ln w="12700">
-              <a:solidFill>
-                <a:srgbClr val="BCBCBC">
-                  <a:alpha val="29804"/>
-                </a:srgbClr>
-              </a:solidFill>
-              <a:prstDash val="sysDot"/>
-            </a:ln>
-          </p:spPr>
-          <p:style>
-            <a:lnRef idx="1">
-              <a:schemeClr val="accent1"/>
-            </a:lnRef>
-            <a:fillRef idx="0">
-              <a:schemeClr val="accent1"/>
-            </a:fillRef>
-            <a:effectRef idx="0">
-              <a:schemeClr val="accent1"/>
-            </a:effectRef>
-            <a:fontRef idx="minor">
-              <a:schemeClr val="tx1"/>
-            </a:fontRef>
-          </p:style>
-        </p:cxnSp>
-        <p:cxnSp>
-          <p:nvCxnSpPr>
-            <p:cNvPr id="142" name="Straight Connector 141">
-              <a:extLst>
-                <a:ext uri="{FF2B5EF4-FFF2-40B4-BE49-F238E27FC236}">
-                  <a16:creationId xmlns:a16="http://schemas.microsoft.com/office/drawing/2014/main" id="{956DAD76-815C-4F16-98CF-8E8BE1965BBB}"/>
-                </a:ext>
-                <a:ext uri="{C183D7F6-B498-43B3-948B-1728B52AA6E4}">
-                  <adec:decorative xmlns:adec="http://schemas.microsoft.com/office/drawing/2017/decorative" val="1"/>
-                </a:ext>
-              </a:extLst>
-            </p:cNvPr>
-            <p:cNvCxnSpPr>
-              <a:cxnSpLocks/>
-            </p:cNvCxnSpPr>
-            <p:nvPr>
-              <p:extLst>
-                <p:ext uri="{386F3935-93C4-4BCD-93E2-E3B085C9AB24}">
-                  <p16:designElem xmlns:p16="http://schemas.microsoft.com/office/powerpoint/2015/main" val="1"/>
-                </p:ext>
-              </p:extLst>
-            </p:nvPr>
-          </p:nvCxnSpPr>
-          <p:spPr>
-            <a:xfrm>
-              <a:off x="0" y="4514764"/>
-              <a:ext cx="12192000" cy="0"/>
-            </a:xfrm>
-            <a:prstGeom prst="line">
-              <a:avLst/>
-            </a:prstGeom>
-            <a:ln w="12700">
-              <a:solidFill>
-                <a:srgbClr val="BCBCBC">
-                  <a:alpha val="29804"/>
-                </a:srgbClr>
-              </a:solidFill>
-              <a:prstDash val="sysDot"/>
-            </a:ln>
-          </p:spPr>
-          <p:style>
-            <a:lnRef idx="1">
-              <a:schemeClr val="accent1"/>
-            </a:lnRef>
-            <a:fillRef idx="0">
-              <a:schemeClr val="accent1"/>
-            </a:fillRef>
-            <a:effectRef idx="0">
-              <a:schemeClr val="accent1"/>
-            </a:effectRef>
-            <a:fontRef idx="minor">
-              <a:schemeClr val="tx1"/>
-            </a:fontRef>
-          </p:style>
-        </p:cxnSp>
-        <p:cxnSp>
-          <p:nvCxnSpPr>
-            <p:cNvPr id="143" name="Straight Connector 142">
-              <a:extLst>
-                <a:ext uri="{FF2B5EF4-FFF2-40B4-BE49-F238E27FC236}">
-                  <a16:creationId xmlns:a16="http://schemas.microsoft.com/office/drawing/2014/main" id="{1AF2F8C5-6691-4EBD-B42E-4B17DF1ED277}"/>
-                </a:ext>
-                <a:ext uri="{C183D7F6-B498-43B3-948B-1728B52AA6E4}">
-                  <adec:decorative xmlns:adec="http://schemas.microsoft.com/office/drawing/2017/decorative" val="1"/>
-                </a:ext>
-              </a:extLst>
-            </p:cNvPr>
-            <p:cNvCxnSpPr>
-              <a:cxnSpLocks/>
-            </p:cNvCxnSpPr>
-            <p:nvPr>
-              <p:extLst>
-                <p:ext uri="{386F3935-93C4-4BCD-93E2-E3B085C9AB24}">
-                  <p16:designElem xmlns:p16="http://schemas.microsoft.com/office/powerpoint/2015/main" val="1"/>
-                </p:ext>
-              </p:extLst>
-            </p:nvPr>
-          </p:nvCxnSpPr>
-          <p:spPr>
-            <a:xfrm>
-              <a:off x="0" y="5057645"/>
-              <a:ext cx="12192000" cy="0"/>
-            </a:xfrm>
-            <a:prstGeom prst="line">
-              <a:avLst/>
-            </a:prstGeom>
-            <a:ln w="12700">
-              <a:solidFill>
-                <a:srgbClr val="BCBCBC">
-                  <a:alpha val="29804"/>
-                </a:srgbClr>
-              </a:solidFill>
-              <a:prstDash val="sysDot"/>
-            </a:ln>
-          </p:spPr>
-          <p:style>
-            <a:lnRef idx="1">
-              <a:schemeClr val="accent1"/>
-            </a:lnRef>
-            <a:fillRef idx="0">
-              <a:schemeClr val="accent1"/>
-            </a:fillRef>
-            <a:effectRef idx="0">
-              <a:schemeClr val="accent1"/>
-            </a:effectRef>
-            <a:fontRef idx="minor">
-              <a:schemeClr val="tx1"/>
-            </a:fontRef>
-          </p:style>
-        </p:cxnSp>
-        <p:cxnSp>
-          <p:nvCxnSpPr>
-            <p:cNvPr id="144" name="Straight Connector 143">
-              <a:extLst>
-                <a:ext uri="{FF2B5EF4-FFF2-40B4-BE49-F238E27FC236}">
-                  <a16:creationId xmlns:a16="http://schemas.microsoft.com/office/drawing/2014/main" id="{D32ED14D-1C00-41C8-849C-030A1434E466}"/>
-                </a:ext>
-                <a:ext uri="{C183D7F6-B498-43B3-948B-1728B52AA6E4}">
-                  <adec:decorative xmlns:adec="http://schemas.microsoft.com/office/drawing/2017/decorative" val="1"/>
-                </a:ext>
-              </a:extLst>
-            </p:cNvPr>
-            <p:cNvCxnSpPr>
-              <a:cxnSpLocks/>
-            </p:cNvCxnSpPr>
-            <p:nvPr>
-              <p:extLst>
-                <p:ext uri="{386F3935-93C4-4BCD-93E2-E3B085C9AB24}">
-                  <p16:designElem xmlns:p16="http://schemas.microsoft.com/office/powerpoint/2015/main" val="1"/>
-                </p:ext>
-              </p:extLst>
-            </p:nvPr>
-          </p:nvCxnSpPr>
-          <p:spPr>
-            <a:xfrm>
-              <a:off x="0" y="5600526"/>
-              <a:ext cx="12192000" cy="0"/>
-            </a:xfrm>
-            <a:prstGeom prst="line">
-              <a:avLst/>
-            </a:prstGeom>
-            <a:ln w="12700">
-              <a:solidFill>
-                <a:srgbClr val="BCBCBC">
-                  <a:alpha val="29804"/>
-                </a:srgbClr>
-              </a:solidFill>
-              <a:prstDash val="sysDot"/>
-            </a:ln>
-          </p:spPr>
-          <p:style>
-            <a:lnRef idx="1">
-              <a:schemeClr val="accent1"/>
-            </a:lnRef>
-            <a:fillRef idx="0">
-              <a:schemeClr val="accent1"/>
-            </a:fillRef>
-            <a:effectRef idx="0">
-              <a:schemeClr val="accent1"/>
-            </a:effectRef>
-            <a:fontRef idx="minor">
-              <a:schemeClr val="tx1"/>
-            </a:fontRef>
-          </p:style>
-        </p:cxnSp>
-        <p:cxnSp>
-          <p:nvCxnSpPr>
-            <p:cNvPr id="145" name="Straight Connector 144">
-              <a:extLst>
-                <a:ext uri="{FF2B5EF4-FFF2-40B4-BE49-F238E27FC236}">
-                  <a16:creationId xmlns:a16="http://schemas.microsoft.com/office/drawing/2014/main" id="{62F296F5-9867-45CA-BF0A-EF216F6A8083}"/>
-                </a:ext>
-                <a:ext uri="{C183D7F6-B498-43B3-948B-1728B52AA6E4}">
-                  <adec:decorative xmlns:adec="http://schemas.microsoft.com/office/drawing/2017/decorative" val="1"/>
-                </a:ext>
-              </a:extLst>
-            </p:cNvPr>
-            <p:cNvCxnSpPr>
-              <a:cxnSpLocks/>
-            </p:cNvCxnSpPr>
-            <p:nvPr>
-              <p:extLst>
-                <p:ext uri="{386F3935-93C4-4BCD-93E2-E3B085C9AB24}">
-                  <p16:designElem xmlns:p16="http://schemas.microsoft.com/office/powerpoint/2015/main" val="1"/>
-                </p:ext>
-              </p:extLst>
-            </p:nvPr>
-          </p:nvCxnSpPr>
-          <p:spPr>
-            <a:xfrm>
-              <a:off x="0" y="6857999"/>
-              <a:ext cx="12192000" cy="0"/>
-            </a:xfrm>
-            <a:prstGeom prst="line">
-              <a:avLst/>
-            </a:prstGeom>
-            <a:ln w="12700">
-              <a:solidFill>
-                <a:srgbClr val="BCBCBC">
-                  <a:alpha val="29804"/>
-                </a:srgbClr>
-              </a:solidFill>
-              <a:prstDash val="sysDot"/>
-            </a:ln>
-          </p:spPr>
-          <p:style>
-            <a:lnRef idx="1">
-              <a:schemeClr val="accent1"/>
-            </a:lnRef>
-            <a:fillRef idx="0">
-              <a:schemeClr val="accent1"/>
-            </a:fillRef>
-            <a:effectRef idx="0">
-              <a:schemeClr val="accent1"/>
-            </a:effectRef>
-            <a:fontRef idx="minor">
-              <a:schemeClr val="tx1"/>
-            </a:fontRef>
-          </p:style>
-        </p:cxnSp>
-        <p:cxnSp>
-          <p:nvCxnSpPr>
-            <p:cNvPr id="146" name="Straight Connector 145">
-              <a:extLst>
-                <a:ext uri="{FF2B5EF4-FFF2-40B4-BE49-F238E27FC236}">
-                  <a16:creationId xmlns:a16="http://schemas.microsoft.com/office/drawing/2014/main" id="{53B72471-9DB5-428B-AF52-E11E03B9FD05}"/>
-                </a:ext>
-                <a:ext uri="{C183D7F6-B498-43B3-948B-1728B52AA6E4}">
-                  <adec:decorative xmlns:adec="http://schemas.microsoft.com/office/drawing/2017/decorative" val="1"/>
-                </a:ext>
-              </a:extLst>
-            </p:cNvPr>
-            <p:cNvCxnSpPr>
-              <a:cxnSpLocks/>
-            </p:cNvCxnSpPr>
-            <p:nvPr>
-              <p:extLst>
-                <p:ext uri="{386F3935-93C4-4BCD-93E2-E3B085C9AB24}">
-                  <p16:designElem xmlns:p16="http://schemas.microsoft.com/office/powerpoint/2015/main" val="1"/>
-                </p:ext>
-              </p:extLst>
-            </p:nvPr>
-          </p:nvCxnSpPr>
-          <p:spPr>
-            <a:xfrm>
-              <a:off x="16613" y="6143407"/>
-              <a:ext cx="12192000" cy="0"/>
-            </a:xfrm>
-            <a:prstGeom prst="line">
-              <a:avLst/>
-            </a:prstGeom>
-            <a:ln w="12700">
-              <a:solidFill>
-                <a:srgbClr val="BCBCBC">
-                  <a:alpha val="29804"/>
-                </a:srgbClr>
-              </a:solidFill>
-              <a:prstDash val="sysDot"/>
-            </a:ln>
-          </p:spPr>
-          <p:style>
-            <a:lnRef idx="1">
-              <a:schemeClr val="accent1"/>
-            </a:lnRef>
-            <a:fillRef idx="0">
-              <a:schemeClr val="accent1"/>
-            </a:fillRef>
-            <a:effectRef idx="0">
-              <a:schemeClr val="accent1"/>
-            </a:effectRef>
-            <a:fontRef idx="minor">
-              <a:schemeClr val="tx1"/>
-            </a:fontRef>
-          </p:style>
-        </p:cxnSp>
-        <p:cxnSp>
-          <p:nvCxnSpPr>
-            <p:cNvPr id="147" name="Straight Connector 146">
-              <a:extLst>
-                <a:ext uri="{FF2B5EF4-FFF2-40B4-BE49-F238E27FC236}">
-                  <a16:creationId xmlns:a16="http://schemas.microsoft.com/office/drawing/2014/main" id="{B8656B49-5277-4610-BD7B-F5D98170B5A7}"/>
-                </a:ext>
-                <a:ext uri="{C183D7F6-B498-43B3-948B-1728B52AA6E4}">
-                  <adec:decorative xmlns:adec="http://schemas.microsoft.com/office/drawing/2017/decorative" val="1"/>
-                </a:ext>
-              </a:extLst>
-            </p:cNvPr>
-            <p:cNvCxnSpPr>
-              <a:cxnSpLocks/>
-            </p:cNvCxnSpPr>
-            <p:nvPr>
-              <p:extLst>
-                <p:ext uri="{386F3935-93C4-4BCD-93E2-E3B085C9AB24}">
-                  <p16:designElem xmlns:p16="http://schemas.microsoft.com/office/powerpoint/2015/main" val="1"/>
-                </p:ext>
-              </p:extLst>
-            </p:nvPr>
-          </p:nvCxnSpPr>
-          <p:spPr>
-            <a:xfrm>
-              <a:off x="684225" y="171716"/>
-              <a:ext cx="0" cy="6511464"/>
-            </a:xfrm>
-            <a:prstGeom prst="line">
-              <a:avLst/>
-            </a:prstGeom>
-            <a:ln w="12700">
-              <a:solidFill>
-                <a:srgbClr val="BCBCBC">
-                  <a:alpha val="29804"/>
-                </a:srgbClr>
-              </a:solidFill>
-              <a:prstDash val="sysDot"/>
-            </a:ln>
-          </p:spPr>
-          <p:style>
-            <a:lnRef idx="1">
-              <a:schemeClr val="accent1"/>
-            </a:lnRef>
-            <a:fillRef idx="0">
-              <a:schemeClr val="accent1"/>
-            </a:fillRef>
-            <a:effectRef idx="0">
-              <a:schemeClr val="accent1"/>
-            </a:effectRef>
-            <a:fontRef idx="minor">
-              <a:schemeClr val="tx1"/>
-            </a:fontRef>
-          </p:style>
-        </p:cxnSp>
-        <p:cxnSp>
-          <p:nvCxnSpPr>
-            <p:cNvPr id="148" name="Straight Connector 147">
-              <a:extLst>
-                <a:ext uri="{FF2B5EF4-FFF2-40B4-BE49-F238E27FC236}">
-                  <a16:creationId xmlns:a16="http://schemas.microsoft.com/office/drawing/2014/main" id="{F1A47399-8F78-4DB1-BD21-1166BCB267CF}"/>
-                </a:ext>
-                <a:ext uri="{C183D7F6-B498-43B3-948B-1728B52AA6E4}">
-                  <adec:decorative xmlns:adec="http://schemas.microsoft.com/office/drawing/2017/decorative" val="1"/>
-                </a:ext>
-              </a:extLst>
-            </p:cNvPr>
-            <p:cNvCxnSpPr>
-              <a:cxnSpLocks/>
-            </p:cNvCxnSpPr>
-            <p:nvPr>
-              <p:extLst>
-                <p:ext uri="{386F3935-93C4-4BCD-93E2-E3B085C9AB24}">
-                  <p16:designElem xmlns:p16="http://schemas.microsoft.com/office/powerpoint/2015/main" val="1"/>
-                </p:ext>
-              </p:extLst>
-            </p:nvPr>
-          </p:nvCxnSpPr>
-          <p:spPr>
-            <a:xfrm>
-              <a:off x="11508412" y="173267"/>
-              <a:ext cx="0" cy="6511464"/>
-            </a:xfrm>
-            <a:prstGeom prst="line">
-              <a:avLst/>
-            </a:prstGeom>
-            <a:ln w="12700">
-              <a:solidFill>
-                <a:srgbClr val="BCBCBC">
-                  <a:alpha val="29804"/>
-                </a:srgbClr>
-              </a:solidFill>
-              <a:prstDash val="sysDot"/>
-            </a:ln>
-          </p:spPr>
-          <p:style>
-            <a:lnRef idx="1">
-              <a:schemeClr val="accent1"/>
-            </a:lnRef>
-            <a:fillRef idx="0">
-              <a:schemeClr val="accent1"/>
-            </a:fillRef>
-            <a:effectRef idx="0">
-              <a:schemeClr val="accent1"/>
-            </a:effectRef>
-            <a:fontRef idx="minor">
-              <a:schemeClr val="tx1"/>
-            </a:fontRef>
-          </p:style>
-        </p:cxnSp>
-      </p:grpSp>
-      <p:sp>
-        <p:nvSpPr>
-          <p:cNvPr id="150" name="Right Triangle 149">
-            <a:extLst>
-              <a:ext uri="{FF2B5EF4-FFF2-40B4-BE49-F238E27FC236}">
-                <a16:creationId xmlns:a16="http://schemas.microsoft.com/office/drawing/2014/main" id="{F952A221-69C2-46B3-890D-354CA5961656}"/>
-              </a:ext>
-              <a:ext uri="{C183D7F6-B498-43B3-948B-1728B52AA6E4}">
-                <adec:decorative xmlns:adec="http://schemas.microsoft.com/office/drawing/2017/decorative" val="1"/>
-              </a:ext>
-            </a:extLst>
-          </p:cNvPr>
-          <p:cNvSpPr>
-            <a:spLocks noGrp="1" noRot="1" noChangeAspect="1" noMove="1" noResize="1" noEditPoints="1" noAdjustHandles="1" noChangeArrowheads="1" noChangeShapeType="1" noTextEdit="1"/>
-          </p:cNvSpPr>
-          <p:nvPr>
-            <p:extLst>
-              <p:ext uri="{386F3935-93C4-4BCD-93E2-E3B085C9AB24}">
-                <p16:designElem xmlns:p16="http://schemas.microsoft.com/office/powerpoint/2015/main" val="1"/>
-              </p:ext>
-            </p:extLst>
-          </p:nvPr>
-        </p:nvSpPr>
-        <p:spPr>
-          <a:xfrm rot="18900000">
-            <a:off x="5810332" y="-286720"/>
-            <a:ext cx="568289" cy="568289"/>
-          </a:xfrm>
-          <a:prstGeom prst="rtTriangle">
-            <a:avLst/>
-          </a:prstGeom>
-          <a:solidFill>
-            <a:schemeClr val="accent1">
-              <a:alpha val="50000"/>
-            </a:schemeClr>
-          </a:solidFill>
-          <a:ln>
-            <a:noFill/>
-          </a:ln>
-        </p:spPr>
-        <p:style>
-          <a:lnRef idx="2">
-            <a:schemeClr val="accent1">
-              <a:shade val="50000"/>
-            </a:schemeClr>
-          </a:lnRef>
-          <a:fillRef idx="1">
-            <a:schemeClr val="accent1"/>
-          </a:fillRef>
-          <a:effectRef idx="0">
-            <a:schemeClr val="accent1"/>
-          </a:effectRef>
-          <a:fontRef idx="minor">
-            <a:schemeClr val="lt1"/>
-          </a:fontRef>
-        </p:style>
-        <p:txBody>
-          <a:bodyPr rtlCol="0" anchor="ctr"/>
-          <a:lstStyle/>
-          <a:p>
-            <a:pPr algn="ctr"/>
-            <a:endParaRPr lang="en-US">
-              <a:solidFill>
-                <a:schemeClr val="tx1"/>
-              </a:solidFill>
-            </a:endParaRPr>
-          </a:p>
-        </p:txBody>
-      </p:sp>
-      <p:pic>
-        <p:nvPicPr>
-          <p:cNvPr id="5" name="Picture 5" descr="A picture containing text, city, different&#10;&#10;Description automatically generated">
-            <a:extLst>
-              <a:ext uri="{FF2B5EF4-FFF2-40B4-BE49-F238E27FC236}">
-                <a16:creationId xmlns:a16="http://schemas.microsoft.com/office/drawing/2014/main" id="{7F39A1C0-61F0-3B74-60CF-88FE3FE1E7EC}"/>
-              </a:ext>
-            </a:extLst>
-          </p:cNvPr>
-          <p:cNvPicPr>
-            <a:picLocks noGrp="1" noChangeAspect="1"/>
-          </p:cNvPicPr>
-          <p:nvPr>
-            <p:ph idx="1"/>
-          </p:nvPr>
-        </p:nvPicPr>
-        <p:blipFill>
-          <a:blip r:embed="rId2"/>
-          <a:stretch>
-            <a:fillRect/>
-          </a:stretch>
-        </p:blipFill>
-        <p:spPr>
-          <a:xfrm>
-            <a:off x="194814" y="596926"/>
-            <a:ext cx="11818571" cy="5307641"/>
-          </a:xfrm>
-        </p:spPr>
-      </p:pic>
     </p:spTree>
     <p:extLst>
       <p:ext uri="{BB962C8B-B14F-4D97-AF65-F5344CB8AC3E}">
-        <p14:creationId xmlns:p14="http://schemas.microsoft.com/office/powerpoint/2010/main" val="3397423640"/>
+        <p14:creationId xmlns:p14="http://schemas.microsoft.com/office/powerpoint/2010/main" val="3907538024"/>
       </p:ext>
     </p:extLst>
   </p:cSld>
@@ -32580,10 +32906,10 @@
       </p:sp>
       <p:pic>
         <p:nvPicPr>
-          <p:cNvPr id="4" name="Picture 5">
+          <p:cNvPr id="5" name="Picture 5" descr="A picture containing text, city, different&#10;&#10;Description automatically generated">
             <a:extLst>
               <a:ext uri="{FF2B5EF4-FFF2-40B4-BE49-F238E27FC236}">
-                <a16:creationId xmlns:a16="http://schemas.microsoft.com/office/drawing/2014/main" id="{06749229-885B-6B83-A948-E7E3E39D95D4}"/>
+                <a16:creationId xmlns:a16="http://schemas.microsoft.com/office/drawing/2014/main" id="{7F39A1C0-61F0-3B74-60CF-88FE3FE1E7EC}"/>
               </a:ext>
             </a:extLst>
           </p:cNvPr>
@@ -32602,15 +32928,15 @@
         </p:blipFill>
         <p:spPr>
           <a:xfrm>
-            <a:off x="406633" y="542961"/>
-            <a:ext cx="11325211" cy="5764171"/>
+            <a:off x="194814" y="596926"/>
+            <a:ext cx="11818571" cy="5307641"/>
           </a:xfrm>
         </p:spPr>
       </p:pic>
     </p:spTree>
     <p:extLst>
       <p:ext uri="{BB962C8B-B14F-4D97-AF65-F5344CB8AC3E}">
-        <p14:creationId xmlns:p14="http://schemas.microsoft.com/office/powerpoint/2010/main" val="3431379458"/>
+        <p14:creationId xmlns:p14="http://schemas.microsoft.com/office/powerpoint/2010/main" val="3397423640"/>
       </p:ext>
     </p:extLst>
   </p:cSld>
@@ -36323,10 +36649,10 @@
       </p:sp>
       <p:pic>
         <p:nvPicPr>
-          <p:cNvPr id="4" name="Picture 5" descr="Graphical user interface&#10;&#10;Description automatically generated">
+          <p:cNvPr id="4" name="Picture 5">
             <a:extLst>
               <a:ext uri="{FF2B5EF4-FFF2-40B4-BE49-F238E27FC236}">
-                <a16:creationId xmlns:a16="http://schemas.microsoft.com/office/drawing/2014/main" id="{49B678A1-779E-5954-61E0-9C2B65C83B6E}"/>
+                <a16:creationId xmlns:a16="http://schemas.microsoft.com/office/drawing/2014/main" id="{06749229-885B-6B83-A948-E7E3E39D95D4}"/>
               </a:ext>
             </a:extLst>
           </p:cNvPr>
@@ -36345,15 +36671,15 @@
         </p:blipFill>
         <p:spPr>
           <a:xfrm>
-            <a:off x="215252" y="502981"/>
-            <a:ext cx="11777695" cy="5777366"/>
+            <a:off x="406633" y="542961"/>
+            <a:ext cx="11325211" cy="5764171"/>
           </a:xfrm>
         </p:spPr>
       </p:pic>
     </p:spTree>
     <p:extLst>
       <p:ext uri="{BB962C8B-B14F-4D97-AF65-F5344CB8AC3E}">
-        <p14:creationId xmlns:p14="http://schemas.microsoft.com/office/powerpoint/2010/main" val="107620758"/>
+        <p14:creationId xmlns:p14="http://schemas.microsoft.com/office/powerpoint/2010/main" val="3431379458"/>
       </p:ext>
     </p:extLst>
   </p:cSld>
